--- a/期末演示.pptx
+++ b/期末演示.pptx
@@ -4195,7 +4195,149 @@
         </p:nvSpPr>
         <p:spPr/>
         <p:txBody>
-          <a:bodyPr/>
+          <a:bodyPr>
+            <a:normAutofit fontScale="60000"/>
+          </a:bodyPr>
+          <a:p>
+            <a:r>
+              <a:rPr lang="zh-CN" altLang="en-US"/>
+              <a:t>解决的问题</a:t>
+            </a:r>
+            <a:r>
+              <a:rPr lang="en-US" altLang="zh-CN"/>
+              <a:t>​​</a:t>
+            </a:r>
+            <a:r>
+              <a:rPr lang="zh-CN" altLang="en-US"/>
+              <a:t>：</a:t>
+            </a:r>
+            <a:r>
+              <a:rPr lang="en-US" altLang="zh-CN"/>
+              <a:t>  </a:t>
+            </a:r>
+            <a:endParaRPr lang="en-US" altLang="zh-CN"/>
+          </a:p>
+          <a:p>
+            <a:r>
+              <a:rPr lang="zh-CN" altLang="en-US"/>
+              <a:t>传统校园生活中存在信息分散、社交效率低、服务获取不便等问题。例如：</a:t>
+            </a:r>
+            <a:endParaRPr lang="zh-CN" altLang="en-US"/>
+          </a:p>
+          <a:p>
+            <a:endParaRPr lang="en-US" altLang="zh-CN"/>
+          </a:p>
+          <a:p>
+            <a:r>
+              <a:rPr lang="en-US" altLang="zh-CN"/>
+              <a:t>- </a:t>
+            </a:r>
+            <a:r>
+              <a:rPr lang="zh-CN" altLang="en-US"/>
+              <a:t>二手交易依赖线下或非专用平台，效率低下</a:t>
+            </a:r>
+            <a:endParaRPr lang="zh-CN" altLang="en-US"/>
+          </a:p>
+          <a:p>
+            <a:r>
+              <a:rPr lang="en-US" altLang="zh-CN"/>
+              <a:t>- </a:t>
+            </a:r>
+            <a:r>
+              <a:rPr lang="zh-CN" altLang="en-US"/>
+              <a:t>课程评价缺乏统一平台，学生选课参考不足</a:t>
+            </a:r>
+            <a:endParaRPr lang="zh-CN" altLang="en-US"/>
+          </a:p>
+          <a:p>
+            <a:r>
+              <a:rPr lang="en-US" altLang="zh-CN"/>
+              <a:t>- </a:t>
+            </a:r>
+            <a:r>
+              <a:rPr lang="zh-CN" altLang="en-US"/>
+              <a:t>兼职信息通过非正规渠道传播，可靠性差</a:t>
+            </a:r>
+            <a:endParaRPr lang="zh-CN" altLang="en-US"/>
+          </a:p>
+          <a:p>
+            <a:endParaRPr lang="en-US" altLang="zh-CN"/>
+          </a:p>
+          <a:p>
+            <a:r>
+              <a:rPr lang="zh-CN" altLang="en-US"/>
+              <a:t>实现功能</a:t>
+            </a:r>
+            <a:r>
+              <a:rPr lang="en-US" altLang="zh-CN"/>
+              <a:t>​​</a:t>
+            </a:r>
+            <a:r>
+              <a:rPr lang="zh-CN" altLang="en-US"/>
+              <a:t>：</a:t>
+            </a:r>
+            <a:r>
+              <a:rPr lang="en-US" altLang="zh-CN"/>
+              <a:t>  </a:t>
+            </a:r>
+            <a:endParaRPr lang="en-US" altLang="zh-CN"/>
+          </a:p>
+          <a:p>
+            <a:r>
+              <a:rPr lang="zh-CN" altLang="en-US"/>
+              <a:t>一站式校园社交平台，整合：</a:t>
+            </a:r>
+            <a:endParaRPr lang="zh-CN" altLang="en-US"/>
+          </a:p>
+          <a:p>
+            <a:endParaRPr lang="en-US" altLang="zh-CN"/>
+          </a:p>
+          <a:p>
+            <a:r>
+              <a:rPr lang="en-US" altLang="zh-CN"/>
+              <a:t>- </a:t>
+            </a:r>
+            <a:r>
+              <a:rPr lang="zh-CN" altLang="en-US"/>
+              <a:t>生活分享与二手交易（带图文的帖子系统）</a:t>
+            </a:r>
+            <a:endParaRPr lang="zh-CN" altLang="en-US"/>
+          </a:p>
+          <a:p>
+            <a:r>
+              <a:rPr lang="en-US" altLang="zh-CN"/>
+              <a:t>- </a:t>
+            </a:r>
+            <a:r>
+              <a:rPr lang="zh-CN" altLang="en-US"/>
+              <a:t>课程</a:t>
+            </a:r>
+            <a:r>
+              <a:rPr lang="en-US" altLang="zh-CN"/>
+              <a:t>/</a:t>
+            </a:r>
+            <a:r>
+              <a:rPr lang="zh-CN" altLang="en-US"/>
+              <a:t>教师</a:t>
+            </a:r>
+            <a:r>
+              <a:rPr lang="en-US" altLang="zh-CN"/>
+              <a:t>/</a:t>
+            </a:r>
+            <a:r>
+              <a:rPr lang="zh-CN" altLang="en-US"/>
+              <a:t>食堂评分体系（标准化评价</a:t>
+            </a:r>
+            <a:r>
+              <a:rPr lang="en-US" altLang="zh-CN"/>
+              <a:t>+</a:t>
+            </a:r>
+            <a:r>
+              <a:rPr lang="zh-CN" altLang="en-US"/>
+              <a:t>排行榜）</a:t>
+            </a:r>
+            <a:endParaRPr lang="zh-CN" altLang="en-US"/>
+          </a:p>
           <a:p>
             <a:endParaRPr lang="zh-CN" altLang="en-US"/>
           </a:p>

--- a/期末演示.pptx
+++ b/期末演示.pptx
@@ -12,16 +12,17 @@
     <p:sldId id="263" r:id="rId7"/>
     <p:sldId id="266" r:id="rId8"/>
     <p:sldId id="264" r:id="rId9"/>
-    <p:sldId id="267" r:id="rId10"/>
-    <p:sldId id="268" r:id="rId11"/>
-    <p:sldId id="269" r:id="rId12"/>
-    <p:sldId id="271" r:id="rId13"/>
-    <p:sldId id="274" r:id="rId14"/>
-    <p:sldId id="270" r:id="rId15"/>
-    <p:sldId id="272" r:id="rId16"/>
-    <p:sldId id="273" r:id="rId17"/>
-    <p:sldId id="275" r:id="rId18"/>
-    <p:sldId id="276" r:id="rId19"/>
+    <p:sldId id="277" r:id="rId10"/>
+    <p:sldId id="267" r:id="rId11"/>
+    <p:sldId id="268" r:id="rId12"/>
+    <p:sldId id="269" r:id="rId13"/>
+    <p:sldId id="271" r:id="rId14"/>
+    <p:sldId id="274" r:id="rId15"/>
+    <p:sldId id="270" r:id="rId16"/>
+    <p:sldId id="272" r:id="rId17"/>
+    <p:sldId id="273" r:id="rId18"/>
+    <p:sldId id="275" r:id="rId19"/>
+    <p:sldId id="276" r:id="rId20"/>
   </p:sldIdLst>
   <p:sldSz cx="12192000" cy="6858000"/>
   <p:notesSz cx="6858000" cy="9144000"/>
@@ -3010,2948 +3011,6 @@
 </file>
 
 <file path=ppt/slides/slide10.xml><?xml version="1.0" encoding="utf-8"?>
-<p:sld xmlns:a="http://schemas.openxmlformats.org/drawingml/2006/main" xmlns:r="http://schemas.openxmlformats.org/officeDocument/2006/relationships" xmlns:p="http://schemas.openxmlformats.org/presentationml/2006/main">
-  <p:cSld>
-    <p:spTree>
-      <p:nvGrpSpPr>
-        <p:cNvPr id="1" name=""/>
-        <p:cNvGrpSpPr/>
-        <p:nvPr/>
-      </p:nvGrpSpPr>
-      <p:grpSpPr/>
-      <p:sp>
-        <p:nvSpPr>
-          <p:cNvPr id="2" name="标题 1"/>
-          <p:cNvSpPr>
-            <a:spLocks noGrp="1"/>
-          </p:cNvSpPr>
-          <p:nvPr>
-            <p:ph type="title"/>
-          </p:nvPr>
-        </p:nvSpPr>
-        <p:spPr/>
-        <p:txBody>
-          <a:bodyPr/>
-          <a:p>
-            <a:r>
-              <a:rPr lang="zh-CN" altLang="en-US"/>
-              <a:t>后端接口管理</a:t>
-            </a:r>
-            <a:endParaRPr lang="zh-CN" altLang="en-US"/>
-          </a:p>
-        </p:txBody>
-      </p:sp>
-      <p:sp>
-        <p:nvSpPr>
-          <p:cNvPr id="3" name="内容占位符 2"/>
-          <p:cNvSpPr>
-            <a:spLocks noGrp="1"/>
-          </p:cNvSpPr>
-          <p:nvPr>
-            <p:ph idx="1"/>
-          </p:nvPr>
-        </p:nvSpPr>
-        <p:spPr/>
-        <p:txBody>
-          <a:bodyPr/>
-          <a:p>
-            <a:r>
-              <a:rPr lang="zh-CN" altLang="en-US"/>
-              <a:t>三个</a:t>
-            </a:r>
-            <a:r>
-              <a:rPr lang="en-US" altLang="zh-CN"/>
-              <a:t>Routers</a:t>
-            </a:r>
-            <a:r>
-              <a:rPr lang="zh-CN" altLang="en-US"/>
-              <a:t>文件管理三种类别的业务，分别是用户管理，动态管理，评价管理</a:t>
-            </a:r>
-            <a:endParaRPr lang="zh-CN" altLang="en-US"/>
-          </a:p>
-        </p:txBody>
-      </p:sp>
-      <p:pic>
-        <p:nvPicPr>
-          <p:cNvPr id="4" name="图片 3"/>
-          <p:cNvPicPr>
-            <a:picLocks noChangeAspect="1"/>
-          </p:cNvPicPr>
-          <p:nvPr/>
-        </p:nvPicPr>
-        <p:blipFill>
-          <a:blip r:embed="rId1"/>
-          <a:stretch>
-            <a:fillRect/>
-          </a:stretch>
-        </p:blipFill>
-        <p:spPr>
-          <a:xfrm>
-            <a:off x="3627755" y="2472055"/>
-            <a:ext cx="4326890" cy="1891030"/>
-          </a:xfrm>
-          <a:prstGeom prst="rect">
-            <a:avLst/>
-          </a:prstGeom>
-        </p:spPr>
-      </p:pic>
-    </p:spTree>
-  </p:cSld>
-  <p:clrMapOvr>
-    <a:masterClrMapping/>
-  </p:clrMapOvr>
-</p:sld>
-</file>
-
-<file path=ppt/slides/slide11.xml><?xml version="1.0" encoding="utf-8"?>
-<p:sld xmlns:a="http://schemas.openxmlformats.org/drawingml/2006/main" xmlns:r="http://schemas.openxmlformats.org/officeDocument/2006/relationships" xmlns:p="http://schemas.openxmlformats.org/presentationml/2006/main">
-  <p:cSld>
-    <p:spTree>
-      <p:nvGrpSpPr>
-        <p:cNvPr id="1" name=""/>
-        <p:cNvGrpSpPr/>
-        <p:nvPr/>
-      </p:nvGrpSpPr>
-      <p:grpSpPr/>
-      <p:sp>
-        <p:nvSpPr>
-          <p:cNvPr id="2" name="标题 1"/>
-          <p:cNvSpPr>
-            <a:spLocks noGrp="1"/>
-          </p:cNvSpPr>
-          <p:nvPr>
-            <p:ph type="title"/>
-          </p:nvPr>
-        </p:nvSpPr>
-        <p:spPr/>
-        <p:txBody>
-          <a:bodyPr/>
-          <a:p>
-            <a:r>
-              <a:rPr lang="zh-CN" altLang="en-US"/>
-              <a:t>后端数据库</a:t>
-            </a:r>
-            <a:endParaRPr lang="zh-CN" altLang="en-US"/>
-          </a:p>
-        </p:txBody>
-      </p:sp>
-      <p:sp>
-        <p:nvSpPr>
-          <p:cNvPr id="3" name="内容占位符 2"/>
-          <p:cNvSpPr>
-            <a:spLocks noGrp="1"/>
-          </p:cNvSpPr>
-          <p:nvPr>
-            <p:ph idx="1"/>
-          </p:nvPr>
-        </p:nvSpPr>
-        <p:spPr/>
-        <p:txBody>
-          <a:bodyPr/>
-          <a:p>
-            <a:r>
-              <a:rPr lang="zh-CN" altLang="en-US"/>
-              <a:t>后端采用</a:t>
-            </a:r>
-            <a:r>
-              <a:rPr lang="en-US" altLang="zh-CN"/>
-              <a:t> SQLAlchemy ORM </a:t>
-            </a:r>
-            <a:r>
-              <a:rPr lang="zh-CN" altLang="en-US"/>
-              <a:t>实现数据访问，通过模型类定义数据库表结构，并以</a:t>
-            </a:r>
-            <a:r>
-              <a:rPr lang="en-US" altLang="zh-CN"/>
-              <a:t> Session </a:t>
-            </a:r>
-            <a:r>
-              <a:rPr lang="zh-CN" altLang="en-US"/>
-              <a:t>对象进行增删改查操作。</a:t>
-            </a:r>
-            <a:endParaRPr lang="zh-CN" altLang="en-US"/>
-          </a:p>
-        </p:txBody>
-      </p:sp>
-      <p:pic>
-        <p:nvPicPr>
-          <p:cNvPr id="4" name="图片 3"/>
-          <p:cNvPicPr>
-            <a:picLocks noChangeAspect="1"/>
-          </p:cNvPicPr>
-          <p:nvPr/>
-        </p:nvPicPr>
-        <p:blipFill>
-          <a:blip r:embed="rId1"/>
-          <a:stretch>
-            <a:fillRect/>
-          </a:stretch>
-        </p:blipFill>
-        <p:spPr>
-          <a:xfrm>
-            <a:off x="2368550" y="2921000"/>
-            <a:ext cx="7454900" cy="3429000"/>
-          </a:xfrm>
-          <a:prstGeom prst="rect">
-            <a:avLst/>
-          </a:prstGeom>
-        </p:spPr>
-      </p:pic>
-    </p:spTree>
-  </p:cSld>
-  <p:clrMapOvr>
-    <a:masterClrMapping/>
-  </p:clrMapOvr>
-</p:sld>
-</file>
-
-<file path=ppt/slides/slide12.xml><?xml version="1.0" encoding="utf-8"?>
-<p:sld xmlns:a="http://schemas.openxmlformats.org/drawingml/2006/main" xmlns:r="http://schemas.openxmlformats.org/officeDocument/2006/relationships" xmlns:p="http://schemas.openxmlformats.org/presentationml/2006/main">
-  <p:cSld>
-    <p:spTree>
-      <p:nvGrpSpPr>
-        <p:cNvPr id="1" name=""/>
-        <p:cNvGrpSpPr/>
-        <p:nvPr/>
-      </p:nvGrpSpPr>
-      <p:grpSpPr/>
-      <p:sp>
-        <p:nvSpPr>
-          <p:cNvPr id="2" name="标题 1"/>
-          <p:cNvSpPr>
-            <a:spLocks noGrp="1"/>
-          </p:cNvSpPr>
-          <p:nvPr>
-            <p:ph type="title"/>
-          </p:nvPr>
-        </p:nvSpPr>
-        <p:spPr/>
-        <p:txBody>
-          <a:bodyPr/>
-          <a:p>
-            <a:r>
-              <a:rPr lang="zh-CN" altLang="en-US"/>
-              <a:t>后端</a:t>
-            </a:r>
-            <a:endParaRPr lang="zh-CN" altLang="en-US"/>
-          </a:p>
-        </p:txBody>
-      </p:sp>
-      <p:sp>
-        <p:nvSpPr>
-          <p:cNvPr id="3" name="内容占位符 2"/>
-          <p:cNvSpPr>
-            <a:spLocks noGrp="1"/>
-          </p:cNvSpPr>
-          <p:nvPr>
-            <p:ph idx="1"/>
-          </p:nvPr>
-        </p:nvSpPr>
-        <p:spPr/>
-        <p:txBody>
-          <a:bodyPr/>
-          <a:p>
-            <a:r>
-              <a:rPr lang="zh-CN" altLang="en-US"/>
-              <a:t>取消了</a:t>
-            </a:r>
-            <a:r>
-              <a:rPr lang="en-US" altLang="zh-CN"/>
-              <a:t>REST</a:t>
-            </a:r>
-            <a:r>
-              <a:rPr lang="zh-CN" altLang="en-US"/>
-              <a:t>风格</a:t>
-            </a:r>
-            <a:endParaRPr lang="zh-CN" altLang="en-US"/>
-          </a:p>
-          <a:p>
-            <a:r>
-              <a:rPr lang="zh-CN" altLang="en-US"/>
-              <a:t>一共</a:t>
-            </a:r>
-            <a:r>
-              <a:rPr lang="en-US" altLang="zh-CN"/>
-              <a:t>24</a:t>
-            </a:r>
-            <a:r>
-              <a:rPr lang="zh-CN" altLang="en-US"/>
-              <a:t>个接口</a:t>
-            </a:r>
-            <a:endParaRPr lang="zh-CN" altLang="en-US"/>
-          </a:p>
-        </p:txBody>
-      </p:sp>
-      <p:pic>
-        <p:nvPicPr>
-          <p:cNvPr id="6" name="图片 5"/>
-          <p:cNvPicPr>
-            <a:picLocks noChangeAspect="1"/>
-          </p:cNvPicPr>
-          <p:nvPr/>
-        </p:nvPicPr>
-        <p:blipFill>
-          <a:blip r:embed="rId1"/>
-          <a:stretch>
-            <a:fillRect/>
-          </a:stretch>
-        </p:blipFill>
-        <p:spPr>
-          <a:xfrm>
-            <a:off x="4530725" y="1450340"/>
-            <a:ext cx="4392295" cy="4928870"/>
-          </a:xfrm>
-          <a:prstGeom prst="rect">
-            <a:avLst/>
-          </a:prstGeom>
-        </p:spPr>
-      </p:pic>
-      <p:pic>
-        <p:nvPicPr>
-          <p:cNvPr id="7" name="图片 6"/>
-          <p:cNvPicPr>
-            <a:picLocks noChangeAspect="1"/>
-          </p:cNvPicPr>
-          <p:nvPr/>
-        </p:nvPicPr>
-        <p:blipFill>
-          <a:blip r:embed="rId2"/>
-          <a:stretch>
-            <a:fillRect/>
-          </a:stretch>
-        </p:blipFill>
-        <p:spPr>
-          <a:xfrm>
-            <a:off x="1453515" y="3124200"/>
-            <a:ext cx="9606915" cy="696595"/>
-          </a:xfrm>
-          <a:prstGeom prst="rect">
-            <a:avLst/>
-          </a:prstGeom>
-        </p:spPr>
-      </p:pic>
-    </p:spTree>
-  </p:cSld>
-  <p:clrMapOvr>
-    <a:masterClrMapping/>
-  </p:clrMapOvr>
-</p:sld>
-</file>
-
-<file path=ppt/slides/slide13.xml><?xml version="1.0" encoding="utf-8"?>
-<p:sld xmlns:a="http://schemas.openxmlformats.org/drawingml/2006/main" xmlns:r="http://schemas.openxmlformats.org/officeDocument/2006/relationships" xmlns:p="http://schemas.openxmlformats.org/presentationml/2006/main">
-  <p:cSld>
-    <p:spTree>
-      <p:nvGrpSpPr>
-        <p:cNvPr id="1" name=""/>
-        <p:cNvGrpSpPr/>
-        <p:nvPr/>
-      </p:nvGrpSpPr>
-      <p:grpSpPr/>
-      <p:sp>
-        <p:nvSpPr>
-          <p:cNvPr id="2" name="标题 1"/>
-          <p:cNvSpPr>
-            <a:spLocks noGrp="1"/>
-          </p:cNvSpPr>
-          <p:nvPr>
-            <p:ph type="title"/>
-          </p:nvPr>
-        </p:nvSpPr>
-        <p:spPr/>
-        <p:txBody>
-          <a:bodyPr/>
-          <a:p>
-            <a:r>
-              <a:rPr lang="zh-CN" altLang="en-US"/>
-              <a:t>后端缓存</a:t>
-            </a:r>
-            <a:endParaRPr lang="zh-CN" altLang="en-US"/>
-          </a:p>
-        </p:txBody>
-      </p:sp>
-      <p:sp>
-        <p:nvSpPr>
-          <p:cNvPr id="3" name="内容占位符 2"/>
-          <p:cNvSpPr>
-            <a:spLocks noGrp="1"/>
-          </p:cNvSpPr>
-          <p:nvPr>
-            <p:ph idx="1"/>
-          </p:nvPr>
-        </p:nvSpPr>
-        <p:spPr/>
-        <p:txBody>
-          <a:bodyPr/>
-          <a:p>
-            <a:r>
-              <a:rPr lang="zh-CN" altLang="en-US"/>
-              <a:t>缓存采用</a:t>
-            </a:r>
-            <a:r>
-              <a:rPr lang="en-US" altLang="zh-CN"/>
-              <a:t>Redis</a:t>
-            </a:r>
-            <a:r>
-              <a:rPr lang="zh-CN" altLang="en-US"/>
-              <a:t>，用于存储注册时随机生成的验证码</a:t>
-            </a:r>
-            <a:endParaRPr lang="zh-CN" altLang="en-US"/>
-          </a:p>
-          <a:p>
-            <a:r>
-              <a:rPr lang="zh-CN" altLang="en-US"/>
-              <a:t>验证时从</a:t>
-            </a:r>
-            <a:r>
-              <a:rPr lang="en-US" altLang="zh-CN"/>
-              <a:t>Redis</a:t>
-            </a:r>
-            <a:r>
-              <a:rPr lang="zh-CN" altLang="en-US"/>
-              <a:t>中提取验证码进行比较</a:t>
-            </a:r>
-            <a:endParaRPr lang="zh-CN" altLang="en-US"/>
-          </a:p>
-        </p:txBody>
-      </p:sp>
-      <p:pic>
-        <p:nvPicPr>
-          <p:cNvPr id="4" name="图片 3"/>
-          <p:cNvPicPr>
-            <a:picLocks noChangeAspect="1"/>
-          </p:cNvPicPr>
-          <p:nvPr/>
-        </p:nvPicPr>
-        <p:blipFill>
-          <a:blip r:embed="rId1"/>
-          <a:stretch>
-            <a:fillRect/>
-          </a:stretch>
-        </p:blipFill>
-        <p:spPr>
-          <a:xfrm>
-            <a:off x="3186430" y="2984500"/>
-            <a:ext cx="5422900" cy="2952750"/>
-          </a:xfrm>
-          <a:prstGeom prst="rect">
-            <a:avLst/>
-          </a:prstGeom>
-        </p:spPr>
-      </p:pic>
-    </p:spTree>
-  </p:cSld>
-  <p:clrMapOvr>
-    <a:masterClrMapping/>
-  </p:clrMapOvr>
-</p:sld>
-</file>
-
-<file path=ppt/slides/slide14.xml><?xml version="1.0" encoding="utf-8"?>
-<p:sld xmlns:a="http://schemas.openxmlformats.org/drawingml/2006/main" xmlns:r="http://schemas.openxmlformats.org/officeDocument/2006/relationships" xmlns:p="http://schemas.openxmlformats.org/presentationml/2006/main">
-  <p:cSld>
-    <p:spTree>
-      <p:nvGrpSpPr>
-        <p:cNvPr id="1" name=""/>
-        <p:cNvGrpSpPr/>
-        <p:nvPr/>
-      </p:nvGrpSpPr>
-      <p:grpSpPr/>
-      <p:sp>
-        <p:nvSpPr>
-          <p:cNvPr id="2" name="标题 1"/>
-          <p:cNvSpPr>
-            <a:spLocks noGrp="1"/>
-          </p:cNvSpPr>
-          <p:nvPr>
-            <p:ph type="title"/>
-          </p:nvPr>
-        </p:nvSpPr>
-        <p:spPr/>
-        <p:txBody>
-          <a:bodyPr/>
-          <a:p>
-            <a:r>
-              <a:rPr lang="zh-CN" altLang="en-US"/>
-              <a:t>安全策略</a:t>
-            </a:r>
-            <a:endParaRPr lang="zh-CN" altLang="en-US"/>
-          </a:p>
-        </p:txBody>
-      </p:sp>
-      <p:sp>
-        <p:nvSpPr>
-          <p:cNvPr id="3" name="内容占位符 2"/>
-          <p:cNvSpPr>
-            <a:spLocks noGrp="1"/>
-          </p:cNvSpPr>
-          <p:nvPr>
-            <p:ph idx="1"/>
-          </p:nvPr>
-        </p:nvSpPr>
-        <p:spPr/>
-        <p:txBody>
-          <a:bodyPr/>
-          <a:p>
-            <a:r>
-              <a:rPr lang="zh-CN" altLang="en-US"/>
-              <a:t>密码加密</a:t>
-            </a:r>
-            <a:endParaRPr lang="zh-CN" altLang="en-US"/>
-          </a:p>
-          <a:p>
-            <a:r>
-              <a:rPr lang="zh-CN" altLang="en-US"/>
-              <a:t>后端</a:t>
-            </a:r>
-            <a:r>
-              <a:rPr lang="en-US" altLang="zh-CN"/>
-              <a:t>JWT</a:t>
-            </a:r>
-            <a:r>
-              <a:rPr lang="zh-CN" altLang="en-US"/>
-              <a:t>身份校验</a:t>
-            </a:r>
-            <a:endParaRPr lang="zh-CN" altLang="en-US"/>
-          </a:p>
-        </p:txBody>
-      </p:sp>
-      <p:pic>
-        <p:nvPicPr>
-          <p:cNvPr id="4" name="图片 3"/>
-          <p:cNvPicPr>
-            <a:picLocks noChangeAspect="1"/>
-          </p:cNvPicPr>
-          <p:nvPr/>
-        </p:nvPicPr>
-        <p:blipFill>
-          <a:blip r:embed="rId1"/>
-          <a:stretch>
-            <a:fillRect/>
-          </a:stretch>
-        </p:blipFill>
-        <p:spPr>
-          <a:xfrm>
-            <a:off x="295275" y="2931160"/>
-            <a:ext cx="5610860" cy="2805430"/>
-          </a:xfrm>
-          <a:prstGeom prst="rect">
-            <a:avLst/>
-          </a:prstGeom>
-        </p:spPr>
-      </p:pic>
-      <p:pic>
-        <p:nvPicPr>
-          <p:cNvPr id="5" name="图片 4"/>
-          <p:cNvPicPr>
-            <a:picLocks noChangeAspect="1"/>
-          </p:cNvPicPr>
-          <p:nvPr/>
-        </p:nvPicPr>
-        <p:blipFill>
-          <a:blip r:embed="rId2"/>
-          <a:stretch>
-            <a:fillRect/>
-          </a:stretch>
-        </p:blipFill>
-        <p:spPr>
-          <a:xfrm>
-            <a:off x="5617210" y="3681730"/>
-            <a:ext cx="6432550" cy="2813050"/>
-          </a:xfrm>
-          <a:prstGeom prst="rect">
-            <a:avLst/>
-          </a:prstGeom>
-        </p:spPr>
-      </p:pic>
-    </p:spTree>
-  </p:cSld>
-  <p:clrMapOvr>
-    <a:masterClrMapping/>
-  </p:clrMapOvr>
-</p:sld>
-</file>
-
-<file path=ppt/slides/slide15.xml><?xml version="1.0" encoding="utf-8"?>
-<p:sld xmlns:a="http://schemas.openxmlformats.org/drawingml/2006/main" xmlns:r="http://schemas.openxmlformats.org/officeDocument/2006/relationships" xmlns:p="http://schemas.openxmlformats.org/presentationml/2006/main">
-  <p:cSld>
-    <p:spTree>
-      <p:nvGrpSpPr>
-        <p:cNvPr id="1" name=""/>
-        <p:cNvGrpSpPr/>
-        <p:nvPr/>
-      </p:nvGrpSpPr>
-      <p:grpSpPr/>
-      <p:sp>
-        <p:nvSpPr>
-          <p:cNvPr id="2" name="标题 1"/>
-          <p:cNvSpPr>
-            <a:spLocks noGrp="1"/>
-          </p:cNvSpPr>
-          <p:nvPr>
-            <p:ph type="title"/>
-          </p:nvPr>
-        </p:nvSpPr>
-        <p:spPr/>
-        <p:txBody>
-          <a:bodyPr/>
-          <a:p>
-            <a:r>
-              <a:rPr lang="zh-CN" altLang="en-US"/>
-              <a:t>测试</a:t>
-            </a:r>
-            <a:endParaRPr lang="zh-CN" altLang="en-US"/>
-          </a:p>
-        </p:txBody>
-      </p:sp>
-      <p:sp>
-        <p:nvSpPr>
-          <p:cNvPr id="3" name="内容占位符 2"/>
-          <p:cNvSpPr>
-            <a:spLocks noGrp="1"/>
-          </p:cNvSpPr>
-          <p:nvPr>
-            <p:ph idx="1"/>
-          </p:nvPr>
-        </p:nvSpPr>
-        <p:spPr/>
-        <p:txBody>
-          <a:bodyPr/>
-          <a:p>
-            <a:r>
-              <a:rPr lang="zh-CN" altLang="en-US"/>
-              <a:t>后端接口通过</a:t>
-            </a:r>
-            <a:r>
-              <a:rPr lang="en-US" altLang="zh-CN"/>
-              <a:t>pytest+mock</a:t>
-            </a:r>
-            <a:endParaRPr lang="en-US" altLang="zh-CN"/>
-          </a:p>
-          <a:p>
-            <a:r>
-              <a:rPr lang="zh-CN" altLang="en-US"/>
-              <a:t>通过</a:t>
-            </a:r>
-            <a:r>
-              <a:rPr lang="en-US" altLang="zh-CN"/>
-              <a:t>assert</a:t>
-            </a:r>
-            <a:r>
-              <a:rPr lang="zh-CN" altLang="en-US"/>
-              <a:t>对比校验结果与预设</a:t>
-            </a:r>
-            <a:endParaRPr lang="zh-CN" altLang="en-US"/>
-          </a:p>
-        </p:txBody>
-      </p:sp>
-      <p:pic>
-        <p:nvPicPr>
-          <p:cNvPr id="4" name="图片 3"/>
-          <p:cNvPicPr>
-            <a:picLocks noChangeAspect="1"/>
-          </p:cNvPicPr>
-          <p:nvPr/>
-        </p:nvPicPr>
-        <p:blipFill>
-          <a:blip r:embed="rId1"/>
-          <a:stretch>
-            <a:fillRect/>
-          </a:stretch>
-        </p:blipFill>
-        <p:spPr>
-          <a:xfrm>
-            <a:off x="6642100" y="1825625"/>
-            <a:ext cx="3023870" cy="3870960"/>
-          </a:xfrm>
-          <a:prstGeom prst="rect">
-            <a:avLst/>
-          </a:prstGeom>
-        </p:spPr>
-      </p:pic>
-      <p:pic>
-        <p:nvPicPr>
-          <p:cNvPr id="5" name="图片 4"/>
-          <p:cNvPicPr>
-            <a:picLocks noChangeAspect="1"/>
-          </p:cNvPicPr>
-          <p:nvPr/>
-        </p:nvPicPr>
-        <p:blipFill>
-          <a:blip r:embed="rId2"/>
-          <a:stretch>
-            <a:fillRect/>
-          </a:stretch>
-        </p:blipFill>
-        <p:spPr>
-          <a:xfrm>
-            <a:off x="1046480" y="3256280"/>
-            <a:ext cx="7894320" cy="1489710"/>
-          </a:xfrm>
-          <a:prstGeom prst="rect">
-            <a:avLst/>
-          </a:prstGeom>
-        </p:spPr>
-      </p:pic>
-    </p:spTree>
-  </p:cSld>
-  <p:clrMapOvr>
-    <a:masterClrMapping/>
-  </p:clrMapOvr>
-</p:sld>
-</file>
-
-<file path=ppt/slides/slide16.xml><?xml version="1.0" encoding="utf-8"?>
-<p:sld xmlns:a="http://schemas.openxmlformats.org/drawingml/2006/main" xmlns:r="http://schemas.openxmlformats.org/officeDocument/2006/relationships" xmlns:p="http://schemas.openxmlformats.org/presentationml/2006/main">
-  <p:cSld>
-    <p:spTree>
-      <p:nvGrpSpPr>
-        <p:cNvPr id="1" name=""/>
-        <p:cNvGrpSpPr/>
-        <p:nvPr/>
-      </p:nvGrpSpPr>
-      <p:grpSpPr/>
-      <p:sp>
-        <p:nvSpPr>
-          <p:cNvPr id="2" name="标题 1"/>
-          <p:cNvSpPr>
-            <a:spLocks noGrp="1"/>
-          </p:cNvSpPr>
-          <p:nvPr>
-            <p:ph type="title"/>
-          </p:nvPr>
-        </p:nvSpPr>
-        <p:spPr/>
-        <p:txBody>
-          <a:bodyPr/>
-          <a:p>
-            <a:r>
-              <a:rPr lang="zh-CN" altLang="en-US"/>
-              <a:t>测试</a:t>
-            </a:r>
-            <a:endParaRPr lang="zh-CN" altLang="en-US"/>
-          </a:p>
-        </p:txBody>
-      </p:sp>
-      <p:sp>
-        <p:nvSpPr>
-          <p:cNvPr id="3" name="内容占位符 2"/>
-          <p:cNvSpPr>
-            <a:spLocks noGrp="1"/>
-          </p:cNvSpPr>
-          <p:nvPr>
-            <p:ph idx="1"/>
-          </p:nvPr>
-        </p:nvSpPr>
-        <p:spPr/>
-        <p:txBody>
-          <a:bodyPr/>
-          <a:p>
-            <a:r>
-              <a:rPr lang="zh-CN" altLang="en-US">
-                <a:sym typeface="+mn-ea"/>
-              </a:rPr>
-              <a:t>前端与集成测试</a:t>
-            </a:r>
-            <a:r>
-              <a:rPr lang="zh-CN" altLang="en-US"/>
-              <a:t>采用影刀</a:t>
-            </a:r>
-            <a:r>
-              <a:rPr lang="en-US" altLang="zh-CN"/>
-              <a:t>RPA</a:t>
-            </a:r>
-            <a:r>
-              <a:rPr lang="zh-CN" altLang="en-US"/>
-              <a:t>自动化测试机器人，通过识别捕获网页中特定的元素进行输入，点击等操作，来检测各个功能是否完好</a:t>
-            </a:r>
-            <a:endParaRPr lang="zh-CN" altLang="en-US"/>
-          </a:p>
-        </p:txBody>
-      </p:sp>
-      <p:pic>
-        <p:nvPicPr>
-          <p:cNvPr id="4" name="图片 3"/>
-          <p:cNvPicPr>
-            <a:picLocks noChangeAspect="1"/>
-          </p:cNvPicPr>
-          <p:nvPr/>
-        </p:nvPicPr>
-        <p:blipFill>
-          <a:blip r:embed="rId1"/>
-          <a:stretch>
-            <a:fillRect/>
-          </a:stretch>
-        </p:blipFill>
-        <p:spPr>
-          <a:xfrm>
-            <a:off x="2161540" y="2715895"/>
-            <a:ext cx="8362950" cy="3867785"/>
-          </a:xfrm>
-          <a:prstGeom prst="rect">
-            <a:avLst/>
-          </a:prstGeom>
-        </p:spPr>
-      </p:pic>
-    </p:spTree>
-  </p:cSld>
-  <p:clrMapOvr>
-    <a:masterClrMapping/>
-  </p:clrMapOvr>
-</p:sld>
-</file>
-
-<file path=ppt/slides/slide17.xml><?xml version="1.0" encoding="utf-8"?>
-<p:sld xmlns:a="http://schemas.openxmlformats.org/drawingml/2006/main" xmlns:r="http://schemas.openxmlformats.org/officeDocument/2006/relationships" xmlns:p="http://schemas.openxmlformats.org/presentationml/2006/main">
-  <p:cSld>
-    <p:spTree>
-      <p:nvGrpSpPr>
-        <p:cNvPr id="1" name=""/>
-        <p:cNvGrpSpPr/>
-        <p:nvPr/>
-      </p:nvGrpSpPr>
-      <p:grpSpPr/>
-      <p:sp>
-        <p:nvSpPr>
-          <p:cNvPr id="2" name="标题 1"/>
-          <p:cNvSpPr>
-            <a:spLocks noGrp="1"/>
-          </p:cNvSpPr>
-          <p:nvPr>
-            <p:ph type="title"/>
-          </p:nvPr>
-        </p:nvSpPr>
-        <p:spPr/>
-        <p:txBody>
-          <a:bodyPr/>
-          <a:p>
-            <a:r>
-              <a:rPr lang="en-US" altLang="zh-CN"/>
-              <a:t>AI</a:t>
-            </a:r>
-            <a:r>
-              <a:rPr lang="zh-CN" altLang="en-US"/>
-              <a:t>集成</a:t>
-            </a:r>
-            <a:endParaRPr lang="zh-CN" altLang="en-US"/>
-          </a:p>
-        </p:txBody>
-      </p:sp>
-      <p:sp>
-        <p:nvSpPr>
-          <p:cNvPr id="3" name="内容占位符 2"/>
-          <p:cNvSpPr>
-            <a:spLocks noGrp="1"/>
-          </p:cNvSpPr>
-          <p:nvPr>
-            <p:ph idx="1"/>
-          </p:nvPr>
-        </p:nvSpPr>
-        <p:spPr/>
-        <p:txBody>
-          <a:bodyPr/>
-          <a:p>
-            <a:r>
-              <a:rPr lang="zh-CN" altLang="en-US"/>
-              <a:t>在系统的动态发布模块中，为提升用户内容创作效率与质量，引入了</a:t>
-            </a:r>
-            <a:r>
-              <a:rPr lang="en-US" altLang="zh-CN"/>
-              <a:t> AI </a:t>
-            </a:r>
-            <a:r>
-              <a:rPr lang="zh-CN" altLang="en-US"/>
-              <a:t>文本生成能力，集成了百度的文心一言大语言模型。当用户在发布动态时填写了标题内容后，可以点击</a:t>
-            </a:r>
-            <a:r>
-              <a:rPr lang="en-US" altLang="zh-CN"/>
-              <a:t>“AI</a:t>
-            </a:r>
-            <a:r>
-              <a:rPr lang="zh-CN" altLang="en-US"/>
-              <a:t>帮写</a:t>
-            </a:r>
-            <a:r>
-              <a:rPr lang="en-US" altLang="zh-CN"/>
-              <a:t>”</a:t>
-            </a:r>
-            <a:r>
-              <a:rPr lang="zh-CN" altLang="en-US"/>
-              <a:t>按钮，系统会将用户填写的标题作为提示词，通过后端调用文心一言的接口，生成与标题相关的文本内容。</a:t>
-            </a:r>
-            <a:endParaRPr lang="zh-CN" altLang="en-US"/>
-          </a:p>
-        </p:txBody>
-      </p:sp>
-      <p:pic>
-        <p:nvPicPr>
-          <p:cNvPr id="5" name="图片 4"/>
-          <p:cNvPicPr>
-            <a:picLocks noChangeAspect="1"/>
-          </p:cNvPicPr>
-          <p:nvPr/>
-        </p:nvPicPr>
-        <p:blipFill>
-          <a:blip r:embed="rId1"/>
-          <a:stretch>
-            <a:fillRect/>
-          </a:stretch>
-        </p:blipFill>
-        <p:spPr>
-          <a:xfrm>
-            <a:off x="2931160" y="1299210"/>
-            <a:ext cx="6483350" cy="5403850"/>
-          </a:xfrm>
-          <a:prstGeom prst="rect">
-            <a:avLst/>
-          </a:prstGeom>
-        </p:spPr>
-      </p:pic>
-      <p:pic>
-        <p:nvPicPr>
-          <p:cNvPr id="4" name="图片 3" descr="Snipaste_2025-06-07_23-32-05"/>
-          <p:cNvPicPr>
-            <a:picLocks noChangeAspect="1"/>
-          </p:cNvPicPr>
-          <p:nvPr/>
-        </p:nvPicPr>
-        <p:blipFill>
-          <a:blip r:embed="rId2"/>
-          <a:stretch>
-            <a:fillRect/>
-          </a:stretch>
-        </p:blipFill>
-        <p:spPr>
-          <a:xfrm>
-            <a:off x="1038860" y="1756410"/>
-            <a:ext cx="7849235" cy="3589655"/>
-          </a:xfrm>
-          <a:prstGeom prst="rect">
-            <a:avLst/>
-          </a:prstGeom>
-        </p:spPr>
-      </p:pic>
-    </p:spTree>
-  </p:cSld>
-  <p:clrMapOvr>
-    <a:masterClrMapping/>
-  </p:clrMapOvr>
-  <p:timing>
-    <p:tnLst>
-      <p:par>
-        <p:cTn id="1" dur="indefinite" restart="never" nodeType="tmRoot">
-          <p:childTnLst>
-            <p:seq concurrent="1" nextAc="seek">
-              <p:cTn id="2" dur="indefinite" nodeType="mainSeq">
-                <p:childTnLst>
-                  <p:par>
-                    <p:cTn id="3" fill="hold">
-                      <p:stCondLst>
-                        <p:cond delay="indefinite"/>
-                      </p:stCondLst>
-                      <p:childTnLst>
-                        <p:par>
-                          <p:cTn id="4" fill="hold">
-                            <p:stCondLst>
-                              <p:cond delay="0"/>
-                            </p:stCondLst>
-                            <p:childTnLst>
-                              <p:par>
-                                <p:cTn id="5" presetID="2" presetClass="entr" presetSubtype="4" fill="hold" nodeType="clickEffect">
-                                  <p:stCondLst>
-                                    <p:cond delay="0"/>
-                                  </p:stCondLst>
-                                  <p:childTnLst>
-                                    <p:set>
-                                      <p:cBhvr>
-                                        <p:cTn id="6" dur="1" fill="hold">
-                                          <p:stCondLst>
-                                            <p:cond delay="0"/>
-                                          </p:stCondLst>
-                                        </p:cTn>
-                                        <p:tgtEl>
-                                          <p:spTgt spid="5"/>
-                                        </p:tgtEl>
-                                        <p:attrNameLst>
-                                          <p:attrName>style.visibility</p:attrName>
-                                        </p:attrNameLst>
-                                      </p:cBhvr>
-                                      <p:to>
-                                        <p:strVal val="visible"/>
-                                      </p:to>
-                                    </p:set>
-                                    <p:anim calcmode="lin" valueType="num">
-                                      <p:cBhvr additive="base">
-                                        <p:cTn id="7" dur="500" fill="hold"/>
-                                        <p:tgtEl>
-                                          <p:spTgt spid="5"/>
-                                        </p:tgtEl>
-                                        <p:attrNameLst>
-                                          <p:attrName>ppt_x</p:attrName>
-                                        </p:attrNameLst>
-                                      </p:cBhvr>
-                                      <p:tavLst>
-                                        <p:tav tm="0">
-                                          <p:val>
-                                            <p:strVal val="#ppt_x"/>
-                                          </p:val>
-                                        </p:tav>
-                                        <p:tav tm="100000">
-                                          <p:val>
-                                            <p:strVal val="#ppt_x"/>
-                                          </p:val>
-                                        </p:tav>
-                                      </p:tavLst>
-                                    </p:anim>
-                                    <p:anim calcmode="lin" valueType="num">
-                                      <p:cBhvr additive="base">
-                                        <p:cTn id="8" dur="500" fill="hold"/>
-                                        <p:tgtEl>
-                                          <p:spTgt spid="5"/>
-                                        </p:tgtEl>
-                                        <p:attrNameLst>
-                                          <p:attrName>ppt_y</p:attrName>
-                                        </p:attrNameLst>
-                                      </p:cBhvr>
-                                      <p:tavLst>
-                                        <p:tav tm="0">
-                                          <p:val>
-                                            <p:strVal val="1+#ppt_h/2"/>
-                                          </p:val>
-                                        </p:tav>
-                                        <p:tav tm="100000">
-                                          <p:val>
-                                            <p:strVal val="#ppt_y"/>
-                                          </p:val>
-                                        </p:tav>
-                                      </p:tavLst>
-                                    </p:anim>
-                                  </p:childTnLst>
-                                </p:cTn>
-                              </p:par>
-                            </p:childTnLst>
-                          </p:cTn>
-                        </p:par>
-                      </p:childTnLst>
-                    </p:cTn>
-                  </p:par>
-                  <p:par>
-                    <p:cTn id="9" fill="hold">
-                      <p:stCondLst>
-                        <p:cond delay="indefinite"/>
-                      </p:stCondLst>
-                      <p:childTnLst>
-                        <p:par>
-                          <p:cTn id="10" fill="hold">
-                            <p:stCondLst>
-                              <p:cond delay="0"/>
-                            </p:stCondLst>
-                            <p:childTnLst>
-                              <p:par>
-                                <p:cTn id="11" presetID="2" presetClass="entr" presetSubtype="4" fill="hold" nodeType="clickEffect">
-                                  <p:stCondLst>
-                                    <p:cond delay="0"/>
-                                  </p:stCondLst>
-                                  <p:childTnLst>
-                                    <p:set>
-                                      <p:cBhvr>
-                                        <p:cTn id="12" dur="1" fill="hold">
-                                          <p:stCondLst>
-                                            <p:cond delay="0"/>
-                                          </p:stCondLst>
-                                        </p:cTn>
-                                        <p:tgtEl>
-                                          <p:spTgt spid="4"/>
-                                        </p:tgtEl>
-                                        <p:attrNameLst>
-                                          <p:attrName>style.visibility</p:attrName>
-                                        </p:attrNameLst>
-                                      </p:cBhvr>
-                                      <p:to>
-                                        <p:strVal val="visible"/>
-                                      </p:to>
-                                    </p:set>
-                                    <p:anim calcmode="lin" valueType="num">
-                                      <p:cBhvr additive="base">
-                                        <p:cTn id="13" dur="500" fill="hold"/>
-                                        <p:tgtEl>
-                                          <p:spTgt spid="4"/>
-                                        </p:tgtEl>
-                                        <p:attrNameLst>
-                                          <p:attrName>ppt_x</p:attrName>
-                                        </p:attrNameLst>
-                                      </p:cBhvr>
-                                      <p:tavLst>
-                                        <p:tav tm="0">
-                                          <p:val>
-                                            <p:strVal val="#ppt_x"/>
-                                          </p:val>
-                                        </p:tav>
-                                        <p:tav tm="100000">
-                                          <p:val>
-                                            <p:strVal val="#ppt_x"/>
-                                          </p:val>
-                                        </p:tav>
-                                      </p:tavLst>
-                                    </p:anim>
-                                    <p:anim calcmode="lin" valueType="num">
-                                      <p:cBhvr additive="base">
-                                        <p:cTn id="14" dur="500" fill="hold"/>
-                                        <p:tgtEl>
-                                          <p:spTgt spid="4"/>
-                                        </p:tgtEl>
-                                        <p:attrNameLst>
-                                          <p:attrName>ppt_y</p:attrName>
-                                        </p:attrNameLst>
-                                      </p:cBhvr>
-                                      <p:tavLst>
-                                        <p:tav tm="0">
-                                          <p:val>
-                                            <p:strVal val="1+#ppt_h/2"/>
-                                          </p:val>
-                                        </p:tav>
-                                        <p:tav tm="100000">
-                                          <p:val>
-                                            <p:strVal val="#ppt_y"/>
-                                          </p:val>
-                                        </p:tav>
-                                      </p:tavLst>
-                                    </p:anim>
-                                  </p:childTnLst>
-                                </p:cTn>
-                              </p:par>
-                            </p:childTnLst>
-                          </p:cTn>
-                        </p:par>
-                      </p:childTnLst>
-                    </p:cTn>
-                  </p:par>
-                </p:childTnLst>
-              </p:cTn>
-              <p:prevCondLst>
-                <p:cond evt="onPrev" delay="0">
-                  <p:tgtEl>
-                    <p:sldTgt/>
-                  </p:tgtEl>
-                </p:cond>
-              </p:prevCondLst>
-              <p:nextCondLst>
-                <p:cond evt="onNext" delay="0">
-                  <p:tgtEl>
-                    <p:sldTgt/>
-                  </p:tgtEl>
-                </p:cond>
-              </p:nextCondLst>
-            </p:seq>
-          </p:childTnLst>
-        </p:cTn>
-      </p:par>
-    </p:tnLst>
-  </p:timing>
-</p:sld>
-</file>
-
-<file path=ppt/slides/slide2.xml><?xml version="1.0" encoding="utf-8"?>
-<p:sld xmlns:a="http://schemas.openxmlformats.org/drawingml/2006/main" xmlns:r="http://schemas.openxmlformats.org/officeDocument/2006/relationships" xmlns:p="http://schemas.openxmlformats.org/presentationml/2006/main">
-  <p:cSld>
-    <p:spTree>
-      <p:nvGrpSpPr>
-        <p:cNvPr id="1" name=""/>
-        <p:cNvGrpSpPr/>
-        <p:nvPr/>
-      </p:nvGrpSpPr>
-      <p:grpSpPr/>
-      <p:sp>
-        <p:nvSpPr>
-          <p:cNvPr id="2" name="标题 1"/>
-          <p:cNvSpPr>
-            <a:spLocks noGrp="1"/>
-          </p:cNvSpPr>
-          <p:nvPr>
-            <p:ph type="title"/>
-          </p:nvPr>
-        </p:nvSpPr>
-        <p:spPr/>
-        <p:txBody>
-          <a:bodyPr/>
-          <a:p>
-            <a:r>
-              <a:rPr lang="zh-CN" altLang="en-US"/>
-              <a:t>背景</a:t>
-            </a:r>
-            <a:endParaRPr lang="zh-CN" altLang="en-US"/>
-          </a:p>
-        </p:txBody>
-      </p:sp>
-      <p:sp>
-        <p:nvSpPr>
-          <p:cNvPr id="3" name="内容占位符 2"/>
-          <p:cNvSpPr>
-            <a:spLocks noGrp="1"/>
-          </p:cNvSpPr>
-          <p:nvPr>
-            <p:ph idx="1"/>
-          </p:nvPr>
-        </p:nvSpPr>
-        <p:spPr/>
-        <p:txBody>
-          <a:bodyPr>
-            <a:normAutofit fontScale="60000"/>
-          </a:bodyPr>
-          <a:p>
-            <a:r>
-              <a:rPr lang="zh-CN" altLang="en-US"/>
-              <a:t>解决的问题</a:t>
-            </a:r>
-            <a:r>
-              <a:rPr lang="en-US" altLang="zh-CN"/>
-              <a:t>​​</a:t>
-            </a:r>
-            <a:r>
-              <a:rPr lang="zh-CN" altLang="en-US"/>
-              <a:t>：</a:t>
-            </a:r>
-            <a:r>
-              <a:rPr lang="en-US" altLang="zh-CN"/>
-              <a:t>  </a:t>
-            </a:r>
-            <a:endParaRPr lang="en-US" altLang="zh-CN"/>
-          </a:p>
-          <a:p>
-            <a:r>
-              <a:rPr lang="zh-CN" altLang="en-US"/>
-              <a:t>传统校园生活中存在信息分散、社交效率低、服务获取不便等问题。例如：</a:t>
-            </a:r>
-            <a:endParaRPr lang="zh-CN" altLang="en-US"/>
-          </a:p>
-          <a:p>
-            <a:endParaRPr lang="en-US" altLang="zh-CN"/>
-          </a:p>
-          <a:p>
-            <a:r>
-              <a:rPr lang="en-US" altLang="zh-CN"/>
-              <a:t>- </a:t>
-            </a:r>
-            <a:r>
-              <a:rPr lang="zh-CN" altLang="en-US"/>
-              <a:t>二手交易依赖线下或非专用平台，效率低下</a:t>
-            </a:r>
-            <a:endParaRPr lang="zh-CN" altLang="en-US"/>
-          </a:p>
-          <a:p>
-            <a:r>
-              <a:rPr lang="en-US" altLang="zh-CN"/>
-              <a:t>- </a:t>
-            </a:r>
-            <a:r>
-              <a:rPr lang="zh-CN" altLang="en-US"/>
-              <a:t>课程评价缺乏统一平台，学生选课参考不足</a:t>
-            </a:r>
-            <a:endParaRPr lang="zh-CN" altLang="en-US"/>
-          </a:p>
-          <a:p>
-            <a:r>
-              <a:rPr lang="en-US" altLang="zh-CN"/>
-              <a:t>- </a:t>
-            </a:r>
-            <a:r>
-              <a:rPr lang="zh-CN" altLang="en-US"/>
-              <a:t>兼职信息通过非正规渠道传播，可靠性差</a:t>
-            </a:r>
-            <a:endParaRPr lang="zh-CN" altLang="en-US"/>
-          </a:p>
-          <a:p>
-            <a:endParaRPr lang="en-US" altLang="zh-CN"/>
-          </a:p>
-          <a:p>
-            <a:r>
-              <a:rPr lang="zh-CN" altLang="en-US"/>
-              <a:t>实现功能</a:t>
-            </a:r>
-            <a:r>
-              <a:rPr lang="en-US" altLang="zh-CN"/>
-              <a:t>​​</a:t>
-            </a:r>
-            <a:r>
-              <a:rPr lang="zh-CN" altLang="en-US"/>
-              <a:t>：</a:t>
-            </a:r>
-            <a:r>
-              <a:rPr lang="en-US" altLang="zh-CN"/>
-              <a:t>  </a:t>
-            </a:r>
-            <a:endParaRPr lang="en-US" altLang="zh-CN"/>
-          </a:p>
-          <a:p>
-            <a:r>
-              <a:rPr lang="zh-CN" altLang="en-US"/>
-              <a:t>一站式校园社交平台，整合：</a:t>
-            </a:r>
-            <a:endParaRPr lang="zh-CN" altLang="en-US"/>
-          </a:p>
-          <a:p>
-            <a:endParaRPr lang="en-US" altLang="zh-CN"/>
-          </a:p>
-          <a:p>
-            <a:r>
-              <a:rPr lang="en-US" altLang="zh-CN"/>
-              <a:t>- </a:t>
-            </a:r>
-            <a:r>
-              <a:rPr lang="zh-CN" altLang="en-US"/>
-              <a:t>生活分享与二手交易（带图文的帖子系统）</a:t>
-            </a:r>
-            <a:endParaRPr lang="zh-CN" altLang="en-US"/>
-          </a:p>
-          <a:p>
-            <a:r>
-              <a:rPr lang="en-US" altLang="zh-CN"/>
-              <a:t>- </a:t>
-            </a:r>
-            <a:r>
-              <a:rPr lang="zh-CN" altLang="en-US"/>
-              <a:t>课程</a:t>
-            </a:r>
-            <a:r>
-              <a:rPr lang="en-US" altLang="zh-CN"/>
-              <a:t>/</a:t>
-            </a:r>
-            <a:r>
-              <a:rPr lang="zh-CN" altLang="en-US"/>
-              <a:t>教师</a:t>
-            </a:r>
-            <a:r>
-              <a:rPr lang="en-US" altLang="zh-CN"/>
-              <a:t>/</a:t>
-            </a:r>
-            <a:r>
-              <a:rPr lang="zh-CN" altLang="en-US"/>
-              <a:t>食堂评分体系（标准化评价</a:t>
-            </a:r>
-            <a:r>
-              <a:rPr lang="en-US" altLang="zh-CN"/>
-              <a:t>+</a:t>
-            </a:r>
-            <a:r>
-              <a:rPr lang="zh-CN" altLang="en-US"/>
-              <a:t>排行榜）</a:t>
-            </a:r>
-            <a:endParaRPr lang="zh-CN" altLang="en-US"/>
-          </a:p>
-          <a:p>
-            <a:endParaRPr lang="zh-CN" altLang="en-US"/>
-          </a:p>
-        </p:txBody>
-      </p:sp>
-    </p:spTree>
-  </p:cSld>
-  <p:clrMapOvr>
-    <a:masterClrMapping/>
-  </p:clrMapOvr>
-</p:sld>
-</file>
-
-<file path=ppt/slides/slide3.xml><?xml version="1.0" encoding="utf-8"?>
-<p:sld xmlns:a="http://schemas.openxmlformats.org/drawingml/2006/main" xmlns:r="http://schemas.openxmlformats.org/officeDocument/2006/relationships" xmlns:p="http://schemas.openxmlformats.org/presentationml/2006/main">
-  <p:cSld>
-    <p:spTree>
-      <p:nvGrpSpPr>
-        <p:cNvPr id="1" name=""/>
-        <p:cNvGrpSpPr/>
-        <p:nvPr/>
-      </p:nvGrpSpPr>
-      <p:grpSpPr/>
-      <p:pic>
-        <p:nvPicPr>
-          <p:cNvPr id="3" name="图片 2"/>
-          <p:cNvPicPr>
-            <a:picLocks noChangeAspect="1"/>
-          </p:cNvPicPr>
-          <p:nvPr/>
-        </p:nvPicPr>
-        <p:blipFill>
-          <a:blip r:embed="rId1"/>
-          <a:stretch>
-            <a:fillRect/>
-          </a:stretch>
-        </p:blipFill>
-        <p:spPr>
-          <a:xfrm>
-            <a:off x="2649855" y="1336675"/>
-            <a:ext cx="6324600" cy="4184650"/>
-          </a:xfrm>
-          <a:prstGeom prst="rect">
-            <a:avLst/>
-          </a:prstGeom>
-        </p:spPr>
-      </p:pic>
-      <p:sp>
-        <p:nvSpPr>
-          <p:cNvPr id="2" name="标题 1"/>
-          <p:cNvSpPr>
-            <a:spLocks noGrp="1"/>
-          </p:cNvSpPr>
-          <p:nvPr>
-            <p:ph type="title"/>
-          </p:nvPr>
-        </p:nvSpPr>
-        <p:spPr/>
-        <p:txBody>
-          <a:bodyPr/>
-          <a:p>
-            <a:r>
-              <a:rPr lang="zh-CN" altLang="en-US"/>
-              <a:t>原型设计</a:t>
-            </a:r>
-            <a:r>
-              <a:rPr lang="en-US" altLang="zh-CN"/>
-              <a:t> </a:t>
-            </a:r>
-            <a:r>
-              <a:rPr lang="zh-CN" altLang="en-US"/>
-              <a:t>（墨刀）</a:t>
-            </a:r>
-            <a:endParaRPr lang="zh-CN" altLang="en-US"/>
-          </a:p>
-        </p:txBody>
-      </p:sp>
-      <p:pic>
-        <p:nvPicPr>
-          <p:cNvPr id="4" name="内容占位符 3"/>
-          <p:cNvPicPr>
-            <a:picLocks noChangeAspect="1"/>
-          </p:cNvPicPr>
-          <p:nvPr>
-            <p:ph idx="1"/>
-          </p:nvPr>
-        </p:nvPicPr>
-        <p:blipFill>
-          <a:blip r:embed="rId2"/>
-          <a:stretch>
-            <a:fillRect/>
-          </a:stretch>
-        </p:blipFill>
-        <p:spPr>
-          <a:xfrm>
-            <a:off x="1435735" y="1336675"/>
-            <a:ext cx="10109200" cy="4424680"/>
-          </a:xfrm>
-          <a:prstGeom prst="rect">
-            <a:avLst/>
-          </a:prstGeom>
-        </p:spPr>
-      </p:pic>
-      <p:pic>
-        <p:nvPicPr>
-          <p:cNvPr id="5" name="图片 4"/>
-          <p:cNvPicPr>
-            <a:picLocks noChangeAspect="1"/>
-          </p:cNvPicPr>
-          <p:nvPr/>
-        </p:nvPicPr>
-        <p:blipFill>
-          <a:blip r:embed="rId3"/>
-          <a:stretch>
-            <a:fillRect/>
-          </a:stretch>
-        </p:blipFill>
-        <p:spPr>
-          <a:xfrm>
-            <a:off x="1435735" y="1336675"/>
-            <a:ext cx="8801735" cy="5205095"/>
-          </a:xfrm>
-          <a:prstGeom prst="rect">
-            <a:avLst/>
-          </a:prstGeom>
-        </p:spPr>
-      </p:pic>
-    </p:spTree>
-  </p:cSld>
-  <p:clrMapOvr>
-    <a:masterClrMapping/>
-  </p:clrMapOvr>
-  <p:timing>
-    <p:tnLst>
-      <p:par>
-        <p:cTn id="1" dur="indefinite" restart="never" nodeType="tmRoot">
-          <p:childTnLst>
-            <p:seq concurrent="1" nextAc="seek">
-              <p:cTn id="2" dur="indefinite" nodeType="mainSeq">
-                <p:childTnLst>
-                  <p:par>
-                    <p:cTn id="3" fill="hold">
-                      <p:stCondLst>
-                        <p:cond delay="indefinite"/>
-                      </p:stCondLst>
-                      <p:childTnLst>
-                        <p:par>
-                          <p:cTn id="4" fill="hold">
-                            <p:stCondLst>
-                              <p:cond delay="0"/>
-                            </p:stCondLst>
-                            <p:childTnLst>
-                              <p:par>
-                                <p:cTn id="5" presetID="2" presetClass="entr" presetSubtype="4" fill="hold" nodeType="clickEffect">
-                                  <p:stCondLst>
-                                    <p:cond delay="0"/>
-                                  </p:stCondLst>
-                                  <p:childTnLst>
-                                    <p:set>
-                                      <p:cBhvr>
-                                        <p:cTn id="6" dur="1" fill="hold">
-                                          <p:stCondLst>
-                                            <p:cond delay="0"/>
-                                          </p:stCondLst>
-                                        </p:cTn>
-                                        <p:tgtEl>
-                                          <p:spTgt spid="4"/>
-                                        </p:tgtEl>
-                                        <p:attrNameLst>
-                                          <p:attrName>style.visibility</p:attrName>
-                                        </p:attrNameLst>
-                                      </p:cBhvr>
-                                      <p:to>
-                                        <p:strVal val="visible"/>
-                                      </p:to>
-                                    </p:set>
-                                    <p:anim calcmode="lin" valueType="num">
-                                      <p:cBhvr additive="base">
-                                        <p:cTn id="7" dur="500" fill="hold"/>
-                                        <p:tgtEl>
-                                          <p:spTgt spid="4"/>
-                                        </p:tgtEl>
-                                        <p:attrNameLst>
-                                          <p:attrName>ppt_x</p:attrName>
-                                        </p:attrNameLst>
-                                      </p:cBhvr>
-                                      <p:tavLst>
-                                        <p:tav tm="0">
-                                          <p:val>
-                                            <p:strVal val="#ppt_x"/>
-                                          </p:val>
-                                        </p:tav>
-                                        <p:tav tm="100000">
-                                          <p:val>
-                                            <p:strVal val="#ppt_x"/>
-                                          </p:val>
-                                        </p:tav>
-                                      </p:tavLst>
-                                    </p:anim>
-                                    <p:anim calcmode="lin" valueType="num">
-                                      <p:cBhvr additive="base">
-                                        <p:cTn id="8" dur="500" fill="hold"/>
-                                        <p:tgtEl>
-                                          <p:spTgt spid="4"/>
-                                        </p:tgtEl>
-                                        <p:attrNameLst>
-                                          <p:attrName>ppt_y</p:attrName>
-                                        </p:attrNameLst>
-                                      </p:cBhvr>
-                                      <p:tavLst>
-                                        <p:tav tm="0">
-                                          <p:val>
-                                            <p:strVal val="1+#ppt_h/2"/>
-                                          </p:val>
-                                        </p:tav>
-                                        <p:tav tm="100000">
-                                          <p:val>
-                                            <p:strVal val="#ppt_y"/>
-                                          </p:val>
-                                        </p:tav>
-                                      </p:tavLst>
-                                    </p:anim>
-                                  </p:childTnLst>
-                                </p:cTn>
-                              </p:par>
-                            </p:childTnLst>
-                          </p:cTn>
-                        </p:par>
-                      </p:childTnLst>
-                    </p:cTn>
-                  </p:par>
-                  <p:par>
-                    <p:cTn id="9" fill="hold">
-                      <p:stCondLst>
-                        <p:cond delay="indefinite"/>
-                      </p:stCondLst>
-                      <p:childTnLst>
-                        <p:par>
-                          <p:cTn id="10" fill="hold">
-                            <p:stCondLst>
-                              <p:cond delay="0"/>
-                            </p:stCondLst>
-                            <p:childTnLst>
-                              <p:par>
-                                <p:cTn id="11" presetID="2" presetClass="entr" presetSubtype="4" fill="hold" nodeType="clickEffect">
-                                  <p:stCondLst>
-                                    <p:cond delay="0"/>
-                                  </p:stCondLst>
-                                  <p:childTnLst>
-                                    <p:set>
-                                      <p:cBhvr>
-                                        <p:cTn id="12" dur="1" fill="hold">
-                                          <p:stCondLst>
-                                            <p:cond delay="0"/>
-                                          </p:stCondLst>
-                                        </p:cTn>
-                                        <p:tgtEl>
-                                          <p:spTgt spid="5"/>
-                                        </p:tgtEl>
-                                        <p:attrNameLst>
-                                          <p:attrName>style.visibility</p:attrName>
-                                        </p:attrNameLst>
-                                      </p:cBhvr>
-                                      <p:to>
-                                        <p:strVal val="visible"/>
-                                      </p:to>
-                                    </p:set>
-                                    <p:anim calcmode="lin" valueType="num">
-                                      <p:cBhvr additive="base">
-                                        <p:cTn id="13" dur="500" fill="hold"/>
-                                        <p:tgtEl>
-                                          <p:spTgt spid="5"/>
-                                        </p:tgtEl>
-                                        <p:attrNameLst>
-                                          <p:attrName>ppt_x</p:attrName>
-                                        </p:attrNameLst>
-                                      </p:cBhvr>
-                                      <p:tavLst>
-                                        <p:tav tm="0">
-                                          <p:val>
-                                            <p:strVal val="#ppt_x"/>
-                                          </p:val>
-                                        </p:tav>
-                                        <p:tav tm="100000">
-                                          <p:val>
-                                            <p:strVal val="#ppt_x"/>
-                                          </p:val>
-                                        </p:tav>
-                                      </p:tavLst>
-                                    </p:anim>
-                                    <p:anim calcmode="lin" valueType="num">
-                                      <p:cBhvr additive="base">
-                                        <p:cTn id="14" dur="500" fill="hold"/>
-                                        <p:tgtEl>
-                                          <p:spTgt spid="5"/>
-                                        </p:tgtEl>
-                                        <p:attrNameLst>
-                                          <p:attrName>ppt_y</p:attrName>
-                                        </p:attrNameLst>
-                                      </p:cBhvr>
-                                      <p:tavLst>
-                                        <p:tav tm="0">
-                                          <p:val>
-                                            <p:strVal val="1+#ppt_h/2"/>
-                                          </p:val>
-                                        </p:tav>
-                                        <p:tav tm="100000">
-                                          <p:val>
-                                            <p:strVal val="#ppt_y"/>
-                                          </p:val>
-                                        </p:tav>
-                                      </p:tavLst>
-                                    </p:anim>
-                                  </p:childTnLst>
-                                </p:cTn>
-                              </p:par>
-                            </p:childTnLst>
-                          </p:cTn>
-                        </p:par>
-                      </p:childTnLst>
-                    </p:cTn>
-                  </p:par>
-                </p:childTnLst>
-              </p:cTn>
-              <p:prevCondLst>
-                <p:cond evt="onPrev" delay="0">
-                  <p:tgtEl>
-                    <p:sldTgt/>
-                  </p:tgtEl>
-                </p:cond>
-              </p:prevCondLst>
-              <p:nextCondLst>
-                <p:cond evt="onNext" delay="0">
-                  <p:tgtEl>
-                    <p:sldTgt/>
-                  </p:tgtEl>
-                </p:cond>
-              </p:nextCondLst>
-            </p:seq>
-          </p:childTnLst>
-        </p:cTn>
-      </p:par>
-    </p:tnLst>
-  </p:timing>
-</p:sld>
-</file>
-
-<file path=ppt/slides/slide4.xml><?xml version="1.0" encoding="utf-8"?>
-<p:sld xmlns:a="http://schemas.openxmlformats.org/drawingml/2006/main" xmlns:r="http://schemas.openxmlformats.org/officeDocument/2006/relationships" xmlns:p="http://schemas.openxmlformats.org/presentationml/2006/main">
-  <p:cSld>
-    <p:spTree>
-      <p:nvGrpSpPr>
-        <p:cNvPr id="1" name=""/>
-        <p:cNvGrpSpPr/>
-        <p:nvPr/>
-      </p:nvGrpSpPr>
-      <p:grpSpPr/>
-      <p:sp>
-        <p:nvSpPr>
-          <p:cNvPr id="2" name="标题 1"/>
-          <p:cNvSpPr>
-            <a:spLocks noGrp="1"/>
-          </p:cNvSpPr>
-          <p:nvPr>
-            <p:ph type="title"/>
-          </p:nvPr>
-        </p:nvSpPr>
-        <p:spPr/>
-        <p:txBody>
-          <a:bodyPr/>
-          <a:p>
-            <a:r>
-              <a:rPr lang="en-US" altLang="zh-CN"/>
-              <a:t>API</a:t>
-            </a:r>
-            <a:r>
-              <a:rPr lang="zh-CN" altLang="en-US"/>
-              <a:t>设计（</a:t>
-            </a:r>
-            <a:r>
-              <a:rPr lang="en-US" altLang="zh-CN"/>
-              <a:t>apifox</a:t>
-            </a:r>
-            <a:r>
-              <a:rPr lang="zh-CN" altLang="en-US"/>
-              <a:t>）</a:t>
-            </a:r>
-            <a:endParaRPr lang="zh-CN" altLang="en-US"/>
-          </a:p>
-        </p:txBody>
-      </p:sp>
-      <p:pic>
-        <p:nvPicPr>
-          <p:cNvPr id="6" name="内容占位符 5"/>
-          <p:cNvPicPr>
-            <a:picLocks noChangeAspect="1"/>
-          </p:cNvPicPr>
-          <p:nvPr>
-            <p:ph idx="1"/>
-          </p:nvPr>
-        </p:nvPicPr>
-        <p:blipFill>
-          <a:blip r:embed="rId1"/>
-          <a:stretch>
-            <a:fillRect/>
-          </a:stretch>
-        </p:blipFill>
-        <p:spPr>
-          <a:xfrm>
-            <a:off x="838200" y="1631950"/>
-            <a:ext cx="2665730" cy="4286250"/>
-          </a:xfrm>
-          <a:prstGeom prst="rect">
-            <a:avLst/>
-          </a:prstGeom>
-        </p:spPr>
-      </p:pic>
-      <p:pic>
-        <p:nvPicPr>
-          <p:cNvPr id="10" name="图片 9" descr="c8be5e04dc9478d54e4c3a57d1343c5c"/>
-          <p:cNvPicPr>
-            <a:picLocks noChangeAspect="1"/>
-          </p:cNvPicPr>
-          <p:nvPr/>
-        </p:nvPicPr>
-        <p:blipFill>
-          <a:blip r:embed="rId2"/>
-          <a:stretch>
-            <a:fillRect/>
-          </a:stretch>
-        </p:blipFill>
-        <p:spPr>
-          <a:xfrm>
-            <a:off x="5933440" y="-2524125"/>
-            <a:ext cx="1406525" cy="13923645"/>
-          </a:xfrm>
-          <a:prstGeom prst="rect">
-            <a:avLst/>
-          </a:prstGeom>
-        </p:spPr>
-      </p:pic>
-      <p:sp>
-        <p:nvSpPr>
-          <p:cNvPr id="12" name="文本框 11"/>
-          <p:cNvSpPr txBox="1"/>
-          <p:nvPr/>
-        </p:nvSpPr>
-        <p:spPr>
-          <a:xfrm>
-            <a:off x="7289800" y="1912620"/>
-            <a:ext cx="4064000" cy="3138170"/>
-          </a:xfrm>
-          <a:prstGeom prst="rect">
-            <a:avLst/>
-          </a:prstGeom>
-          <a:noFill/>
-        </p:spPr>
-        <p:txBody>
-          <a:bodyPr wrap="square" rtlCol="0">
-            <a:spAutoFit/>
-          </a:bodyPr>
-          <a:p>
-            <a:r>
-              <a:rPr lang="en-US" altLang="zh-CN"/>
-              <a:t>REST</a:t>
-            </a:r>
-            <a:endParaRPr lang="zh-CN" altLang="en-US"/>
-          </a:p>
-          <a:p>
-            <a:endParaRPr lang="zh-CN" altLang="en-US"/>
-          </a:p>
-          <a:p>
-            <a:r>
-              <a:rPr lang="zh-CN" altLang="en-US"/>
-              <a:t>接口请求地址：</a:t>
-            </a:r>
-            <a:endParaRPr lang="zh-CN" altLang="en-US"/>
-          </a:p>
-          <a:p>
-            <a:r>
-              <a:rPr lang="en-US" altLang="zh-CN"/>
-              <a:t>/type/function</a:t>
-            </a:r>
-            <a:endParaRPr lang="en-US" altLang="zh-CN"/>
-          </a:p>
-          <a:p>
-            <a:r>
-              <a:rPr lang="zh-CN" altLang="en-US"/>
-              <a:t>例：</a:t>
-            </a:r>
-            <a:r>
-              <a:rPr lang="en-US" altLang="zh-CN"/>
-              <a:t>/user/login</a:t>
-            </a:r>
-            <a:endParaRPr lang="en-US" altLang="zh-CN"/>
-          </a:p>
-          <a:p>
-            <a:r>
-              <a:rPr lang="zh-CN" altLang="en-US"/>
-              <a:t>接受参数格式：</a:t>
-            </a:r>
-            <a:r>
-              <a:rPr lang="en-US" altLang="zh-CN"/>
-              <a:t>json</a:t>
-            </a:r>
-            <a:endParaRPr lang="en-US" altLang="zh-CN"/>
-          </a:p>
-          <a:p>
-            <a:endParaRPr lang="en-US" altLang="zh-CN"/>
-          </a:p>
-          <a:p>
-            <a:r>
-              <a:rPr lang="zh-CN" altLang="en-US"/>
-              <a:t>返回格式：</a:t>
-            </a:r>
-            <a:endParaRPr lang="zh-CN" altLang="en-US"/>
-          </a:p>
-          <a:p>
-            <a:r>
-              <a:rPr lang="en-US" altLang="zh-CN"/>
-              <a:t>json</a:t>
-            </a:r>
-            <a:r>
-              <a:rPr lang="zh-CN" altLang="en-US"/>
-              <a:t>：</a:t>
-            </a:r>
-            <a:r>
-              <a:rPr lang="en-US" altLang="zh-CN"/>
-              <a:t>	code=&gt;</a:t>
-            </a:r>
-            <a:r>
-              <a:rPr lang="zh-CN" altLang="en-US"/>
-              <a:t>状态码</a:t>
-            </a:r>
-            <a:endParaRPr lang="zh-CN" altLang="en-US"/>
-          </a:p>
-          <a:p>
-            <a:pPr marL="457200" lvl="1" indent="457200"/>
-            <a:r>
-              <a:rPr lang="en-US" altLang="zh-CN"/>
-              <a:t>data=&gt;</a:t>
-            </a:r>
-            <a:r>
-              <a:rPr lang="zh-CN" altLang="en-US"/>
-              <a:t>数据</a:t>
-            </a:r>
-            <a:endParaRPr lang="zh-CN" altLang="en-US"/>
-          </a:p>
-          <a:p>
-            <a:pPr marL="457200" lvl="1" indent="457200"/>
-            <a:r>
-              <a:rPr lang="en-US" altLang="zh-CN"/>
-              <a:t>msg=&gt;‘success’/</a:t>
-            </a:r>
-            <a:r>
-              <a:rPr lang="zh-CN" altLang="en-US"/>
-              <a:t>错误提示</a:t>
-            </a:r>
-            <a:endParaRPr lang="zh-CN" altLang="en-US"/>
-          </a:p>
-        </p:txBody>
-      </p:sp>
-    </p:spTree>
-  </p:cSld>
-  <p:clrMapOvr>
-    <a:masterClrMapping/>
-  </p:clrMapOvr>
-</p:sld>
-</file>
-
-<file path=ppt/slides/slide5.xml><?xml version="1.0" encoding="utf-8"?>
-<p:sld xmlns:a="http://schemas.openxmlformats.org/drawingml/2006/main" xmlns:r="http://schemas.openxmlformats.org/officeDocument/2006/relationships" xmlns:p="http://schemas.openxmlformats.org/presentationml/2006/main">
-  <p:cSld>
-    <p:spTree>
-      <p:nvGrpSpPr>
-        <p:cNvPr id="1" name=""/>
-        <p:cNvGrpSpPr/>
-        <p:nvPr/>
-      </p:nvGrpSpPr>
-      <p:grpSpPr/>
-      <p:sp>
-        <p:nvSpPr>
-          <p:cNvPr id="2" name="标题 1"/>
-          <p:cNvSpPr>
-            <a:spLocks noGrp="1"/>
-          </p:cNvSpPr>
-          <p:nvPr>
-            <p:ph type="title"/>
-          </p:nvPr>
-        </p:nvSpPr>
-        <p:spPr/>
-        <p:txBody>
-          <a:bodyPr/>
-          <a:p>
-            <a:r>
-              <a:rPr lang="zh-CN" altLang="en-US"/>
-              <a:t>前端（</a:t>
-            </a:r>
-            <a:r>
-              <a:rPr lang="en-US" altLang="zh-CN"/>
-              <a:t>uniapp</a:t>
-            </a:r>
-            <a:r>
-              <a:rPr lang="zh-CN" altLang="en-US"/>
-              <a:t>）</a:t>
-            </a:r>
-            <a:endParaRPr lang="zh-CN" altLang="en-US"/>
-          </a:p>
-        </p:txBody>
-      </p:sp>
-      <p:sp>
-        <p:nvSpPr>
-          <p:cNvPr id="3" name="内容占位符 2"/>
-          <p:cNvSpPr>
-            <a:spLocks noGrp="1"/>
-          </p:cNvSpPr>
-          <p:nvPr>
-            <p:ph idx="1"/>
-          </p:nvPr>
-        </p:nvSpPr>
-        <p:spPr/>
-        <p:txBody>
-          <a:bodyPr/>
-          <a:p>
-            <a:r>
-              <a:rPr lang="en-US" altLang="zh-CN"/>
-              <a:t>- </a:t>
-            </a:r>
-            <a:r>
-              <a:rPr lang="zh-CN" altLang="en-US"/>
-              <a:t>跨端开发：</a:t>
-            </a:r>
-            <a:endParaRPr lang="zh-CN" altLang="en-US"/>
-          </a:p>
-          <a:p>
-            <a:r>
-              <a:rPr lang="en-US" altLang="zh-CN"/>
-              <a:t>  - Uniapp </a:t>
-            </a:r>
-            <a:r>
-              <a:rPr lang="zh-CN" altLang="en-US"/>
-              <a:t>支持一套代码多端运行（</a:t>
-            </a:r>
-            <a:r>
-              <a:rPr lang="en-US" altLang="zh-CN"/>
-              <a:t>H5</a:t>
-            </a:r>
-            <a:r>
-              <a:rPr lang="zh-CN" altLang="en-US"/>
-              <a:t>、微信小程序、移动端），大幅降低开发和维护成本。</a:t>
-            </a:r>
-            <a:endParaRPr lang="zh-CN" altLang="en-US"/>
-          </a:p>
-          <a:p>
-            <a:r>
-              <a:rPr lang="en-US" altLang="zh-CN"/>
-              <a:t>  - </a:t>
-            </a:r>
-            <a:r>
-              <a:rPr lang="zh-CN" altLang="en-US"/>
-              <a:t>基于</a:t>
-            </a:r>
-            <a:r>
-              <a:rPr lang="en-US" altLang="zh-CN"/>
-              <a:t> Vue </a:t>
-            </a:r>
-            <a:r>
-              <a:rPr lang="zh-CN" altLang="en-US"/>
-              <a:t>语法，学习成本低，开发效率高。</a:t>
-            </a:r>
-            <a:endParaRPr lang="zh-CN" altLang="en-US"/>
-          </a:p>
-          <a:p>
-            <a:r>
-              <a:rPr lang="en-US" altLang="zh-CN"/>
-              <a:t>- </a:t>
-            </a:r>
-            <a:r>
-              <a:rPr lang="zh-CN" altLang="en-US"/>
-              <a:t>生态丰富：</a:t>
-            </a:r>
-            <a:endParaRPr lang="zh-CN" altLang="en-US"/>
-          </a:p>
-          <a:p>
-            <a:r>
-              <a:rPr lang="en-US" altLang="zh-CN"/>
-              <a:t>  - </a:t>
-            </a:r>
-            <a:r>
-              <a:rPr lang="zh-CN" altLang="en-US"/>
-              <a:t>支持丰富的插件市场，可快速集成第三方功能（如地图、支付、推送等）。</a:t>
-            </a:r>
-            <a:endParaRPr lang="zh-CN" altLang="en-US"/>
-          </a:p>
-          <a:p>
-            <a:r>
-              <a:rPr lang="en-US" altLang="zh-CN"/>
-              <a:t>  - </a:t>
-            </a:r>
-            <a:r>
-              <a:rPr lang="zh-CN" altLang="en-US"/>
-              <a:t>提供原生渲染能力，性能接近原生应用。</a:t>
-            </a:r>
-            <a:endParaRPr lang="zh-CN" altLang="en-US"/>
-          </a:p>
-        </p:txBody>
-      </p:sp>
-    </p:spTree>
-  </p:cSld>
-  <p:clrMapOvr>
-    <a:masterClrMapping/>
-  </p:clrMapOvr>
-  <p:timing>
-    <p:tnLst>
-      <p:par>
-        <p:cTn id="1" dur="indefinite" restart="never" nodeType="tmRoot"/>
-      </p:par>
-    </p:tnLst>
-  </p:timing>
-</p:sld>
-</file>
-
-<file path=ppt/slides/slide6.xml><?xml version="1.0" encoding="utf-8"?>
-<p:sld xmlns:a="http://schemas.openxmlformats.org/drawingml/2006/main" xmlns:r="http://schemas.openxmlformats.org/officeDocument/2006/relationships" xmlns:p="http://schemas.openxmlformats.org/presentationml/2006/main">
-  <p:cSld>
-    <p:spTree>
-      <p:nvGrpSpPr>
-        <p:cNvPr id="1" name=""/>
-        <p:cNvGrpSpPr/>
-        <p:nvPr/>
-      </p:nvGrpSpPr>
-      <p:grpSpPr/>
-      <p:sp>
-        <p:nvSpPr>
-          <p:cNvPr id="2" name="标题 1"/>
-          <p:cNvSpPr>
-            <a:spLocks noGrp="1"/>
-          </p:cNvSpPr>
-          <p:nvPr>
-            <p:ph type="title"/>
-          </p:nvPr>
-        </p:nvSpPr>
-        <p:spPr/>
-        <p:txBody>
-          <a:bodyPr/>
-          <a:p>
-            <a:r>
-              <a:rPr lang="zh-CN" altLang="en-US"/>
-              <a:t>前端</a:t>
-            </a:r>
-            <a:endParaRPr lang="zh-CN" altLang="en-US"/>
-          </a:p>
-        </p:txBody>
-      </p:sp>
-      <p:sp>
-        <p:nvSpPr>
-          <p:cNvPr id="3" name="内容占位符 2"/>
-          <p:cNvSpPr>
-            <a:spLocks noGrp="1"/>
-          </p:cNvSpPr>
-          <p:nvPr>
-            <p:ph idx="1"/>
-          </p:nvPr>
-        </p:nvSpPr>
-        <p:spPr/>
-        <p:txBody>
-          <a:bodyPr/>
-          <a:p>
-            <a:r>
-              <a:rPr lang="zh-CN" altLang="en-US"/>
-              <a:t>前端包含五个模块，存储在五个不同的目录中</a:t>
-            </a:r>
-            <a:endParaRPr lang="zh-CN" altLang="en-US"/>
-          </a:p>
-          <a:p>
-            <a:r>
-              <a:rPr lang="zh-CN" altLang="en-US"/>
-              <a:t>一共有</a:t>
-            </a:r>
-            <a:r>
-              <a:rPr lang="en-US" altLang="zh-CN"/>
-              <a:t>12</a:t>
-            </a:r>
-            <a:r>
-              <a:rPr lang="zh-CN" altLang="en-US"/>
-              <a:t>个页面，</a:t>
-            </a:r>
-            <a:r>
-              <a:rPr lang="en-US" altLang="zh-CN"/>
-              <a:t>5</a:t>
-            </a:r>
-            <a:r>
-              <a:rPr lang="zh-CN" altLang="en-US"/>
-              <a:t>个组件</a:t>
-            </a:r>
-            <a:endParaRPr lang="zh-CN" altLang="en-US"/>
-          </a:p>
-        </p:txBody>
-      </p:sp>
-      <p:pic>
-        <p:nvPicPr>
-          <p:cNvPr id="4" name="图片 3"/>
-          <p:cNvPicPr>
-            <a:picLocks noChangeAspect="1"/>
-          </p:cNvPicPr>
-          <p:nvPr/>
-        </p:nvPicPr>
-        <p:blipFill>
-          <a:blip r:embed="rId1"/>
-          <a:stretch>
-            <a:fillRect/>
-          </a:stretch>
-        </p:blipFill>
-        <p:spPr>
-          <a:xfrm>
-            <a:off x="1162685" y="2969895"/>
-            <a:ext cx="4217035" cy="2095500"/>
-          </a:xfrm>
-          <a:prstGeom prst="rect">
-            <a:avLst/>
-          </a:prstGeom>
-        </p:spPr>
-      </p:pic>
-      <p:pic>
-        <p:nvPicPr>
-          <p:cNvPr id="5" name="图片 4"/>
-          <p:cNvPicPr>
-            <a:picLocks noChangeAspect="1"/>
-          </p:cNvPicPr>
-          <p:nvPr/>
-        </p:nvPicPr>
-        <p:blipFill>
-          <a:blip r:embed="rId2"/>
-          <a:stretch>
-            <a:fillRect/>
-          </a:stretch>
-        </p:blipFill>
-        <p:spPr>
-          <a:xfrm>
-            <a:off x="1162685" y="4955540"/>
-            <a:ext cx="4303395" cy="675640"/>
-          </a:xfrm>
-          <a:prstGeom prst="rect">
-            <a:avLst/>
-          </a:prstGeom>
-        </p:spPr>
-      </p:pic>
-      <p:pic>
-        <p:nvPicPr>
-          <p:cNvPr id="6" name="图片 5"/>
-          <p:cNvPicPr>
-            <a:picLocks noChangeAspect="1"/>
-          </p:cNvPicPr>
-          <p:nvPr/>
-        </p:nvPicPr>
-        <p:blipFill>
-          <a:blip r:embed="rId3"/>
-          <a:stretch>
-            <a:fillRect/>
-          </a:stretch>
-        </p:blipFill>
-        <p:spPr>
-          <a:xfrm>
-            <a:off x="8975090" y="2969895"/>
-            <a:ext cx="3014980" cy="2096135"/>
-          </a:xfrm>
-          <a:prstGeom prst="rect">
-            <a:avLst/>
-          </a:prstGeom>
-        </p:spPr>
-      </p:pic>
-      <p:pic>
-        <p:nvPicPr>
-          <p:cNvPr id="7" name="图片 6"/>
-          <p:cNvPicPr>
-            <a:picLocks noChangeAspect="1"/>
-          </p:cNvPicPr>
-          <p:nvPr/>
-        </p:nvPicPr>
-        <p:blipFill>
-          <a:blip r:embed="rId4"/>
-          <a:stretch>
-            <a:fillRect/>
-          </a:stretch>
-        </p:blipFill>
-        <p:spPr>
-          <a:xfrm>
-            <a:off x="5928995" y="2969895"/>
-            <a:ext cx="2583180" cy="3675380"/>
-          </a:xfrm>
-          <a:prstGeom prst="rect">
-            <a:avLst/>
-          </a:prstGeom>
-        </p:spPr>
-      </p:pic>
-    </p:spTree>
-  </p:cSld>
-  <p:clrMapOvr>
-    <a:masterClrMapping/>
-  </p:clrMapOvr>
-</p:sld>
-</file>
-
-<file path=ppt/slides/slide7.xml><?xml version="1.0" encoding="utf-8"?>
-<p:sld xmlns:a="http://schemas.openxmlformats.org/drawingml/2006/main" xmlns:r="http://schemas.openxmlformats.org/officeDocument/2006/relationships" xmlns:p="http://schemas.openxmlformats.org/presentationml/2006/main">
-  <p:cSld>
-    <p:spTree>
-      <p:nvGrpSpPr>
-        <p:cNvPr id="1" name=""/>
-        <p:cNvGrpSpPr/>
-        <p:nvPr/>
-      </p:nvGrpSpPr>
-      <p:grpSpPr/>
-      <p:sp>
-        <p:nvSpPr>
-          <p:cNvPr id="2" name="标题 1"/>
-          <p:cNvSpPr>
-            <a:spLocks noGrp="1"/>
-          </p:cNvSpPr>
-          <p:nvPr>
-            <p:ph type="title"/>
-          </p:nvPr>
-        </p:nvSpPr>
-        <p:spPr/>
-        <p:txBody>
-          <a:bodyPr/>
-          <a:p>
-            <a:r>
-              <a:rPr lang="zh-CN" altLang="en-US"/>
-              <a:t>前端网络请求</a:t>
-            </a:r>
-            <a:endParaRPr lang="zh-CN" altLang="en-US"/>
-          </a:p>
-        </p:txBody>
-      </p:sp>
-      <p:sp>
-        <p:nvSpPr>
-          <p:cNvPr id="3" name="内容占位符 2"/>
-          <p:cNvSpPr>
-            <a:spLocks noGrp="1"/>
-          </p:cNvSpPr>
-          <p:nvPr>
-            <p:ph idx="1"/>
-          </p:nvPr>
-        </p:nvSpPr>
-        <p:spPr/>
-        <p:txBody>
-          <a:bodyPr/>
-          <a:p>
-            <a:r>
-              <a:rPr lang="zh-CN" altLang="en-US"/>
-              <a:t>封装了统一的网络接口请求函数</a:t>
-            </a:r>
-            <a:r>
-              <a:rPr lang="en-US" altLang="zh-CN"/>
-              <a:t>Request</a:t>
-            </a:r>
-            <a:endParaRPr lang="en-US" altLang="zh-CN"/>
-          </a:p>
-          <a:p>
-            <a:r>
-              <a:rPr lang="zh-CN" altLang="en-US"/>
-              <a:t>请求函数中封住接口前几位通用接口地址</a:t>
-            </a:r>
-            <a:endParaRPr lang="zh-CN" altLang="en-US"/>
-          </a:p>
-          <a:p>
-            <a:r>
-              <a:rPr lang="zh-CN" altLang="en-US"/>
-              <a:t>在请求头中加入</a:t>
-            </a:r>
-            <a:r>
-              <a:rPr lang="en-US" altLang="zh-CN"/>
-              <a:t>Authorization</a:t>
-            </a:r>
-            <a:r>
-              <a:rPr lang="zh-CN" altLang="en-US"/>
-              <a:t>，携带</a:t>
-            </a:r>
-            <a:r>
-              <a:rPr lang="en-US" altLang="zh-CN"/>
-              <a:t>JWT</a:t>
-            </a:r>
-            <a:r>
-              <a:rPr lang="zh-CN" altLang="en-US"/>
-              <a:t>令牌，在后端请求中携带身份信息</a:t>
-            </a:r>
-            <a:endParaRPr lang="zh-CN" altLang="en-US"/>
-          </a:p>
-        </p:txBody>
-      </p:sp>
-      <p:pic>
-        <p:nvPicPr>
-          <p:cNvPr id="6" name="图片 5"/>
-          <p:cNvPicPr>
-            <a:picLocks noChangeAspect="1"/>
-          </p:cNvPicPr>
-          <p:nvPr/>
-        </p:nvPicPr>
-        <p:blipFill>
-          <a:blip r:embed="rId1"/>
-          <a:stretch>
-            <a:fillRect/>
-          </a:stretch>
-        </p:blipFill>
-        <p:spPr>
-          <a:xfrm>
-            <a:off x="978535" y="1290955"/>
-            <a:ext cx="8324850" cy="4978400"/>
-          </a:xfrm>
-          <a:prstGeom prst="rect">
-            <a:avLst/>
-          </a:prstGeom>
-        </p:spPr>
-      </p:pic>
-      <p:pic>
-        <p:nvPicPr>
-          <p:cNvPr id="7" name="图片 6"/>
-          <p:cNvPicPr>
-            <a:picLocks noChangeAspect="1"/>
-          </p:cNvPicPr>
-          <p:nvPr/>
-        </p:nvPicPr>
-        <p:blipFill>
-          <a:blip r:embed="rId2"/>
-          <a:stretch>
-            <a:fillRect/>
-          </a:stretch>
-        </p:blipFill>
-        <p:spPr>
-          <a:xfrm>
-            <a:off x="3092450" y="1496060"/>
-            <a:ext cx="3460750" cy="2197100"/>
-          </a:xfrm>
-          <a:prstGeom prst="rect">
-            <a:avLst/>
-          </a:prstGeom>
-        </p:spPr>
-      </p:pic>
-    </p:spTree>
-  </p:cSld>
-  <p:clrMapOvr>
-    <a:masterClrMapping/>
-  </p:clrMapOvr>
-  <p:timing>
-    <p:tnLst>
-      <p:par>
-        <p:cTn id="1" dur="indefinite" restart="never" nodeType="tmRoot">
-          <p:childTnLst>
-            <p:seq concurrent="1" nextAc="seek">
-              <p:cTn id="2" dur="indefinite" nodeType="mainSeq">
-                <p:childTnLst>
-                  <p:par>
-                    <p:cTn id="3" fill="hold">
-                      <p:stCondLst>
-                        <p:cond delay="indefinite"/>
-                      </p:stCondLst>
-                      <p:childTnLst>
-                        <p:par>
-                          <p:cTn id="4" fill="hold">
-                            <p:stCondLst>
-                              <p:cond delay="0"/>
-                            </p:stCondLst>
-                            <p:childTnLst>
-                              <p:par>
-                                <p:cTn id="5" presetID="2" presetClass="entr" presetSubtype="4" fill="hold" nodeType="clickEffect">
-                                  <p:stCondLst>
-                                    <p:cond delay="0"/>
-                                  </p:stCondLst>
-                                  <p:childTnLst>
-                                    <p:set>
-                                      <p:cBhvr>
-                                        <p:cTn id="6" dur="1" fill="hold">
-                                          <p:stCondLst>
-                                            <p:cond delay="0"/>
-                                          </p:stCondLst>
-                                        </p:cTn>
-                                        <p:tgtEl>
-                                          <p:spTgt spid="6"/>
-                                        </p:tgtEl>
-                                        <p:attrNameLst>
-                                          <p:attrName>style.visibility</p:attrName>
-                                        </p:attrNameLst>
-                                      </p:cBhvr>
-                                      <p:to>
-                                        <p:strVal val="visible"/>
-                                      </p:to>
-                                    </p:set>
-                                    <p:anim calcmode="lin" valueType="num">
-                                      <p:cBhvr additive="base">
-                                        <p:cTn id="7" dur="500" fill="hold"/>
-                                        <p:tgtEl>
-                                          <p:spTgt spid="6"/>
-                                        </p:tgtEl>
-                                        <p:attrNameLst>
-                                          <p:attrName>ppt_x</p:attrName>
-                                        </p:attrNameLst>
-                                      </p:cBhvr>
-                                      <p:tavLst>
-                                        <p:tav tm="0">
-                                          <p:val>
-                                            <p:strVal val="#ppt_x"/>
-                                          </p:val>
-                                        </p:tav>
-                                        <p:tav tm="100000">
-                                          <p:val>
-                                            <p:strVal val="#ppt_x"/>
-                                          </p:val>
-                                        </p:tav>
-                                      </p:tavLst>
-                                    </p:anim>
-                                    <p:anim calcmode="lin" valueType="num">
-                                      <p:cBhvr additive="base">
-                                        <p:cTn id="8" dur="500" fill="hold"/>
-                                        <p:tgtEl>
-                                          <p:spTgt spid="6"/>
-                                        </p:tgtEl>
-                                        <p:attrNameLst>
-                                          <p:attrName>ppt_y</p:attrName>
-                                        </p:attrNameLst>
-                                      </p:cBhvr>
-                                      <p:tavLst>
-                                        <p:tav tm="0">
-                                          <p:val>
-                                            <p:strVal val="1+#ppt_h/2"/>
-                                          </p:val>
-                                        </p:tav>
-                                        <p:tav tm="100000">
-                                          <p:val>
-                                            <p:strVal val="#ppt_y"/>
-                                          </p:val>
-                                        </p:tav>
-                                      </p:tavLst>
-                                    </p:anim>
-                                  </p:childTnLst>
-                                </p:cTn>
-                              </p:par>
-                            </p:childTnLst>
-                          </p:cTn>
-                        </p:par>
-                      </p:childTnLst>
-                    </p:cTn>
-                  </p:par>
-                  <p:par>
-                    <p:cTn id="9" fill="hold">
-                      <p:stCondLst>
-                        <p:cond delay="indefinite"/>
-                      </p:stCondLst>
-                      <p:childTnLst>
-                        <p:par>
-                          <p:cTn id="10" fill="hold">
-                            <p:stCondLst>
-                              <p:cond delay="0"/>
-                            </p:stCondLst>
-                            <p:childTnLst>
-                              <p:par>
-                                <p:cTn id="11" presetID="2" presetClass="entr" presetSubtype="4" fill="hold" nodeType="clickEffect">
-                                  <p:stCondLst>
-                                    <p:cond delay="0"/>
-                                  </p:stCondLst>
-                                  <p:childTnLst>
-                                    <p:set>
-                                      <p:cBhvr>
-                                        <p:cTn id="12" dur="1" fill="hold">
-                                          <p:stCondLst>
-                                            <p:cond delay="0"/>
-                                          </p:stCondLst>
-                                        </p:cTn>
-                                        <p:tgtEl>
-                                          <p:spTgt spid="7"/>
-                                        </p:tgtEl>
-                                        <p:attrNameLst>
-                                          <p:attrName>style.visibility</p:attrName>
-                                        </p:attrNameLst>
-                                      </p:cBhvr>
-                                      <p:to>
-                                        <p:strVal val="visible"/>
-                                      </p:to>
-                                    </p:set>
-                                    <p:anim calcmode="lin" valueType="num">
-                                      <p:cBhvr additive="base">
-                                        <p:cTn id="13" dur="500" fill="hold"/>
-                                        <p:tgtEl>
-                                          <p:spTgt spid="7"/>
-                                        </p:tgtEl>
-                                        <p:attrNameLst>
-                                          <p:attrName>ppt_x</p:attrName>
-                                        </p:attrNameLst>
-                                      </p:cBhvr>
-                                      <p:tavLst>
-                                        <p:tav tm="0">
-                                          <p:val>
-                                            <p:strVal val="#ppt_x"/>
-                                          </p:val>
-                                        </p:tav>
-                                        <p:tav tm="100000">
-                                          <p:val>
-                                            <p:strVal val="#ppt_x"/>
-                                          </p:val>
-                                        </p:tav>
-                                      </p:tavLst>
-                                    </p:anim>
-                                    <p:anim calcmode="lin" valueType="num">
-                                      <p:cBhvr additive="base">
-                                        <p:cTn id="14" dur="500" fill="hold"/>
-                                        <p:tgtEl>
-                                          <p:spTgt spid="7"/>
-                                        </p:tgtEl>
-                                        <p:attrNameLst>
-                                          <p:attrName>ppt_y</p:attrName>
-                                        </p:attrNameLst>
-                                      </p:cBhvr>
-                                      <p:tavLst>
-                                        <p:tav tm="0">
-                                          <p:val>
-                                            <p:strVal val="1+#ppt_h/2"/>
-                                          </p:val>
-                                        </p:tav>
-                                        <p:tav tm="100000">
-                                          <p:val>
-                                            <p:strVal val="#ppt_y"/>
-                                          </p:val>
-                                        </p:tav>
-                                      </p:tavLst>
-                                    </p:anim>
-                                  </p:childTnLst>
-                                </p:cTn>
-                              </p:par>
-                            </p:childTnLst>
-                          </p:cTn>
-                        </p:par>
-                      </p:childTnLst>
-                    </p:cTn>
-                  </p:par>
-                </p:childTnLst>
-              </p:cTn>
-              <p:prevCondLst>
-                <p:cond evt="onPrev" delay="0">
-                  <p:tgtEl>
-                    <p:sldTgt/>
-                  </p:tgtEl>
-                </p:cond>
-              </p:prevCondLst>
-              <p:nextCondLst>
-                <p:cond evt="onNext" delay="0">
-                  <p:tgtEl>
-                    <p:sldTgt/>
-                  </p:tgtEl>
-                </p:cond>
-              </p:nextCondLst>
-            </p:seq>
-          </p:childTnLst>
-        </p:cTn>
-      </p:par>
-    </p:tnLst>
-  </p:timing>
-</p:sld>
-</file>
-
-<file path=ppt/slides/slide8.xml><?xml version="1.0" encoding="utf-8"?>
-<p:sld xmlns:a="http://schemas.openxmlformats.org/drawingml/2006/main" xmlns:r="http://schemas.openxmlformats.org/officeDocument/2006/relationships" xmlns:p="http://schemas.openxmlformats.org/presentationml/2006/main">
-  <p:cSld>
-    <p:spTree>
-      <p:nvGrpSpPr>
-        <p:cNvPr id="1" name=""/>
-        <p:cNvGrpSpPr/>
-        <p:nvPr/>
-      </p:nvGrpSpPr>
-      <p:grpSpPr/>
-      <p:sp>
-        <p:nvSpPr>
-          <p:cNvPr id="2" name="标题 1"/>
-          <p:cNvSpPr>
-            <a:spLocks noGrp="1"/>
-          </p:cNvSpPr>
-          <p:nvPr>
-            <p:ph type="title"/>
-          </p:nvPr>
-        </p:nvSpPr>
-        <p:spPr/>
-        <p:txBody>
-          <a:bodyPr/>
-          <a:p>
-            <a:r>
-              <a:rPr lang="zh-CN" altLang="en-US"/>
-              <a:t>后端（</a:t>
-            </a:r>
-            <a:r>
-              <a:rPr lang="en-US" altLang="zh-CN"/>
-              <a:t>fastapi</a:t>
-            </a:r>
-            <a:r>
-              <a:rPr lang="zh-CN" altLang="en-US"/>
-              <a:t>）</a:t>
-            </a:r>
-            <a:endParaRPr lang="zh-CN" altLang="en-US"/>
-          </a:p>
-        </p:txBody>
-      </p:sp>
-      <p:sp>
-        <p:nvSpPr>
-          <p:cNvPr id="3" name="内容占位符 2"/>
-          <p:cNvSpPr>
-            <a:spLocks noGrp="1"/>
-          </p:cNvSpPr>
-          <p:nvPr>
-            <p:ph idx="1"/>
-          </p:nvPr>
-        </p:nvSpPr>
-        <p:spPr>
-          <a:xfrm>
-            <a:off x="751840" y="1450975"/>
-            <a:ext cx="10515600" cy="4351338"/>
-          </a:xfrm>
-        </p:spPr>
-        <p:txBody>
-          <a:bodyPr>
-            <a:normAutofit fontScale="25000"/>
-          </a:bodyPr>
-          <a:p>
-            <a:pPr fontAlgn="auto">
-              <a:lnSpc>
-                <a:spcPct val="150000"/>
-              </a:lnSpc>
-              <a:spcBef>
-                <a:spcPts val="0"/>
-              </a:spcBef>
-            </a:pPr>
-            <a:r>
-              <a:rPr lang="zh-CN" altLang="en-US" sz="7200"/>
-              <a:t>一、速度快</a:t>
-            </a:r>
-            <a:endParaRPr lang="zh-CN" altLang="en-US" sz="7200"/>
-          </a:p>
-          <a:p>
-            <a:pPr fontAlgn="auto">
-              <a:lnSpc>
-                <a:spcPct val="150000"/>
-              </a:lnSpc>
-              <a:spcBef>
-                <a:spcPts val="0"/>
-              </a:spcBef>
-            </a:pPr>
-            <a:r>
-              <a:rPr lang="en-US" altLang="zh-CN" sz="7200"/>
-              <a:t>FastAPI </a:t>
-            </a:r>
-            <a:r>
-              <a:rPr lang="zh-CN" altLang="en-US" sz="7200"/>
-              <a:t>是基于</a:t>
-            </a:r>
-            <a:r>
-              <a:rPr lang="en-US" altLang="zh-CN" sz="7200"/>
-              <a:t> Starlette </a:t>
-            </a:r>
-            <a:r>
-              <a:rPr lang="zh-CN" altLang="en-US" sz="7200"/>
-              <a:t>和</a:t>
-            </a:r>
-            <a:r>
-              <a:rPr lang="en-US" altLang="zh-CN" sz="7200"/>
-              <a:t> Pydantic </a:t>
-            </a:r>
-            <a:r>
-              <a:rPr lang="zh-CN" altLang="en-US" sz="7200"/>
-              <a:t>构建的，天然支持异步（</a:t>
-            </a:r>
-            <a:r>
-              <a:rPr lang="en-US" altLang="zh-CN" sz="7200"/>
-              <a:t>async/await</a:t>
-            </a:r>
-            <a:r>
-              <a:rPr lang="zh-CN" altLang="en-US" sz="7200"/>
-              <a:t>）。</a:t>
-            </a:r>
-            <a:endParaRPr lang="zh-CN" altLang="en-US" sz="7200"/>
-          </a:p>
-          <a:p>
-            <a:pPr fontAlgn="auto">
-              <a:lnSpc>
-                <a:spcPct val="150000"/>
-              </a:lnSpc>
-              <a:spcBef>
-                <a:spcPts val="0"/>
-              </a:spcBef>
-            </a:pPr>
-            <a:r>
-              <a:rPr lang="zh-CN" altLang="en-US" sz="7200"/>
-              <a:t>单接口性能接近</a:t>
-            </a:r>
-            <a:r>
-              <a:rPr lang="en-US" altLang="zh-CN" sz="7200"/>
-              <a:t> Node.js </a:t>
-            </a:r>
-            <a:r>
-              <a:rPr lang="zh-CN" altLang="en-US" sz="7200"/>
-              <a:t>和</a:t>
-            </a:r>
-            <a:r>
-              <a:rPr lang="en-US" altLang="zh-CN" sz="7200"/>
-              <a:t> Go</a:t>
-            </a:r>
-            <a:r>
-              <a:rPr lang="zh-CN" altLang="en-US" sz="7200"/>
-              <a:t>，远超传统的</a:t>
-            </a:r>
-            <a:r>
-              <a:rPr lang="en-US" altLang="zh-CN" sz="7200"/>
-              <a:t> Flask</a:t>
-            </a:r>
-            <a:r>
-              <a:rPr lang="zh-CN" altLang="en-US" sz="7200"/>
-              <a:t>、</a:t>
-            </a:r>
-            <a:r>
-              <a:rPr lang="en-US" altLang="zh-CN" sz="7200"/>
-              <a:t>Django</a:t>
-            </a:r>
-            <a:r>
-              <a:rPr lang="zh-CN" altLang="en-US" sz="7200"/>
-              <a:t>。</a:t>
-            </a:r>
-            <a:endParaRPr lang="en-US" altLang="zh-CN" sz="7200"/>
-          </a:p>
-          <a:p>
-            <a:pPr fontAlgn="auto">
-              <a:lnSpc>
-                <a:spcPct val="150000"/>
-              </a:lnSpc>
-              <a:spcBef>
-                <a:spcPts val="0"/>
-              </a:spcBef>
-            </a:pPr>
-            <a:r>
-              <a:rPr lang="zh-CN" altLang="en-US" sz="7200"/>
-              <a:t>二、开发效率高</a:t>
-            </a:r>
-            <a:endParaRPr lang="zh-CN" altLang="en-US" sz="7200"/>
-          </a:p>
-          <a:p>
-            <a:pPr fontAlgn="auto">
-              <a:lnSpc>
-                <a:spcPct val="150000"/>
-              </a:lnSpc>
-              <a:spcBef>
-                <a:spcPts val="0"/>
-              </a:spcBef>
-            </a:pPr>
-            <a:r>
-              <a:rPr lang="zh-CN" altLang="en-US" sz="7200"/>
-              <a:t>支持自动生成</a:t>
-            </a:r>
-            <a:r>
-              <a:rPr lang="en-US" altLang="zh-CN" sz="7200"/>
-              <a:t> OpenAPI</a:t>
-            </a:r>
-            <a:r>
-              <a:rPr lang="zh-CN" altLang="en-US" sz="7200"/>
-              <a:t>（</a:t>
-            </a:r>
-            <a:r>
-              <a:rPr lang="en-US" altLang="zh-CN" sz="7200"/>
-              <a:t>Swagger</a:t>
-            </a:r>
-            <a:r>
-              <a:rPr lang="zh-CN" altLang="en-US" sz="7200"/>
-              <a:t>）文档，不用手写接口文档。</a:t>
-            </a:r>
-            <a:endParaRPr lang="en-US" altLang="zh-CN" sz="7200"/>
-          </a:p>
-          <a:p>
-            <a:pPr fontAlgn="auto">
-              <a:lnSpc>
-                <a:spcPct val="150000"/>
-              </a:lnSpc>
-              <a:spcBef>
-                <a:spcPts val="0"/>
-              </a:spcBef>
-            </a:pPr>
-            <a:r>
-              <a:rPr lang="zh-CN" altLang="en-US" sz="7200"/>
-              <a:t>请求参数、响应结果都有自动校验，只需简单定义</a:t>
-            </a:r>
-            <a:r>
-              <a:rPr lang="en-US" altLang="zh-CN" sz="7200"/>
-              <a:t> Pydantic </a:t>
-            </a:r>
-            <a:r>
-              <a:rPr lang="zh-CN" altLang="en-US" sz="7200"/>
-              <a:t>模型。</a:t>
-            </a:r>
-            <a:endParaRPr lang="en-US" altLang="zh-CN" sz="7200"/>
-          </a:p>
-          <a:p>
-            <a:pPr fontAlgn="auto">
-              <a:lnSpc>
-                <a:spcPct val="150000"/>
-              </a:lnSpc>
-              <a:spcBef>
-                <a:spcPts val="0"/>
-              </a:spcBef>
-            </a:pPr>
-            <a:r>
-              <a:rPr lang="zh-CN" altLang="en-US" sz="7200"/>
-              <a:t>几乎写完接口代码，文档、校验、序列化都自动做好了。</a:t>
-            </a:r>
-            <a:endParaRPr lang="en-US" altLang="zh-CN" sz="7200"/>
-          </a:p>
-          <a:p>
-            <a:pPr fontAlgn="auto">
-              <a:lnSpc>
-                <a:spcPct val="150000"/>
-              </a:lnSpc>
-              <a:spcBef>
-                <a:spcPts val="0"/>
-              </a:spcBef>
-            </a:pPr>
-            <a:r>
-              <a:rPr lang="zh-CN" altLang="en-US" sz="7200"/>
-              <a:t>三、学习曲线平滑</a:t>
-            </a:r>
-            <a:endParaRPr lang="zh-CN" altLang="en-US" sz="7200"/>
-          </a:p>
-          <a:p>
-            <a:pPr fontAlgn="auto">
-              <a:lnSpc>
-                <a:spcPct val="150000"/>
-              </a:lnSpc>
-              <a:spcBef>
-                <a:spcPts val="0"/>
-              </a:spcBef>
-            </a:pPr>
-            <a:r>
-              <a:rPr lang="zh-CN" altLang="en-US" sz="7200"/>
-              <a:t>语法风格清晰，基本接近</a:t>
-            </a:r>
-            <a:r>
-              <a:rPr lang="en-US" altLang="zh-CN" sz="7200"/>
-              <a:t> Flask</a:t>
-            </a:r>
-            <a:r>
-              <a:rPr lang="zh-CN" altLang="en-US" sz="7200"/>
-              <a:t>。</a:t>
-            </a:r>
-            <a:endParaRPr lang="en-US" altLang="zh-CN" sz="7200"/>
-          </a:p>
-          <a:p>
-            <a:pPr fontAlgn="auto">
-              <a:lnSpc>
-                <a:spcPct val="150000"/>
-              </a:lnSpc>
-              <a:spcBef>
-                <a:spcPts val="0"/>
-              </a:spcBef>
-            </a:pPr>
-            <a:r>
-              <a:rPr lang="zh-CN" altLang="en-US" sz="7200"/>
-              <a:t>如果用过</a:t>
-            </a:r>
-            <a:r>
-              <a:rPr lang="en-US" altLang="zh-CN" sz="7200"/>
-              <a:t> Flask/Django</a:t>
-            </a:r>
-            <a:r>
-              <a:rPr lang="zh-CN" altLang="en-US" sz="7200"/>
-              <a:t>，很快可以上手。</a:t>
-            </a:r>
-            <a:endParaRPr lang="en-US" altLang="zh-CN" sz="7200"/>
-          </a:p>
-          <a:p>
-            <a:pPr fontAlgn="auto">
-              <a:lnSpc>
-                <a:spcPct val="150000"/>
-              </a:lnSpc>
-              <a:spcBef>
-                <a:spcPts val="0"/>
-              </a:spcBef>
-            </a:pPr>
-            <a:r>
-              <a:rPr lang="zh-CN" altLang="en-US" sz="7200"/>
-              <a:t>兼容传统同步代码，也支持异步调用，过渡非常友好。</a:t>
-            </a:r>
-            <a:endParaRPr lang="en-US" altLang="zh-CN" sz="7200"/>
-          </a:p>
-          <a:p>
-            <a:pPr marL="0" indent="0" fontAlgn="auto">
-              <a:lnSpc>
-                <a:spcPct val="150000"/>
-              </a:lnSpc>
-              <a:spcBef>
-                <a:spcPts val="0"/>
-              </a:spcBef>
-              <a:buNone/>
-            </a:pPr>
-            <a:endParaRPr lang="zh-CN" altLang="en-US" sz="7200"/>
-          </a:p>
-        </p:txBody>
-      </p:sp>
-    </p:spTree>
-  </p:cSld>
-  <p:clrMapOvr>
-    <a:masterClrMapping/>
-  </p:clrMapOvr>
-  <p:timing>
-    <p:tnLst>
-      <p:par>
-        <p:cTn id="1" dur="indefinite" restart="never" nodeType="tmRoot"/>
-      </p:par>
-    </p:tnLst>
-  </p:timing>
-</p:sld>
-</file>
-
-<file path=ppt/slides/slide9.xml><?xml version="1.0" encoding="utf-8"?>
 <p:sld xmlns:a="http://schemas.openxmlformats.org/drawingml/2006/main" xmlns:r="http://schemas.openxmlformats.org/officeDocument/2006/relationships" xmlns:p="http://schemas.openxmlformats.org/presentationml/2006/main">
   <p:cSld>
     <p:spTree>
@@ -6375,6 +3434,3011 @@
 </p:sld>
 </file>
 
+<file path=ppt/slides/slide11.xml><?xml version="1.0" encoding="utf-8"?>
+<p:sld xmlns:a="http://schemas.openxmlformats.org/drawingml/2006/main" xmlns:r="http://schemas.openxmlformats.org/officeDocument/2006/relationships" xmlns:p="http://schemas.openxmlformats.org/presentationml/2006/main">
+  <p:cSld>
+    <p:spTree>
+      <p:nvGrpSpPr>
+        <p:cNvPr id="1" name=""/>
+        <p:cNvGrpSpPr/>
+        <p:nvPr/>
+      </p:nvGrpSpPr>
+      <p:grpSpPr/>
+      <p:sp>
+        <p:nvSpPr>
+          <p:cNvPr id="2" name="标题 1"/>
+          <p:cNvSpPr>
+            <a:spLocks noGrp="1"/>
+          </p:cNvSpPr>
+          <p:nvPr>
+            <p:ph type="title"/>
+          </p:nvPr>
+        </p:nvSpPr>
+        <p:spPr/>
+        <p:txBody>
+          <a:bodyPr/>
+          <a:p>
+            <a:r>
+              <a:rPr lang="zh-CN" altLang="en-US"/>
+              <a:t>后端接口管理</a:t>
+            </a:r>
+            <a:endParaRPr lang="zh-CN" altLang="en-US"/>
+          </a:p>
+        </p:txBody>
+      </p:sp>
+      <p:sp>
+        <p:nvSpPr>
+          <p:cNvPr id="3" name="内容占位符 2"/>
+          <p:cNvSpPr>
+            <a:spLocks noGrp="1"/>
+          </p:cNvSpPr>
+          <p:nvPr>
+            <p:ph idx="1"/>
+          </p:nvPr>
+        </p:nvSpPr>
+        <p:spPr/>
+        <p:txBody>
+          <a:bodyPr/>
+          <a:p>
+            <a:r>
+              <a:rPr lang="zh-CN" altLang="en-US"/>
+              <a:t>三个</a:t>
+            </a:r>
+            <a:r>
+              <a:rPr lang="en-US" altLang="zh-CN"/>
+              <a:t>Routers</a:t>
+            </a:r>
+            <a:r>
+              <a:rPr lang="zh-CN" altLang="en-US"/>
+              <a:t>文件管理三种类别的业务，分别是用户管理，动态管理，评价管理</a:t>
+            </a:r>
+            <a:endParaRPr lang="zh-CN" altLang="en-US"/>
+          </a:p>
+        </p:txBody>
+      </p:sp>
+      <p:pic>
+        <p:nvPicPr>
+          <p:cNvPr id="4" name="图片 3"/>
+          <p:cNvPicPr>
+            <a:picLocks noChangeAspect="1"/>
+          </p:cNvPicPr>
+          <p:nvPr/>
+        </p:nvPicPr>
+        <p:blipFill>
+          <a:blip r:embed="rId1"/>
+          <a:stretch>
+            <a:fillRect/>
+          </a:stretch>
+        </p:blipFill>
+        <p:spPr>
+          <a:xfrm>
+            <a:off x="3627755" y="2472055"/>
+            <a:ext cx="4326890" cy="1891030"/>
+          </a:xfrm>
+          <a:prstGeom prst="rect">
+            <a:avLst/>
+          </a:prstGeom>
+        </p:spPr>
+      </p:pic>
+    </p:spTree>
+  </p:cSld>
+  <p:clrMapOvr>
+    <a:masterClrMapping/>
+  </p:clrMapOvr>
+</p:sld>
+</file>
+
+<file path=ppt/slides/slide12.xml><?xml version="1.0" encoding="utf-8"?>
+<p:sld xmlns:a="http://schemas.openxmlformats.org/drawingml/2006/main" xmlns:r="http://schemas.openxmlformats.org/officeDocument/2006/relationships" xmlns:p="http://schemas.openxmlformats.org/presentationml/2006/main">
+  <p:cSld>
+    <p:spTree>
+      <p:nvGrpSpPr>
+        <p:cNvPr id="1" name=""/>
+        <p:cNvGrpSpPr/>
+        <p:nvPr/>
+      </p:nvGrpSpPr>
+      <p:grpSpPr/>
+      <p:sp>
+        <p:nvSpPr>
+          <p:cNvPr id="2" name="标题 1"/>
+          <p:cNvSpPr>
+            <a:spLocks noGrp="1"/>
+          </p:cNvSpPr>
+          <p:nvPr>
+            <p:ph type="title"/>
+          </p:nvPr>
+        </p:nvSpPr>
+        <p:spPr/>
+        <p:txBody>
+          <a:bodyPr/>
+          <a:p>
+            <a:r>
+              <a:rPr lang="zh-CN" altLang="en-US"/>
+              <a:t>后端数据库</a:t>
+            </a:r>
+            <a:endParaRPr lang="zh-CN" altLang="en-US"/>
+          </a:p>
+        </p:txBody>
+      </p:sp>
+      <p:sp>
+        <p:nvSpPr>
+          <p:cNvPr id="3" name="内容占位符 2"/>
+          <p:cNvSpPr>
+            <a:spLocks noGrp="1"/>
+          </p:cNvSpPr>
+          <p:nvPr>
+            <p:ph idx="1"/>
+          </p:nvPr>
+        </p:nvSpPr>
+        <p:spPr/>
+        <p:txBody>
+          <a:bodyPr/>
+          <a:p>
+            <a:r>
+              <a:rPr lang="zh-CN" altLang="en-US"/>
+              <a:t>后端采用</a:t>
+            </a:r>
+            <a:r>
+              <a:rPr lang="en-US" altLang="zh-CN"/>
+              <a:t> SQLAlchemy ORM </a:t>
+            </a:r>
+            <a:r>
+              <a:rPr lang="zh-CN" altLang="en-US"/>
+              <a:t>实现数据访问，通过模型类定义数据库表结构，并以</a:t>
+            </a:r>
+            <a:r>
+              <a:rPr lang="en-US" altLang="zh-CN"/>
+              <a:t> Session </a:t>
+            </a:r>
+            <a:r>
+              <a:rPr lang="zh-CN" altLang="en-US"/>
+              <a:t>对象进行增删改查操作。</a:t>
+            </a:r>
+            <a:endParaRPr lang="zh-CN" altLang="en-US"/>
+          </a:p>
+        </p:txBody>
+      </p:sp>
+      <p:pic>
+        <p:nvPicPr>
+          <p:cNvPr id="4" name="图片 3"/>
+          <p:cNvPicPr>
+            <a:picLocks noChangeAspect="1"/>
+          </p:cNvPicPr>
+          <p:nvPr/>
+        </p:nvPicPr>
+        <p:blipFill>
+          <a:blip r:embed="rId1"/>
+          <a:stretch>
+            <a:fillRect/>
+          </a:stretch>
+        </p:blipFill>
+        <p:spPr>
+          <a:xfrm>
+            <a:off x="2368550" y="2921000"/>
+            <a:ext cx="7454900" cy="3429000"/>
+          </a:xfrm>
+          <a:prstGeom prst="rect">
+            <a:avLst/>
+          </a:prstGeom>
+        </p:spPr>
+      </p:pic>
+    </p:spTree>
+  </p:cSld>
+  <p:clrMapOvr>
+    <a:masterClrMapping/>
+  </p:clrMapOvr>
+</p:sld>
+</file>
+
+<file path=ppt/slides/slide13.xml><?xml version="1.0" encoding="utf-8"?>
+<p:sld xmlns:a="http://schemas.openxmlformats.org/drawingml/2006/main" xmlns:r="http://schemas.openxmlformats.org/officeDocument/2006/relationships" xmlns:p="http://schemas.openxmlformats.org/presentationml/2006/main">
+  <p:cSld>
+    <p:spTree>
+      <p:nvGrpSpPr>
+        <p:cNvPr id="1" name=""/>
+        <p:cNvGrpSpPr/>
+        <p:nvPr/>
+      </p:nvGrpSpPr>
+      <p:grpSpPr/>
+      <p:sp>
+        <p:nvSpPr>
+          <p:cNvPr id="2" name="标题 1"/>
+          <p:cNvSpPr>
+            <a:spLocks noGrp="1"/>
+          </p:cNvSpPr>
+          <p:nvPr>
+            <p:ph type="title"/>
+          </p:nvPr>
+        </p:nvSpPr>
+        <p:spPr/>
+        <p:txBody>
+          <a:bodyPr/>
+          <a:p>
+            <a:r>
+              <a:rPr lang="zh-CN" altLang="en-US"/>
+              <a:t>后端</a:t>
+            </a:r>
+            <a:endParaRPr lang="zh-CN" altLang="en-US"/>
+          </a:p>
+        </p:txBody>
+      </p:sp>
+      <p:sp>
+        <p:nvSpPr>
+          <p:cNvPr id="3" name="内容占位符 2"/>
+          <p:cNvSpPr>
+            <a:spLocks noGrp="1"/>
+          </p:cNvSpPr>
+          <p:nvPr>
+            <p:ph idx="1"/>
+          </p:nvPr>
+        </p:nvSpPr>
+        <p:spPr/>
+        <p:txBody>
+          <a:bodyPr/>
+          <a:p>
+            <a:r>
+              <a:rPr lang="zh-CN" altLang="en-US"/>
+              <a:t>取消了</a:t>
+            </a:r>
+            <a:r>
+              <a:rPr lang="en-US" altLang="zh-CN"/>
+              <a:t>REST</a:t>
+            </a:r>
+            <a:r>
+              <a:rPr lang="zh-CN" altLang="en-US"/>
+              <a:t>风格</a:t>
+            </a:r>
+            <a:endParaRPr lang="zh-CN" altLang="en-US"/>
+          </a:p>
+          <a:p>
+            <a:r>
+              <a:rPr lang="zh-CN" altLang="en-US"/>
+              <a:t>一共</a:t>
+            </a:r>
+            <a:r>
+              <a:rPr lang="en-US" altLang="zh-CN"/>
+              <a:t>24</a:t>
+            </a:r>
+            <a:r>
+              <a:rPr lang="zh-CN" altLang="en-US"/>
+              <a:t>个接口</a:t>
+            </a:r>
+            <a:endParaRPr lang="zh-CN" altLang="en-US"/>
+          </a:p>
+        </p:txBody>
+      </p:sp>
+      <p:pic>
+        <p:nvPicPr>
+          <p:cNvPr id="6" name="图片 5"/>
+          <p:cNvPicPr>
+            <a:picLocks noChangeAspect="1"/>
+          </p:cNvPicPr>
+          <p:nvPr/>
+        </p:nvPicPr>
+        <p:blipFill>
+          <a:blip r:embed="rId1"/>
+          <a:stretch>
+            <a:fillRect/>
+          </a:stretch>
+        </p:blipFill>
+        <p:spPr>
+          <a:xfrm>
+            <a:off x="4530725" y="1450340"/>
+            <a:ext cx="4392295" cy="4928870"/>
+          </a:xfrm>
+          <a:prstGeom prst="rect">
+            <a:avLst/>
+          </a:prstGeom>
+        </p:spPr>
+      </p:pic>
+      <p:pic>
+        <p:nvPicPr>
+          <p:cNvPr id="7" name="图片 6"/>
+          <p:cNvPicPr>
+            <a:picLocks noChangeAspect="1"/>
+          </p:cNvPicPr>
+          <p:nvPr/>
+        </p:nvPicPr>
+        <p:blipFill>
+          <a:blip r:embed="rId2"/>
+          <a:stretch>
+            <a:fillRect/>
+          </a:stretch>
+        </p:blipFill>
+        <p:spPr>
+          <a:xfrm>
+            <a:off x="1453515" y="3124200"/>
+            <a:ext cx="9606915" cy="696595"/>
+          </a:xfrm>
+          <a:prstGeom prst="rect">
+            <a:avLst/>
+          </a:prstGeom>
+        </p:spPr>
+      </p:pic>
+    </p:spTree>
+  </p:cSld>
+  <p:clrMapOvr>
+    <a:masterClrMapping/>
+  </p:clrMapOvr>
+</p:sld>
+</file>
+
+<file path=ppt/slides/slide14.xml><?xml version="1.0" encoding="utf-8"?>
+<p:sld xmlns:a="http://schemas.openxmlformats.org/drawingml/2006/main" xmlns:r="http://schemas.openxmlformats.org/officeDocument/2006/relationships" xmlns:p="http://schemas.openxmlformats.org/presentationml/2006/main">
+  <p:cSld>
+    <p:spTree>
+      <p:nvGrpSpPr>
+        <p:cNvPr id="1" name=""/>
+        <p:cNvGrpSpPr/>
+        <p:nvPr/>
+      </p:nvGrpSpPr>
+      <p:grpSpPr/>
+      <p:sp>
+        <p:nvSpPr>
+          <p:cNvPr id="2" name="标题 1"/>
+          <p:cNvSpPr>
+            <a:spLocks noGrp="1"/>
+          </p:cNvSpPr>
+          <p:nvPr>
+            <p:ph type="title"/>
+          </p:nvPr>
+        </p:nvSpPr>
+        <p:spPr/>
+        <p:txBody>
+          <a:bodyPr/>
+          <a:p>
+            <a:r>
+              <a:rPr lang="zh-CN" altLang="en-US"/>
+              <a:t>后端缓存</a:t>
+            </a:r>
+            <a:endParaRPr lang="zh-CN" altLang="en-US"/>
+          </a:p>
+        </p:txBody>
+      </p:sp>
+      <p:sp>
+        <p:nvSpPr>
+          <p:cNvPr id="3" name="内容占位符 2"/>
+          <p:cNvSpPr>
+            <a:spLocks noGrp="1"/>
+          </p:cNvSpPr>
+          <p:nvPr>
+            <p:ph idx="1"/>
+          </p:nvPr>
+        </p:nvSpPr>
+        <p:spPr/>
+        <p:txBody>
+          <a:bodyPr/>
+          <a:p>
+            <a:r>
+              <a:rPr lang="zh-CN" altLang="en-US"/>
+              <a:t>缓存采用</a:t>
+            </a:r>
+            <a:r>
+              <a:rPr lang="en-US" altLang="zh-CN"/>
+              <a:t>Redis</a:t>
+            </a:r>
+            <a:r>
+              <a:rPr lang="zh-CN" altLang="en-US"/>
+              <a:t>，用于存储注册时随机生成的验证码</a:t>
+            </a:r>
+            <a:endParaRPr lang="zh-CN" altLang="en-US"/>
+          </a:p>
+          <a:p>
+            <a:r>
+              <a:rPr lang="zh-CN" altLang="en-US"/>
+              <a:t>验证时从</a:t>
+            </a:r>
+            <a:r>
+              <a:rPr lang="en-US" altLang="zh-CN"/>
+              <a:t>Redis</a:t>
+            </a:r>
+            <a:r>
+              <a:rPr lang="zh-CN" altLang="en-US"/>
+              <a:t>中提取验证码进行比较</a:t>
+            </a:r>
+            <a:endParaRPr lang="zh-CN" altLang="en-US"/>
+          </a:p>
+        </p:txBody>
+      </p:sp>
+      <p:pic>
+        <p:nvPicPr>
+          <p:cNvPr id="4" name="图片 3"/>
+          <p:cNvPicPr>
+            <a:picLocks noChangeAspect="1"/>
+          </p:cNvPicPr>
+          <p:nvPr/>
+        </p:nvPicPr>
+        <p:blipFill>
+          <a:blip r:embed="rId1"/>
+          <a:stretch>
+            <a:fillRect/>
+          </a:stretch>
+        </p:blipFill>
+        <p:spPr>
+          <a:xfrm>
+            <a:off x="3186430" y="2984500"/>
+            <a:ext cx="5422900" cy="2952750"/>
+          </a:xfrm>
+          <a:prstGeom prst="rect">
+            <a:avLst/>
+          </a:prstGeom>
+        </p:spPr>
+      </p:pic>
+    </p:spTree>
+  </p:cSld>
+  <p:clrMapOvr>
+    <a:masterClrMapping/>
+  </p:clrMapOvr>
+</p:sld>
+</file>
+
+<file path=ppt/slides/slide15.xml><?xml version="1.0" encoding="utf-8"?>
+<p:sld xmlns:a="http://schemas.openxmlformats.org/drawingml/2006/main" xmlns:r="http://schemas.openxmlformats.org/officeDocument/2006/relationships" xmlns:p="http://schemas.openxmlformats.org/presentationml/2006/main">
+  <p:cSld>
+    <p:spTree>
+      <p:nvGrpSpPr>
+        <p:cNvPr id="1" name=""/>
+        <p:cNvGrpSpPr/>
+        <p:nvPr/>
+      </p:nvGrpSpPr>
+      <p:grpSpPr/>
+      <p:sp>
+        <p:nvSpPr>
+          <p:cNvPr id="2" name="标题 1"/>
+          <p:cNvSpPr>
+            <a:spLocks noGrp="1"/>
+          </p:cNvSpPr>
+          <p:nvPr>
+            <p:ph type="title"/>
+          </p:nvPr>
+        </p:nvSpPr>
+        <p:spPr/>
+        <p:txBody>
+          <a:bodyPr/>
+          <a:p>
+            <a:r>
+              <a:rPr lang="zh-CN" altLang="en-US"/>
+              <a:t>安全策略</a:t>
+            </a:r>
+            <a:endParaRPr lang="zh-CN" altLang="en-US"/>
+          </a:p>
+        </p:txBody>
+      </p:sp>
+      <p:sp>
+        <p:nvSpPr>
+          <p:cNvPr id="3" name="内容占位符 2"/>
+          <p:cNvSpPr>
+            <a:spLocks noGrp="1"/>
+          </p:cNvSpPr>
+          <p:nvPr>
+            <p:ph idx="1"/>
+          </p:nvPr>
+        </p:nvSpPr>
+        <p:spPr/>
+        <p:txBody>
+          <a:bodyPr/>
+          <a:p>
+            <a:r>
+              <a:rPr lang="zh-CN" altLang="en-US"/>
+              <a:t>密码加密</a:t>
+            </a:r>
+            <a:endParaRPr lang="zh-CN" altLang="en-US"/>
+          </a:p>
+          <a:p>
+            <a:r>
+              <a:rPr lang="zh-CN" altLang="en-US"/>
+              <a:t>后端</a:t>
+            </a:r>
+            <a:r>
+              <a:rPr lang="en-US" altLang="zh-CN"/>
+              <a:t>JWT</a:t>
+            </a:r>
+            <a:r>
+              <a:rPr lang="zh-CN" altLang="en-US"/>
+              <a:t>身份校验</a:t>
+            </a:r>
+            <a:endParaRPr lang="zh-CN" altLang="en-US"/>
+          </a:p>
+        </p:txBody>
+      </p:sp>
+      <p:pic>
+        <p:nvPicPr>
+          <p:cNvPr id="4" name="图片 3"/>
+          <p:cNvPicPr>
+            <a:picLocks noChangeAspect="1"/>
+          </p:cNvPicPr>
+          <p:nvPr/>
+        </p:nvPicPr>
+        <p:blipFill>
+          <a:blip r:embed="rId1"/>
+          <a:stretch>
+            <a:fillRect/>
+          </a:stretch>
+        </p:blipFill>
+        <p:spPr>
+          <a:xfrm>
+            <a:off x="295275" y="2931160"/>
+            <a:ext cx="5610860" cy="2805430"/>
+          </a:xfrm>
+          <a:prstGeom prst="rect">
+            <a:avLst/>
+          </a:prstGeom>
+        </p:spPr>
+      </p:pic>
+      <p:pic>
+        <p:nvPicPr>
+          <p:cNvPr id="5" name="图片 4"/>
+          <p:cNvPicPr>
+            <a:picLocks noChangeAspect="1"/>
+          </p:cNvPicPr>
+          <p:nvPr/>
+        </p:nvPicPr>
+        <p:blipFill>
+          <a:blip r:embed="rId2"/>
+          <a:stretch>
+            <a:fillRect/>
+          </a:stretch>
+        </p:blipFill>
+        <p:spPr>
+          <a:xfrm>
+            <a:off x="5617210" y="3681730"/>
+            <a:ext cx="6432550" cy="2813050"/>
+          </a:xfrm>
+          <a:prstGeom prst="rect">
+            <a:avLst/>
+          </a:prstGeom>
+        </p:spPr>
+      </p:pic>
+    </p:spTree>
+  </p:cSld>
+  <p:clrMapOvr>
+    <a:masterClrMapping/>
+  </p:clrMapOvr>
+</p:sld>
+</file>
+
+<file path=ppt/slides/slide16.xml><?xml version="1.0" encoding="utf-8"?>
+<p:sld xmlns:a="http://schemas.openxmlformats.org/drawingml/2006/main" xmlns:r="http://schemas.openxmlformats.org/officeDocument/2006/relationships" xmlns:p="http://schemas.openxmlformats.org/presentationml/2006/main">
+  <p:cSld>
+    <p:spTree>
+      <p:nvGrpSpPr>
+        <p:cNvPr id="1" name=""/>
+        <p:cNvGrpSpPr/>
+        <p:nvPr/>
+      </p:nvGrpSpPr>
+      <p:grpSpPr/>
+      <p:sp>
+        <p:nvSpPr>
+          <p:cNvPr id="2" name="标题 1"/>
+          <p:cNvSpPr>
+            <a:spLocks noGrp="1"/>
+          </p:cNvSpPr>
+          <p:nvPr>
+            <p:ph type="title"/>
+          </p:nvPr>
+        </p:nvSpPr>
+        <p:spPr/>
+        <p:txBody>
+          <a:bodyPr/>
+          <a:p>
+            <a:r>
+              <a:rPr lang="zh-CN" altLang="en-US"/>
+              <a:t>测试</a:t>
+            </a:r>
+            <a:endParaRPr lang="zh-CN" altLang="en-US"/>
+          </a:p>
+        </p:txBody>
+      </p:sp>
+      <p:sp>
+        <p:nvSpPr>
+          <p:cNvPr id="3" name="内容占位符 2"/>
+          <p:cNvSpPr>
+            <a:spLocks noGrp="1"/>
+          </p:cNvSpPr>
+          <p:nvPr>
+            <p:ph idx="1"/>
+          </p:nvPr>
+        </p:nvSpPr>
+        <p:spPr/>
+        <p:txBody>
+          <a:bodyPr/>
+          <a:p>
+            <a:r>
+              <a:rPr lang="zh-CN" altLang="en-US"/>
+              <a:t>后端接口通过</a:t>
+            </a:r>
+            <a:r>
+              <a:rPr lang="en-US" altLang="zh-CN"/>
+              <a:t>pytest+mock</a:t>
+            </a:r>
+            <a:endParaRPr lang="en-US" altLang="zh-CN"/>
+          </a:p>
+          <a:p>
+            <a:r>
+              <a:rPr lang="zh-CN" altLang="en-US"/>
+              <a:t>通过</a:t>
+            </a:r>
+            <a:r>
+              <a:rPr lang="en-US" altLang="zh-CN"/>
+              <a:t>assert</a:t>
+            </a:r>
+            <a:r>
+              <a:rPr lang="zh-CN" altLang="en-US"/>
+              <a:t>对比校验结果与预设</a:t>
+            </a:r>
+            <a:endParaRPr lang="zh-CN" altLang="en-US"/>
+          </a:p>
+        </p:txBody>
+      </p:sp>
+      <p:pic>
+        <p:nvPicPr>
+          <p:cNvPr id="4" name="图片 3"/>
+          <p:cNvPicPr>
+            <a:picLocks noChangeAspect="1"/>
+          </p:cNvPicPr>
+          <p:nvPr/>
+        </p:nvPicPr>
+        <p:blipFill>
+          <a:blip r:embed="rId1"/>
+          <a:stretch>
+            <a:fillRect/>
+          </a:stretch>
+        </p:blipFill>
+        <p:spPr>
+          <a:xfrm>
+            <a:off x="6642100" y="1825625"/>
+            <a:ext cx="3023870" cy="3870960"/>
+          </a:xfrm>
+          <a:prstGeom prst="rect">
+            <a:avLst/>
+          </a:prstGeom>
+        </p:spPr>
+      </p:pic>
+      <p:pic>
+        <p:nvPicPr>
+          <p:cNvPr id="5" name="图片 4"/>
+          <p:cNvPicPr>
+            <a:picLocks noChangeAspect="1"/>
+          </p:cNvPicPr>
+          <p:nvPr/>
+        </p:nvPicPr>
+        <p:blipFill>
+          <a:blip r:embed="rId2"/>
+          <a:stretch>
+            <a:fillRect/>
+          </a:stretch>
+        </p:blipFill>
+        <p:spPr>
+          <a:xfrm>
+            <a:off x="1046480" y="3256280"/>
+            <a:ext cx="7894320" cy="1489710"/>
+          </a:xfrm>
+          <a:prstGeom prst="rect">
+            <a:avLst/>
+          </a:prstGeom>
+        </p:spPr>
+      </p:pic>
+    </p:spTree>
+  </p:cSld>
+  <p:clrMapOvr>
+    <a:masterClrMapping/>
+  </p:clrMapOvr>
+</p:sld>
+</file>
+
+<file path=ppt/slides/slide17.xml><?xml version="1.0" encoding="utf-8"?>
+<p:sld xmlns:a="http://schemas.openxmlformats.org/drawingml/2006/main" xmlns:r="http://schemas.openxmlformats.org/officeDocument/2006/relationships" xmlns:p="http://schemas.openxmlformats.org/presentationml/2006/main">
+  <p:cSld>
+    <p:spTree>
+      <p:nvGrpSpPr>
+        <p:cNvPr id="1" name=""/>
+        <p:cNvGrpSpPr/>
+        <p:nvPr/>
+      </p:nvGrpSpPr>
+      <p:grpSpPr/>
+      <p:sp>
+        <p:nvSpPr>
+          <p:cNvPr id="2" name="标题 1"/>
+          <p:cNvSpPr>
+            <a:spLocks noGrp="1"/>
+          </p:cNvSpPr>
+          <p:nvPr>
+            <p:ph type="title"/>
+          </p:nvPr>
+        </p:nvSpPr>
+        <p:spPr/>
+        <p:txBody>
+          <a:bodyPr/>
+          <a:p>
+            <a:r>
+              <a:rPr lang="zh-CN" altLang="en-US"/>
+              <a:t>测试</a:t>
+            </a:r>
+            <a:endParaRPr lang="zh-CN" altLang="en-US"/>
+          </a:p>
+        </p:txBody>
+      </p:sp>
+      <p:sp>
+        <p:nvSpPr>
+          <p:cNvPr id="3" name="内容占位符 2"/>
+          <p:cNvSpPr>
+            <a:spLocks noGrp="1"/>
+          </p:cNvSpPr>
+          <p:nvPr>
+            <p:ph idx="1"/>
+          </p:nvPr>
+        </p:nvSpPr>
+        <p:spPr/>
+        <p:txBody>
+          <a:bodyPr/>
+          <a:p>
+            <a:r>
+              <a:rPr lang="zh-CN" altLang="en-US">
+                <a:sym typeface="+mn-ea"/>
+              </a:rPr>
+              <a:t>前端测试</a:t>
+            </a:r>
+            <a:r>
+              <a:rPr lang="zh-CN" altLang="en-US"/>
+              <a:t>采用影刀</a:t>
+            </a:r>
+            <a:r>
+              <a:rPr lang="en-US" altLang="zh-CN"/>
+              <a:t>RPA</a:t>
+            </a:r>
+            <a:r>
+              <a:rPr lang="zh-CN" altLang="en-US"/>
+              <a:t>自动化测试机器人，通过识别捕获网页中特定的元素进行输入，点击等操作，来检测各个功能是否完好</a:t>
+            </a:r>
+            <a:endParaRPr lang="zh-CN" altLang="en-US"/>
+          </a:p>
+        </p:txBody>
+      </p:sp>
+      <p:pic>
+        <p:nvPicPr>
+          <p:cNvPr id="4" name="图片 3"/>
+          <p:cNvPicPr>
+            <a:picLocks noChangeAspect="1"/>
+          </p:cNvPicPr>
+          <p:nvPr/>
+        </p:nvPicPr>
+        <p:blipFill>
+          <a:blip r:embed="rId1"/>
+          <a:stretch>
+            <a:fillRect/>
+          </a:stretch>
+        </p:blipFill>
+        <p:spPr>
+          <a:xfrm>
+            <a:off x="2161540" y="2715895"/>
+            <a:ext cx="8362950" cy="3867785"/>
+          </a:xfrm>
+          <a:prstGeom prst="rect">
+            <a:avLst/>
+          </a:prstGeom>
+        </p:spPr>
+      </p:pic>
+    </p:spTree>
+  </p:cSld>
+  <p:clrMapOvr>
+    <a:masterClrMapping/>
+  </p:clrMapOvr>
+</p:sld>
+</file>
+
+<file path=ppt/slides/slide18.xml><?xml version="1.0" encoding="utf-8"?>
+<p:sld xmlns:a="http://schemas.openxmlformats.org/drawingml/2006/main" xmlns:r="http://schemas.openxmlformats.org/officeDocument/2006/relationships" xmlns:p="http://schemas.openxmlformats.org/presentationml/2006/main">
+  <p:cSld>
+    <p:spTree>
+      <p:nvGrpSpPr>
+        <p:cNvPr id="1" name=""/>
+        <p:cNvGrpSpPr/>
+        <p:nvPr/>
+      </p:nvGrpSpPr>
+      <p:grpSpPr/>
+      <p:sp>
+        <p:nvSpPr>
+          <p:cNvPr id="2" name="标题 1"/>
+          <p:cNvSpPr>
+            <a:spLocks noGrp="1"/>
+          </p:cNvSpPr>
+          <p:nvPr>
+            <p:ph type="title"/>
+          </p:nvPr>
+        </p:nvSpPr>
+        <p:spPr/>
+        <p:txBody>
+          <a:bodyPr/>
+          <a:p>
+            <a:r>
+              <a:rPr lang="en-US" altLang="zh-CN"/>
+              <a:t>AI</a:t>
+            </a:r>
+            <a:r>
+              <a:rPr lang="zh-CN" altLang="en-US"/>
+              <a:t>集成</a:t>
+            </a:r>
+            <a:endParaRPr lang="zh-CN" altLang="en-US"/>
+          </a:p>
+        </p:txBody>
+      </p:sp>
+      <p:sp>
+        <p:nvSpPr>
+          <p:cNvPr id="3" name="内容占位符 2"/>
+          <p:cNvSpPr>
+            <a:spLocks noGrp="1"/>
+          </p:cNvSpPr>
+          <p:nvPr>
+            <p:ph idx="1"/>
+          </p:nvPr>
+        </p:nvSpPr>
+        <p:spPr/>
+        <p:txBody>
+          <a:bodyPr/>
+          <a:p>
+            <a:r>
+              <a:rPr lang="zh-CN" altLang="en-US"/>
+              <a:t>在系统的动态发布模块中，为提升用户内容创作效率与质量，引入了</a:t>
+            </a:r>
+            <a:r>
+              <a:rPr lang="en-US" altLang="zh-CN"/>
+              <a:t> AI </a:t>
+            </a:r>
+            <a:r>
+              <a:rPr lang="zh-CN" altLang="en-US"/>
+              <a:t>文本生成能力，集成了百度的文心一言大语言模型。当用户在发布动态时填写了标题内容后，可以点击</a:t>
+            </a:r>
+            <a:r>
+              <a:rPr lang="en-US" altLang="zh-CN"/>
+              <a:t>“AI</a:t>
+            </a:r>
+            <a:r>
+              <a:rPr lang="zh-CN" altLang="en-US"/>
+              <a:t>帮写</a:t>
+            </a:r>
+            <a:r>
+              <a:rPr lang="en-US" altLang="zh-CN"/>
+              <a:t>”</a:t>
+            </a:r>
+            <a:r>
+              <a:rPr lang="zh-CN" altLang="en-US"/>
+              <a:t>按钮，系统会将用户填写的标题作为提示词，通过后端调用文心一言的接口，生成与标题相关的文本内容。</a:t>
+            </a:r>
+            <a:endParaRPr lang="zh-CN" altLang="en-US"/>
+          </a:p>
+        </p:txBody>
+      </p:sp>
+      <p:pic>
+        <p:nvPicPr>
+          <p:cNvPr id="5" name="图片 4"/>
+          <p:cNvPicPr>
+            <a:picLocks noChangeAspect="1"/>
+          </p:cNvPicPr>
+          <p:nvPr/>
+        </p:nvPicPr>
+        <p:blipFill>
+          <a:blip r:embed="rId1"/>
+          <a:stretch>
+            <a:fillRect/>
+          </a:stretch>
+        </p:blipFill>
+        <p:spPr>
+          <a:xfrm>
+            <a:off x="2931160" y="1299210"/>
+            <a:ext cx="6483350" cy="5403850"/>
+          </a:xfrm>
+          <a:prstGeom prst="rect">
+            <a:avLst/>
+          </a:prstGeom>
+        </p:spPr>
+      </p:pic>
+      <p:pic>
+        <p:nvPicPr>
+          <p:cNvPr id="4" name="图片 3" descr="Snipaste_2025-06-07_23-32-05"/>
+          <p:cNvPicPr>
+            <a:picLocks noChangeAspect="1"/>
+          </p:cNvPicPr>
+          <p:nvPr/>
+        </p:nvPicPr>
+        <p:blipFill>
+          <a:blip r:embed="rId2"/>
+          <a:stretch>
+            <a:fillRect/>
+          </a:stretch>
+        </p:blipFill>
+        <p:spPr>
+          <a:xfrm>
+            <a:off x="1038860" y="1756410"/>
+            <a:ext cx="7849235" cy="3589655"/>
+          </a:xfrm>
+          <a:prstGeom prst="rect">
+            <a:avLst/>
+          </a:prstGeom>
+        </p:spPr>
+      </p:pic>
+    </p:spTree>
+  </p:cSld>
+  <p:clrMapOvr>
+    <a:masterClrMapping/>
+  </p:clrMapOvr>
+  <p:timing>
+    <p:tnLst>
+      <p:par>
+        <p:cTn id="1" dur="indefinite" restart="never" nodeType="tmRoot">
+          <p:childTnLst>
+            <p:seq concurrent="1" nextAc="seek">
+              <p:cTn id="2" dur="indefinite" nodeType="mainSeq">
+                <p:childTnLst>
+                  <p:par>
+                    <p:cTn id="3" fill="hold">
+                      <p:stCondLst>
+                        <p:cond delay="indefinite"/>
+                      </p:stCondLst>
+                      <p:childTnLst>
+                        <p:par>
+                          <p:cTn id="4" fill="hold">
+                            <p:stCondLst>
+                              <p:cond delay="0"/>
+                            </p:stCondLst>
+                            <p:childTnLst>
+                              <p:par>
+                                <p:cTn id="5" presetID="2" presetClass="entr" presetSubtype="4" fill="hold" nodeType="clickEffect">
+                                  <p:stCondLst>
+                                    <p:cond delay="0"/>
+                                  </p:stCondLst>
+                                  <p:childTnLst>
+                                    <p:set>
+                                      <p:cBhvr>
+                                        <p:cTn id="6" dur="1" fill="hold">
+                                          <p:stCondLst>
+                                            <p:cond delay="0"/>
+                                          </p:stCondLst>
+                                        </p:cTn>
+                                        <p:tgtEl>
+                                          <p:spTgt spid="5"/>
+                                        </p:tgtEl>
+                                        <p:attrNameLst>
+                                          <p:attrName>style.visibility</p:attrName>
+                                        </p:attrNameLst>
+                                      </p:cBhvr>
+                                      <p:to>
+                                        <p:strVal val="visible"/>
+                                      </p:to>
+                                    </p:set>
+                                    <p:anim calcmode="lin" valueType="num">
+                                      <p:cBhvr additive="base">
+                                        <p:cTn id="7" dur="500" fill="hold"/>
+                                        <p:tgtEl>
+                                          <p:spTgt spid="5"/>
+                                        </p:tgtEl>
+                                        <p:attrNameLst>
+                                          <p:attrName>ppt_x</p:attrName>
+                                        </p:attrNameLst>
+                                      </p:cBhvr>
+                                      <p:tavLst>
+                                        <p:tav tm="0">
+                                          <p:val>
+                                            <p:strVal val="#ppt_x"/>
+                                          </p:val>
+                                        </p:tav>
+                                        <p:tav tm="100000">
+                                          <p:val>
+                                            <p:strVal val="#ppt_x"/>
+                                          </p:val>
+                                        </p:tav>
+                                      </p:tavLst>
+                                    </p:anim>
+                                    <p:anim calcmode="lin" valueType="num">
+                                      <p:cBhvr additive="base">
+                                        <p:cTn id="8" dur="500" fill="hold"/>
+                                        <p:tgtEl>
+                                          <p:spTgt spid="5"/>
+                                        </p:tgtEl>
+                                        <p:attrNameLst>
+                                          <p:attrName>ppt_y</p:attrName>
+                                        </p:attrNameLst>
+                                      </p:cBhvr>
+                                      <p:tavLst>
+                                        <p:tav tm="0">
+                                          <p:val>
+                                            <p:strVal val="1+#ppt_h/2"/>
+                                          </p:val>
+                                        </p:tav>
+                                        <p:tav tm="100000">
+                                          <p:val>
+                                            <p:strVal val="#ppt_y"/>
+                                          </p:val>
+                                        </p:tav>
+                                      </p:tavLst>
+                                    </p:anim>
+                                  </p:childTnLst>
+                                </p:cTn>
+                              </p:par>
+                            </p:childTnLst>
+                          </p:cTn>
+                        </p:par>
+                      </p:childTnLst>
+                    </p:cTn>
+                  </p:par>
+                  <p:par>
+                    <p:cTn id="9" fill="hold">
+                      <p:stCondLst>
+                        <p:cond delay="indefinite"/>
+                      </p:stCondLst>
+                      <p:childTnLst>
+                        <p:par>
+                          <p:cTn id="10" fill="hold">
+                            <p:stCondLst>
+                              <p:cond delay="0"/>
+                            </p:stCondLst>
+                            <p:childTnLst>
+                              <p:par>
+                                <p:cTn id="11" presetID="2" presetClass="entr" presetSubtype="4" fill="hold" nodeType="clickEffect">
+                                  <p:stCondLst>
+                                    <p:cond delay="0"/>
+                                  </p:stCondLst>
+                                  <p:childTnLst>
+                                    <p:set>
+                                      <p:cBhvr>
+                                        <p:cTn id="12" dur="1" fill="hold">
+                                          <p:stCondLst>
+                                            <p:cond delay="0"/>
+                                          </p:stCondLst>
+                                        </p:cTn>
+                                        <p:tgtEl>
+                                          <p:spTgt spid="4"/>
+                                        </p:tgtEl>
+                                        <p:attrNameLst>
+                                          <p:attrName>style.visibility</p:attrName>
+                                        </p:attrNameLst>
+                                      </p:cBhvr>
+                                      <p:to>
+                                        <p:strVal val="visible"/>
+                                      </p:to>
+                                    </p:set>
+                                    <p:anim calcmode="lin" valueType="num">
+                                      <p:cBhvr additive="base">
+                                        <p:cTn id="13" dur="500" fill="hold"/>
+                                        <p:tgtEl>
+                                          <p:spTgt spid="4"/>
+                                        </p:tgtEl>
+                                        <p:attrNameLst>
+                                          <p:attrName>ppt_x</p:attrName>
+                                        </p:attrNameLst>
+                                      </p:cBhvr>
+                                      <p:tavLst>
+                                        <p:tav tm="0">
+                                          <p:val>
+                                            <p:strVal val="#ppt_x"/>
+                                          </p:val>
+                                        </p:tav>
+                                        <p:tav tm="100000">
+                                          <p:val>
+                                            <p:strVal val="#ppt_x"/>
+                                          </p:val>
+                                        </p:tav>
+                                      </p:tavLst>
+                                    </p:anim>
+                                    <p:anim calcmode="lin" valueType="num">
+                                      <p:cBhvr additive="base">
+                                        <p:cTn id="14" dur="500" fill="hold"/>
+                                        <p:tgtEl>
+                                          <p:spTgt spid="4"/>
+                                        </p:tgtEl>
+                                        <p:attrNameLst>
+                                          <p:attrName>ppt_y</p:attrName>
+                                        </p:attrNameLst>
+                                      </p:cBhvr>
+                                      <p:tavLst>
+                                        <p:tav tm="0">
+                                          <p:val>
+                                            <p:strVal val="1+#ppt_h/2"/>
+                                          </p:val>
+                                        </p:tav>
+                                        <p:tav tm="100000">
+                                          <p:val>
+                                            <p:strVal val="#ppt_y"/>
+                                          </p:val>
+                                        </p:tav>
+                                      </p:tavLst>
+                                    </p:anim>
+                                  </p:childTnLst>
+                                </p:cTn>
+                              </p:par>
+                            </p:childTnLst>
+                          </p:cTn>
+                        </p:par>
+                      </p:childTnLst>
+                    </p:cTn>
+                  </p:par>
+                </p:childTnLst>
+              </p:cTn>
+              <p:prevCondLst>
+                <p:cond evt="onPrev" delay="0">
+                  <p:tgtEl>
+                    <p:sldTgt/>
+                  </p:tgtEl>
+                </p:cond>
+              </p:prevCondLst>
+              <p:nextCondLst>
+                <p:cond evt="onNext" delay="0">
+                  <p:tgtEl>
+                    <p:sldTgt/>
+                  </p:tgtEl>
+                </p:cond>
+              </p:nextCondLst>
+            </p:seq>
+          </p:childTnLst>
+        </p:cTn>
+      </p:par>
+    </p:tnLst>
+  </p:timing>
+</p:sld>
+</file>
+
+<file path=ppt/slides/slide2.xml><?xml version="1.0" encoding="utf-8"?>
+<p:sld xmlns:a="http://schemas.openxmlformats.org/drawingml/2006/main" xmlns:r="http://schemas.openxmlformats.org/officeDocument/2006/relationships" xmlns:p="http://schemas.openxmlformats.org/presentationml/2006/main">
+  <p:cSld>
+    <p:spTree>
+      <p:nvGrpSpPr>
+        <p:cNvPr id="1" name=""/>
+        <p:cNvGrpSpPr/>
+        <p:nvPr/>
+      </p:nvGrpSpPr>
+      <p:grpSpPr/>
+      <p:sp>
+        <p:nvSpPr>
+          <p:cNvPr id="2" name="标题 1"/>
+          <p:cNvSpPr>
+            <a:spLocks noGrp="1"/>
+          </p:cNvSpPr>
+          <p:nvPr>
+            <p:ph type="title"/>
+          </p:nvPr>
+        </p:nvSpPr>
+        <p:spPr/>
+        <p:txBody>
+          <a:bodyPr/>
+          <a:p>
+            <a:r>
+              <a:rPr lang="zh-CN" altLang="en-US"/>
+              <a:t>背景</a:t>
+            </a:r>
+            <a:endParaRPr lang="zh-CN" altLang="en-US"/>
+          </a:p>
+        </p:txBody>
+      </p:sp>
+      <p:sp>
+        <p:nvSpPr>
+          <p:cNvPr id="3" name="内容占位符 2"/>
+          <p:cNvSpPr>
+            <a:spLocks noGrp="1"/>
+          </p:cNvSpPr>
+          <p:nvPr>
+            <p:ph idx="1"/>
+          </p:nvPr>
+        </p:nvSpPr>
+        <p:spPr/>
+        <p:txBody>
+          <a:bodyPr>
+            <a:normAutofit fontScale="60000"/>
+          </a:bodyPr>
+          <a:p>
+            <a:r>
+              <a:rPr lang="zh-CN" altLang="en-US"/>
+              <a:t>解决的问题</a:t>
+            </a:r>
+            <a:r>
+              <a:rPr lang="en-US" altLang="zh-CN"/>
+              <a:t>​​</a:t>
+            </a:r>
+            <a:r>
+              <a:rPr lang="zh-CN" altLang="en-US"/>
+              <a:t>：</a:t>
+            </a:r>
+            <a:r>
+              <a:rPr lang="en-US" altLang="zh-CN"/>
+              <a:t>  </a:t>
+            </a:r>
+            <a:endParaRPr lang="en-US" altLang="zh-CN"/>
+          </a:p>
+          <a:p>
+            <a:r>
+              <a:rPr lang="zh-CN" altLang="en-US"/>
+              <a:t>传统校园生活中存在信息分散、社交效率低、服务获取不便等问题。例如：</a:t>
+            </a:r>
+            <a:endParaRPr lang="zh-CN" altLang="en-US"/>
+          </a:p>
+          <a:p>
+            <a:endParaRPr lang="en-US" altLang="zh-CN"/>
+          </a:p>
+          <a:p>
+            <a:r>
+              <a:rPr lang="en-US" altLang="zh-CN"/>
+              <a:t>- </a:t>
+            </a:r>
+            <a:r>
+              <a:rPr lang="zh-CN" altLang="en-US"/>
+              <a:t>二手交易依赖线下或非专用平台，效率低下</a:t>
+            </a:r>
+            <a:endParaRPr lang="zh-CN" altLang="en-US"/>
+          </a:p>
+          <a:p>
+            <a:r>
+              <a:rPr lang="en-US" altLang="zh-CN"/>
+              <a:t>- </a:t>
+            </a:r>
+            <a:r>
+              <a:rPr lang="zh-CN" altLang="en-US"/>
+              <a:t>课程评价缺乏统一平台，学生选课参考不足</a:t>
+            </a:r>
+            <a:endParaRPr lang="zh-CN" altLang="en-US"/>
+          </a:p>
+          <a:p>
+            <a:r>
+              <a:rPr lang="en-US" altLang="zh-CN"/>
+              <a:t>- </a:t>
+            </a:r>
+            <a:r>
+              <a:rPr lang="zh-CN" altLang="en-US"/>
+              <a:t>兼职信息通过非正规渠道传播，可靠性差</a:t>
+            </a:r>
+            <a:endParaRPr lang="zh-CN" altLang="en-US"/>
+          </a:p>
+          <a:p>
+            <a:endParaRPr lang="en-US" altLang="zh-CN"/>
+          </a:p>
+          <a:p>
+            <a:r>
+              <a:rPr lang="zh-CN" altLang="en-US"/>
+              <a:t>实现功能</a:t>
+            </a:r>
+            <a:r>
+              <a:rPr lang="en-US" altLang="zh-CN"/>
+              <a:t>​​</a:t>
+            </a:r>
+            <a:r>
+              <a:rPr lang="zh-CN" altLang="en-US"/>
+              <a:t>：</a:t>
+            </a:r>
+            <a:r>
+              <a:rPr lang="en-US" altLang="zh-CN"/>
+              <a:t>  </a:t>
+            </a:r>
+            <a:endParaRPr lang="en-US" altLang="zh-CN"/>
+          </a:p>
+          <a:p>
+            <a:r>
+              <a:rPr lang="zh-CN" altLang="en-US"/>
+              <a:t>一站式校园社交平台，整合：</a:t>
+            </a:r>
+            <a:endParaRPr lang="en-US" altLang="zh-CN"/>
+          </a:p>
+          <a:p>
+            <a:r>
+              <a:rPr lang="en-US" altLang="zh-CN"/>
+              <a:t>- </a:t>
+            </a:r>
+            <a:r>
+              <a:rPr lang="zh-CN" altLang="en-US"/>
+              <a:t>生活分享与二手交易（带图文的帖子系统）</a:t>
+            </a:r>
+            <a:endParaRPr lang="zh-CN" altLang="en-US"/>
+          </a:p>
+          <a:p>
+            <a:r>
+              <a:rPr lang="en-US" altLang="zh-CN"/>
+              <a:t>- </a:t>
+            </a:r>
+            <a:r>
+              <a:rPr lang="zh-CN" altLang="en-US"/>
+              <a:t>课程</a:t>
+            </a:r>
+            <a:r>
+              <a:rPr lang="en-US" altLang="zh-CN"/>
+              <a:t>/</a:t>
+            </a:r>
+            <a:r>
+              <a:rPr lang="zh-CN" altLang="en-US"/>
+              <a:t>教师</a:t>
+            </a:r>
+            <a:r>
+              <a:rPr lang="en-US" altLang="zh-CN"/>
+              <a:t>/</a:t>
+            </a:r>
+            <a:r>
+              <a:rPr lang="zh-CN" altLang="en-US"/>
+              <a:t>食堂评分体系（标准化评价</a:t>
+            </a:r>
+            <a:r>
+              <a:rPr lang="en-US" altLang="zh-CN"/>
+              <a:t>+</a:t>
+            </a:r>
+            <a:r>
+              <a:rPr lang="zh-CN" altLang="en-US"/>
+              <a:t>排行榜）</a:t>
+            </a:r>
+            <a:endParaRPr lang="zh-CN" altLang="en-US"/>
+          </a:p>
+          <a:p>
+            <a:endParaRPr lang="zh-CN" altLang="en-US"/>
+          </a:p>
+        </p:txBody>
+      </p:sp>
+    </p:spTree>
+  </p:cSld>
+  <p:clrMapOvr>
+    <a:masterClrMapping/>
+  </p:clrMapOvr>
+</p:sld>
+</file>
+
+<file path=ppt/slides/slide3.xml><?xml version="1.0" encoding="utf-8"?>
+<p:sld xmlns:a="http://schemas.openxmlformats.org/drawingml/2006/main" xmlns:r="http://schemas.openxmlformats.org/officeDocument/2006/relationships" xmlns:p="http://schemas.openxmlformats.org/presentationml/2006/main">
+  <p:cSld>
+    <p:spTree>
+      <p:nvGrpSpPr>
+        <p:cNvPr id="1" name=""/>
+        <p:cNvGrpSpPr/>
+        <p:nvPr/>
+      </p:nvGrpSpPr>
+      <p:grpSpPr/>
+      <p:pic>
+        <p:nvPicPr>
+          <p:cNvPr id="3" name="图片 2"/>
+          <p:cNvPicPr>
+            <a:picLocks noChangeAspect="1"/>
+          </p:cNvPicPr>
+          <p:nvPr/>
+        </p:nvPicPr>
+        <p:blipFill>
+          <a:blip r:embed="rId1"/>
+          <a:stretch>
+            <a:fillRect/>
+          </a:stretch>
+        </p:blipFill>
+        <p:spPr>
+          <a:xfrm>
+            <a:off x="2649855" y="1336675"/>
+            <a:ext cx="6324600" cy="4184650"/>
+          </a:xfrm>
+          <a:prstGeom prst="rect">
+            <a:avLst/>
+          </a:prstGeom>
+        </p:spPr>
+      </p:pic>
+      <p:sp>
+        <p:nvSpPr>
+          <p:cNvPr id="2" name="标题 1"/>
+          <p:cNvSpPr>
+            <a:spLocks noGrp="1"/>
+          </p:cNvSpPr>
+          <p:nvPr>
+            <p:ph type="title"/>
+          </p:nvPr>
+        </p:nvSpPr>
+        <p:spPr/>
+        <p:txBody>
+          <a:bodyPr/>
+          <a:p>
+            <a:r>
+              <a:rPr lang="zh-CN" altLang="en-US"/>
+              <a:t>原型设计</a:t>
+            </a:r>
+            <a:r>
+              <a:rPr lang="en-US" altLang="zh-CN"/>
+              <a:t> </a:t>
+            </a:r>
+            <a:r>
+              <a:rPr lang="zh-CN" altLang="en-US"/>
+              <a:t>（墨刀）</a:t>
+            </a:r>
+            <a:endParaRPr lang="zh-CN" altLang="en-US"/>
+          </a:p>
+        </p:txBody>
+      </p:sp>
+      <p:pic>
+        <p:nvPicPr>
+          <p:cNvPr id="4" name="内容占位符 3"/>
+          <p:cNvPicPr>
+            <a:picLocks noChangeAspect="1"/>
+          </p:cNvPicPr>
+          <p:nvPr>
+            <p:ph idx="1"/>
+          </p:nvPr>
+        </p:nvPicPr>
+        <p:blipFill>
+          <a:blip r:embed="rId2"/>
+          <a:stretch>
+            <a:fillRect/>
+          </a:stretch>
+        </p:blipFill>
+        <p:spPr>
+          <a:xfrm>
+            <a:off x="1435735" y="1336675"/>
+            <a:ext cx="10109200" cy="4424680"/>
+          </a:xfrm>
+          <a:prstGeom prst="rect">
+            <a:avLst/>
+          </a:prstGeom>
+        </p:spPr>
+      </p:pic>
+      <p:pic>
+        <p:nvPicPr>
+          <p:cNvPr id="5" name="图片 4"/>
+          <p:cNvPicPr>
+            <a:picLocks noChangeAspect="1"/>
+          </p:cNvPicPr>
+          <p:nvPr/>
+        </p:nvPicPr>
+        <p:blipFill>
+          <a:blip r:embed="rId3"/>
+          <a:stretch>
+            <a:fillRect/>
+          </a:stretch>
+        </p:blipFill>
+        <p:spPr>
+          <a:xfrm>
+            <a:off x="1435735" y="1336675"/>
+            <a:ext cx="8801735" cy="5205095"/>
+          </a:xfrm>
+          <a:prstGeom prst="rect">
+            <a:avLst/>
+          </a:prstGeom>
+        </p:spPr>
+      </p:pic>
+    </p:spTree>
+  </p:cSld>
+  <p:clrMapOvr>
+    <a:masterClrMapping/>
+  </p:clrMapOvr>
+  <p:timing>
+    <p:tnLst>
+      <p:par>
+        <p:cTn id="1" dur="indefinite" restart="never" nodeType="tmRoot">
+          <p:childTnLst>
+            <p:seq concurrent="1" nextAc="seek">
+              <p:cTn id="2" dur="indefinite" nodeType="mainSeq">
+                <p:childTnLst>
+                  <p:par>
+                    <p:cTn id="3" fill="hold">
+                      <p:stCondLst>
+                        <p:cond delay="indefinite"/>
+                      </p:stCondLst>
+                      <p:childTnLst>
+                        <p:par>
+                          <p:cTn id="4" fill="hold">
+                            <p:stCondLst>
+                              <p:cond delay="0"/>
+                            </p:stCondLst>
+                            <p:childTnLst>
+                              <p:par>
+                                <p:cTn id="5" presetID="2" presetClass="entr" presetSubtype="4" fill="hold" nodeType="clickEffect">
+                                  <p:stCondLst>
+                                    <p:cond delay="0"/>
+                                  </p:stCondLst>
+                                  <p:childTnLst>
+                                    <p:set>
+                                      <p:cBhvr>
+                                        <p:cTn id="6" dur="1" fill="hold">
+                                          <p:stCondLst>
+                                            <p:cond delay="0"/>
+                                          </p:stCondLst>
+                                        </p:cTn>
+                                        <p:tgtEl>
+                                          <p:spTgt spid="4"/>
+                                        </p:tgtEl>
+                                        <p:attrNameLst>
+                                          <p:attrName>style.visibility</p:attrName>
+                                        </p:attrNameLst>
+                                      </p:cBhvr>
+                                      <p:to>
+                                        <p:strVal val="visible"/>
+                                      </p:to>
+                                    </p:set>
+                                    <p:anim calcmode="lin" valueType="num">
+                                      <p:cBhvr additive="base">
+                                        <p:cTn id="7" dur="500" fill="hold"/>
+                                        <p:tgtEl>
+                                          <p:spTgt spid="4"/>
+                                        </p:tgtEl>
+                                        <p:attrNameLst>
+                                          <p:attrName>ppt_x</p:attrName>
+                                        </p:attrNameLst>
+                                      </p:cBhvr>
+                                      <p:tavLst>
+                                        <p:tav tm="0">
+                                          <p:val>
+                                            <p:strVal val="#ppt_x"/>
+                                          </p:val>
+                                        </p:tav>
+                                        <p:tav tm="100000">
+                                          <p:val>
+                                            <p:strVal val="#ppt_x"/>
+                                          </p:val>
+                                        </p:tav>
+                                      </p:tavLst>
+                                    </p:anim>
+                                    <p:anim calcmode="lin" valueType="num">
+                                      <p:cBhvr additive="base">
+                                        <p:cTn id="8" dur="500" fill="hold"/>
+                                        <p:tgtEl>
+                                          <p:spTgt spid="4"/>
+                                        </p:tgtEl>
+                                        <p:attrNameLst>
+                                          <p:attrName>ppt_y</p:attrName>
+                                        </p:attrNameLst>
+                                      </p:cBhvr>
+                                      <p:tavLst>
+                                        <p:tav tm="0">
+                                          <p:val>
+                                            <p:strVal val="1+#ppt_h/2"/>
+                                          </p:val>
+                                        </p:tav>
+                                        <p:tav tm="100000">
+                                          <p:val>
+                                            <p:strVal val="#ppt_y"/>
+                                          </p:val>
+                                        </p:tav>
+                                      </p:tavLst>
+                                    </p:anim>
+                                  </p:childTnLst>
+                                </p:cTn>
+                              </p:par>
+                            </p:childTnLst>
+                          </p:cTn>
+                        </p:par>
+                      </p:childTnLst>
+                    </p:cTn>
+                  </p:par>
+                  <p:par>
+                    <p:cTn id="9" fill="hold">
+                      <p:stCondLst>
+                        <p:cond delay="indefinite"/>
+                      </p:stCondLst>
+                      <p:childTnLst>
+                        <p:par>
+                          <p:cTn id="10" fill="hold">
+                            <p:stCondLst>
+                              <p:cond delay="0"/>
+                            </p:stCondLst>
+                            <p:childTnLst>
+                              <p:par>
+                                <p:cTn id="11" presetID="2" presetClass="entr" presetSubtype="4" fill="hold" nodeType="clickEffect">
+                                  <p:stCondLst>
+                                    <p:cond delay="0"/>
+                                  </p:stCondLst>
+                                  <p:childTnLst>
+                                    <p:set>
+                                      <p:cBhvr>
+                                        <p:cTn id="12" dur="1" fill="hold">
+                                          <p:stCondLst>
+                                            <p:cond delay="0"/>
+                                          </p:stCondLst>
+                                        </p:cTn>
+                                        <p:tgtEl>
+                                          <p:spTgt spid="5"/>
+                                        </p:tgtEl>
+                                        <p:attrNameLst>
+                                          <p:attrName>style.visibility</p:attrName>
+                                        </p:attrNameLst>
+                                      </p:cBhvr>
+                                      <p:to>
+                                        <p:strVal val="visible"/>
+                                      </p:to>
+                                    </p:set>
+                                    <p:anim calcmode="lin" valueType="num">
+                                      <p:cBhvr additive="base">
+                                        <p:cTn id="13" dur="500" fill="hold"/>
+                                        <p:tgtEl>
+                                          <p:spTgt spid="5"/>
+                                        </p:tgtEl>
+                                        <p:attrNameLst>
+                                          <p:attrName>ppt_x</p:attrName>
+                                        </p:attrNameLst>
+                                      </p:cBhvr>
+                                      <p:tavLst>
+                                        <p:tav tm="0">
+                                          <p:val>
+                                            <p:strVal val="#ppt_x"/>
+                                          </p:val>
+                                        </p:tav>
+                                        <p:tav tm="100000">
+                                          <p:val>
+                                            <p:strVal val="#ppt_x"/>
+                                          </p:val>
+                                        </p:tav>
+                                      </p:tavLst>
+                                    </p:anim>
+                                    <p:anim calcmode="lin" valueType="num">
+                                      <p:cBhvr additive="base">
+                                        <p:cTn id="14" dur="500" fill="hold"/>
+                                        <p:tgtEl>
+                                          <p:spTgt spid="5"/>
+                                        </p:tgtEl>
+                                        <p:attrNameLst>
+                                          <p:attrName>ppt_y</p:attrName>
+                                        </p:attrNameLst>
+                                      </p:cBhvr>
+                                      <p:tavLst>
+                                        <p:tav tm="0">
+                                          <p:val>
+                                            <p:strVal val="1+#ppt_h/2"/>
+                                          </p:val>
+                                        </p:tav>
+                                        <p:tav tm="100000">
+                                          <p:val>
+                                            <p:strVal val="#ppt_y"/>
+                                          </p:val>
+                                        </p:tav>
+                                      </p:tavLst>
+                                    </p:anim>
+                                  </p:childTnLst>
+                                </p:cTn>
+                              </p:par>
+                            </p:childTnLst>
+                          </p:cTn>
+                        </p:par>
+                      </p:childTnLst>
+                    </p:cTn>
+                  </p:par>
+                </p:childTnLst>
+              </p:cTn>
+              <p:prevCondLst>
+                <p:cond evt="onPrev" delay="0">
+                  <p:tgtEl>
+                    <p:sldTgt/>
+                  </p:tgtEl>
+                </p:cond>
+              </p:prevCondLst>
+              <p:nextCondLst>
+                <p:cond evt="onNext" delay="0">
+                  <p:tgtEl>
+                    <p:sldTgt/>
+                  </p:tgtEl>
+                </p:cond>
+              </p:nextCondLst>
+            </p:seq>
+          </p:childTnLst>
+        </p:cTn>
+      </p:par>
+    </p:tnLst>
+  </p:timing>
+</p:sld>
+</file>
+
+<file path=ppt/slides/slide4.xml><?xml version="1.0" encoding="utf-8"?>
+<p:sld xmlns:a="http://schemas.openxmlformats.org/drawingml/2006/main" xmlns:r="http://schemas.openxmlformats.org/officeDocument/2006/relationships" xmlns:p="http://schemas.openxmlformats.org/presentationml/2006/main">
+  <p:cSld>
+    <p:spTree>
+      <p:nvGrpSpPr>
+        <p:cNvPr id="1" name=""/>
+        <p:cNvGrpSpPr/>
+        <p:nvPr/>
+      </p:nvGrpSpPr>
+      <p:grpSpPr/>
+      <p:sp>
+        <p:nvSpPr>
+          <p:cNvPr id="2" name="标题 1"/>
+          <p:cNvSpPr>
+            <a:spLocks noGrp="1"/>
+          </p:cNvSpPr>
+          <p:nvPr>
+            <p:ph type="title"/>
+          </p:nvPr>
+        </p:nvSpPr>
+        <p:spPr/>
+        <p:txBody>
+          <a:bodyPr/>
+          <a:p>
+            <a:r>
+              <a:rPr lang="en-US" altLang="zh-CN"/>
+              <a:t>API</a:t>
+            </a:r>
+            <a:r>
+              <a:rPr lang="zh-CN" altLang="en-US"/>
+              <a:t>设计（</a:t>
+            </a:r>
+            <a:r>
+              <a:rPr lang="en-US" altLang="zh-CN"/>
+              <a:t>apifox</a:t>
+            </a:r>
+            <a:r>
+              <a:rPr lang="zh-CN" altLang="en-US"/>
+              <a:t>）</a:t>
+            </a:r>
+            <a:endParaRPr lang="zh-CN" altLang="en-US"/>
+          </a:p>
+        </p:txBody>
+      </p:sp>
+      <p:pic>
+        <p:nvPicPr>
+          <p:cNvPr id="6" name="内容占位符 5"/>
+          <p:cNvPicPr>
+            <a:picLocks noChangeAspect="1"/>
+          </p:cNvPicPr>
+          <p:nvPr>
+            <p:ph idx="1"/>
+          </p:nvPr>
+        </p:nvPicPr>
+        <p:blipFill>
+          <a:blip r:embed="rId1"/>
+          <a:stretch>
+            <a:fillRect/>
+          </a:stretch>
+        </p:blipFill>
+        <p:spPr>
+          <a:xfrm>
+            <a:off x="838200" y="1631950"/>
+            <a:ext cx="2665730" cy="4286250"/>
+          </a:xfrm>
+          <a:prstGeom prst="rect">
+            <a:avLst/>
+          </a:prstGeom>
+        </p:spPr>
+      </p:pic>
+      <p:pic>
+        <p:nvPicPr>
+          <p:cNvPr id="10" name="图片 9" descr="c8be5e04dc9478d54e4c3a57d1343c5c"/>
+          <p:cNvPicPr>
+            <a:picLocks noChangeAspect="1"/>
+          </p:cNvPicPr>
+          <p:nvPr/>
+        </p:nvPicPr>
+        <p:blipFill>
+          <a:blip r:embed="rId2"/>
+          <a:stretch>
+            <a:fillRect/>
+          </a:stretch>
+        </p:blipFill>
+        <p:spPr>
+          <a:xfrm>
+            <a:off x="5933440" y="-2524125"/>
+            <a:ext cx="1406525" cy="13923645"/>
+          </a:xfrm>
+          <a:prstGeom prst="rect">
+            <a:avLst/>
+          </a:prstGeom>
+        </p:spPr>
+      </p:pic>
+      <p:sp>
+        <p:nvSpPr>
+          <p:cNvPr id="12" name="文本框 11"/>
+          <p:cNvSpPr txBox="1"/>
+          <p:nvPr/>
+        </p:nvSpPr>
+        <p:spPr>
+          <a:xfrm>
+            <a:off x="7289800" y="1912620"/>
+            <a:ext cx="4064000" cy="3138170"/>
+          </a:xfrm>
+          <a:prstGeom prst="rect">
+            <a:avLst/>
+          </a:prstGeom>
+          <a:noFill/>
+        </p:spPr>
+        <p:txBody>
+          <a:bodyPr wrap="square" rtlCol="0">
+            <a:spAutoFit/>
+          </a:bodyPr>
+          <a:p>
+            <a:r>
+              <a:rPr lang="en-US" altLang="zh-CN"/>
+              <a:t>REST</a:t>
+            </a:r>
+            <a:endParaRPr lang="zh-CN" altLang="en-US"/>
+          </a:p>
+          <a:p>
+            <a:endParaRPr lang="zh-CN" altLang="en-US"/>
+          </a:p>
+          <a:p>
+            <a:r>
+              <a:rPr lang="zh-CN" altLang="en-US"/>
+              <a:t>接口请求地址：</a:t>
+            </a:r>
+            <a:endParaRPr lang="zh-CN" altLang="en-US"/>
+          </a:p>
+          <a:p>
+            <a:r>
+              <a:rPr lang="en-US" altLang="zh-CN"/>
+              <a:t>/type/function</a:t>
+            </a:r>
+            <a:endParaRPr lang="en-US" altLang="zh-CN"/>
+          </a:p>
+          <a:p>
+            <a:r>
+              <a:rPr lang="zh-CN" altLang="en-US"/>
+              <a:t>例：</a:t>
+            </a:r>
+            <a:r>
+              <a:rPr lang="en-US" altLang="zh-CN"/>
+              <a:t>/user/login</a:t>
+            </a:r>
+            <a:endParaRPr lang="en-US" altLang="zh-CN"/>
+          </a:p>
+          <a:p>
+            <a:r>
+              <a:rPr lang="zh-CN" altLang="en-US"/>
+              <a:t>接受参数格式：</a:t>
+            </a:r>
+            <a:r>
+              <a:rPr lang="en-US" altLang="zh-CN"/>
+              <a:t>json</a:t>
+            </a:r>
+            <a:endParaRPr lang="en-US" altLang="zh-CN"/>
+          </a:p>
+          <a:p>
+            <a:endParaRPr lang="en-US" altLang="zh-CN"/>
+          </a:p>
+          <a:p>
+            <a:r>
+              <a:rPr lang="zh-CN" altLang="en-US"/>
+              <a:t>返回格式：</a:t>
+            </a:r>
+            <a:endParaRPr lang="zh-CN" altLang="en-US"/>
+          </a:p>
+          <a:p>
+            <a:r>
+              <a:rPr lang="en-US" altLang="zh-CN"/>
+              <a:t>json</a:t>
+            </a:r>
+            <a:r>
+              <a:rPr lang="zh-CN" altLang="en-US"/>
+              <a:t>：</a:t>
+            </a:r>
+            <a:r>
+              <a:rPr lang="en-US" altLang="zh-CN"/>
+              <a:t>	code=&gt;</a:t>
+            </a:r>
+            <a:r>
+              <a:rPr lang="zh-CN" altLang="en-US"/>
+              <a:t>状态码</a:t>
+            </a:r>
+            <a:endParaRPr lang="zh-CN" altLang="en-US"/>
+          </a:p>
+          <a:p>
+            <a:pPr marL="457200" lvl="1" indent="457200"/>
+            <a:r>
+              <a:rPr lang="en-US" altLang="zh-CN"/>
+              <a:t>data=&gt;</a:t>
+            </a:r>
+            <a:r>
+              <a:rPr lang="zh-CN" altLang="en-US"/>
+              <a:t>数据</a:t>
+            </a:r>
+            <a:endParaRPr lang="zh-CN" altLang="en-US"/>
+          </a:p>
+          <a:p>
+            <a:pPr marL="457200" lvl="1" indent="457200"/>
+            <a:r>
+              <a:rPr lang="en-US" altLang="zh-CN"/>
+              <a:t>msg=&gt;‘success’/</a:t>
+            </a:r>
+            <a:r>
+              <a:rPr lang="zh-CN" altLang="en-US"/>
+              <a:t>错误提示</a:t>
+            </a:r>
+            <a:endParaRPr lang="zh-CN" altLang="en-US"/>
+          </a:p>
+        </p:txBody>
+      </p:sp>
+    </p:spTree>
+  </p:cSld>
+  <p:clrMapOvr>
+    <a:masterClrMapping/>
+  </p:clrMapOvr>
+</p:sld>
+</file>
+
+<file path=ppt/slides/slide5.xml><?xml version="1.0" encoding="utf-8"?>
+<p:sld xmlns:a="http://schemas.openxmlformats.org/drawingml/2006/main" xmlns:r="http://schemas.openxmlformats.org/officeDocument/2006/relationships" xmlns:p="http://schemas.openxmlformats.org/presentationml/2006/main">
+  <p:cSld>
+    <p:spTree>
+      <p:nvGrpSpPr>
+        <p:cNvPr id="1" name=""/>
+        <p:cNvGrpSpPr/>
+        <p:nvPr/>
+      </p:nvGrpSpPr>
+      <p:grpSpPr/>
+      <p:sp>
+        <p:nvSpPr>
+          <p:cNvPr id="2" name="标题 1"/>
+          <p:cNvSpPr>
+            <a:spLocks noGrp="1"/>
+          </p:cNvSpPr>
+          <p:nvPr>
+            <p:ph type="title"/>
+          </p:nvPr>
+        </p:nvSpPr>
+        <p:spPr/>
+        <p:txBody>
+          <a:bodyPr/>
+          <a:p>
+            <a:r>
+              <a:rPr lang="zh-CN" altLang="en-US"/>
+              <a:t>前端（</a:t>
+            </a:r>
+            <a:r>
+              <a:rPr lang="en-US" altLang="zh-CN"/>
+              <a:t>uniapp</a:t>
+            </a:r>
+            <a:r>
+              <a:rPr lang="zh-CN" altLang="en-US"/>
+              <a:t>）</a:t>
+            </a:r>
+            <a:endParaRPr lang="zh-CN" altLang="en-US"/>
+          </a:p>
+        </p:txBody>
+      </p:sp>
+      <p:sp>
+        <p:nvSpPr>
+          <p:cNvPr id="3" name="内容占位符 2"/>
+          <p:cNvSpPr>
+            <a:spLocks noGrp="1"/>
+          </p:cNvSpPr>
+          <p:nvPr>
+            <p:ph idx="1"/>
+          </p:nvPr>
+        </p:nvSpPr>
+        <p:spPr/>
+        <p:txBody>
+          <a:bodyPr/>
+          <a:p>
+            <a:r>
+              <a:rPr lang="en-US" altLang="zh-CN"/>
+              <a:t>- </a:t>
+            </a:r>
+            <a:r>
+              <a:rPr lang="zh-CN" altLang="en-US"/>
+              <a:t>跨端开发：</a:t>
+            </a:r>
+            <a:endParaRPr lang="zh-CN" altLang="en-US"/>
+          </a:p>
+          <a:p>
+            <a:r>
+              <a:rPr lang="en-US" altLang="zh-CN"/>
+              <a:t>  - Uniapp </a:t>
+            </a:r>
+            <a:r>
+              <a:rPr lang="zh-CN" altLang="en-US"/>
+              <a:t>支持一套代码多端运行（</a:t>
+            </a:r>
+            <a:r>
+              <a:rPr lang="en-US" altLang="zh-CN"/>
+              <a:t>H5</a:t>
+            </a:r>
+            <a:r>
+              <a:rPr lang="zh-CN" altLang="en-US"/>
+              <a:t>、微信小程序、移动端），大幅降低开发和维护成本。</a:t>
+            </a:r>
+            <a:endParaRPr lang="zh-CN" altLang="en-US"/>
+          </a:p>
+          <a:p>
+            <a:r>
+              <a:rPr lang="en-US" altLang="zh-CN"/>
+              <a:t>  - </a:t>
+            </a:r>
+            <a:r>
+              <a:rPr lang="zh-CN" altLang="en-US"/>
+              <a:t>基于</a:t>
+            </a:r>
+            <a:r>
+              <a:rPr lang="en-US" altLang="zh-CN"/>
+              <a:t> Vue </a:t>
+            </a:r>
+            <a:r>
+              <a:rPr lang="zh-CN" altLang="en-US"/>
+              <a:t>语法，学习成本低，开发效率高。</a:t>
+            </a:r>
+            <a:endParaRPr lang="zh-CN" altLang="en-US"/>
+          </a:p>
+          <a:p>
+            <a:r>
+              <a:rPr lang="en-US" altLang="zh-CN"/>
+              <a:t>- </a:t>
+            </a:r>
+            <a:r>
+              <a:rPr lang="zh-CN" altLang="en-US"/>
+              <a:t>生态丰富：</a:t>
+            </a:r>
+            <a:endParaRPr lang="zh-CN" altLang="en-US"/>
+          </a:p>
+          <a:p>
+            <a:r>
+              <a:rPr lang="en-US" altLang="zh-CN"/>
+              <a:t>  - </a:t>
+            </a:r>
+            <a:r>
+              <a:rPr lang="zh-CN" altLang="en-US"/>
+              <a:t>支持丰富的插件市场，可快速集成第三方功能（如地图、支付、推送等）。</a:t>
+            </a:r>
+            <a:endParaRPr lang="zh-CN" altLang="en-US"/>
+          </a:p>
+          <a:p>
+            <a:r>
+              <a:rPr lang="en-US" altLang="zh-CN"/>
+              <a:t>  - </a:t>
+            </a:r>
+            <a:r>
+              <a:rPr lang="zh-CN" altLang="en-US"/>
+              <a:t>提供原生渲染能力，性能接近原生应用。</a:t>
+            </a:r>
+            <a:endParaRPr lang="zh-CN" altLang="en-US"/>
+          </a:p>
+        </p:txBody>
+      </p:sp>
+    </p:spTree>
+  </p:cSld>
+  <p:clrMapOvr>
+    <a:masterClrMapping/>
+  </p:clrMapOvr>
+  <p:timing>
+    <p:tnLst>
+      <p:par>
+        <p:cTn id="1" dur="indefinite" restart="never" nodeType="tmRoot"/>
+      </p:par>
+    </p:tnLst>
+  </p:timing>
+</p:sld>
+</file>
+
+<file path=ppt/slides/slide6.xml><?xml version="1.0" encoding="utf-8"?>
+<p:sld xmlns:a="http://schemas.openxmlformats.org/drawingml/2006/main" xmlns:r="http://schemas.openxmlformats.org/officeDocument/2006/relationships" xmlns:p="http://schemas.openxmlformats.org/presentationml/2006/main">
+  <p:cSld>
+    <p:spTree>
+      <p:nvGrpSpPr>
+        <p:cNvPr id="1" name=""/>
+        <p:cNvGrpSpPr/>
+        <p:nvPr/>
+      </p:nvGrpSpPr>
+      <p:grpSpPr/>
+      <p:sp>
+        <p:nvSpPr>
+          <p:cNvPr id="2" name="标题 1"/>
+          <p:cNvSpPr>
+            <a:spLocks noGrp="1"/>
+          </p:cNvSpPr>
+          <p:nvPr>
+            <p:ph type="title"/>
+          </p:nvPr>
+        </p:nvSpPr>
+        <p:spPr/>
+        <p:txBody>
+          <a:bodyPr/>
+          <a:p>
+            <a:r>
+              <a:rPr lang="zh-CN" altLang="en-US"/>
+              <a:t>前端</a:t>
+            </a:r>
+            <a:endParaRPr lang="zh-CN" altLang="en-US"/>
+          </a:p>
+        </p:txBody>
+      </p:sp>
+      <p:sp>
+        <p:nvSpPr>
+          <p:cNvPr id="3" name="内容占位符 2"/>
+          <p:cNvSpPr>
+            <a:spLocks noGrp="1"/>
+          </p:cNvSpPr>
+          <p:nvPr>
+            <p:ph idx="1"/>
+          </p:nvPr>
+        </p:nvSpPr>
+        <p:spPr/>
+        <p:txBody>
+          <a:bodyPr/>
+          <a:p>
+            <a:r>
+              <a:rPr lang="zh-CN" altLang="en-US"/>
+              <a:t>前端包含五个模块，存储在五个不同的目录中</a:t>
+            </a:r>
+            <a:endParaRPr lang="zh-CN" altLang="en-US"/>
+          </a:p>
+          <a:p>
+            <a:r>
+              <a:rPr lang="zh-CN" altLang="en-US"/>
+              <a:t>一共有</a:t>
+            </a:r>
+            <a:r>
+              <a:rPr lang="en-US" altLang="zh-CN"/>
+              <a:t>12</a:t>
+            </a:r>
+            <a:r>
+              <a:rPr lang="zh-CN" altLang="en-US"/>
+              <a:t>个页面，</a:t>
+            </a:r>
+            <a:r>
+              <a:rPr lang="en-US" altLang="zh-CN"/>
+              <a:t>5</a:t>
+            </a:r>
+            <a:r>
+              <a:rPr lang="zh-CN" altLang="en-US"/>
+              <a:t>个组件</a:t>
+            </a:r>
+            <a:endParaRPr lang="zh-CN" altLang="en-US"/>
+          </a:p>
+        </p:txBody>
+      </p:sp>
+      <p:pic>
+        <p:nvPicPr>
+          <p:cNvPr id="4" name="图片 3"/>
+          <p:cNvPicPr>
+            <a:picLocks noChangeAspect="1"/>
+          </p:cNvPicPr>
+          <p:nvPr/>
+        </p:nvPicPr>
+        <p:blipFill>
+          <a:blip r:embed="rId1"/>
+          <a:stretch>
+            <a:fillRect/>
+          </a:stretch>
+        </p:blipFill>
+        <p:spPr>
+          <a:xfrm>
+            <a:off x="1162685" y="2969895"/>
+            <a:ext cx="4217035" cy="2095500"/>
+          </a:xfrm>
+          <a:prstGeom prst="rect">
+            <a:avLst/>
+          </a:prstGeom>
+        </p:spPr>
+      </p:pic>
+      <p:pic>
+        <p:nvPicPr>
+          <p:cNvPr id="5" name="图片 4"/>
+          <p:cNvPicPr>
+            <a:picLocks noChangeAspect="1"/>
+          </p:cNvPicPr>
+          <p:nvPr/>
+        </p:nvPicPr>
+        <p:blipFill>
+          <a:blip r:embed="rId2"/>
+          <a:stretch>
+            <a:fillRect/>
+          </a:stretch>
+        </p:blipFill>
+        <p:spPr>
+          <a:xfrm>
+            <a:off x="1162685" y="4955540"/>
+            <a:ext cx="4303395" cy="675640"/>
+          </a:xfrm>
+          <a:prstGeom prst="rect">
+            <a:avLst/>
+          </a:prstGeom>
+        </p:spPr>
+      </p:pic>
+      <p:pic>
+        <p:nvPicPr>
+          <p:cNvPr id="6" name="图片 5"/>
+          <p:cNvPicPr>
+            <a:picLocks noChangeAspect="1"/>
+          </p:cNvPicPr>
+          <p:nvPr/>
+        </p:nvPicPr>
+        <p:blipFill>
+          <a:blip r:embed="rId3"/>
+          <a:stretch>
+            <a:fillRect/>
+          </a:stretch>
+        </p:blipFill>
+        <p:spPr>
+          <a:xfrm>
+            <a:off x="8975090" y="2969895"/>
+            <a:ext cx="3014980" cy="2096135"/>
+          </a:xfrm>
+          <a:prstGeom prst="rect">
+            <a:avLst/>
+          </a:prstGeom>
+        </p:spPr>
+      </p:pic>
+      <p:pic>
+        <p:nvPicPr>
+          <p:cNvPr id="7" name="图片 6"/>
+          <p:cNvPicPr>
+            <a:picLocks noChangeAspect="1"/>
+          </p:cNvPicPr>
+          <p:nvPr/>
+        </p:nvPicPr>
+        <p:blipFill>
+          <a:blip r:embed="rId4"/>
+          <a:stretch>
+            <a:fillRect/>
+          </a:stretch>
+        </p:blipFill>
+        <p:spPr>
+          <a:xfrm>
+            <a:off x="5928995" y="2969895"/>
+            <a:ext cx="2583180" cy="3675380"/>
+          </a:xfrm>
+          <a:prstGeom prst="rect">
+            <a:avLst/>
+          </a:prstGeom>
+        </p:spPr>
+      </p:pic>
+    </p:spTree>
+  </p:cSld>
+  <p:clrMapOvr>
+    <a:masterClrMapping/>
+  </p:clrMapOvr>
+</p:sld>
+</file>
+
+<file path=ppt/slides/slide7.xml><?xml version="1.0" encoding="utf-8"?>
+<p:sld xmlns:a="http://schemas.openxmlformats.org/drawingml/2006/main" xmlns:r="http://schemas.openxmlformats.org/officeDocument/2006/relationships" xmlns:p="http://schemas.openxmlformats.org/presentationml/2006/main">
+  <p:cSld>
+    <p:spTree>
+      <p:nvGrpSpPr>
+        <p:cNvPr id="1" name=""/>
+        <p:cNvGrpSpPr/>
+        <p:nvPr/>
+      </p:nvGrpSpPr>
+      <p:grpSpPr/>
+      <p:sp>
+        <p:nvSpPr>
+          <p:cNvPr id="2" name="标题 1"/>
+          <p:cNvSpPr>
+            <a:spLocks noGrp="1"/>
+          </p:cNvSpPr>
+          <p:nvPr>
+            <p:ph type="title"/>
+          </p:nvPr>
+        </p:nvSpPr>
+        <p:spPr/>
+        <p:txBody>
+          <a:bodyPr/>
+          <a:p>
+            <a:r>
+              <a:rPr lang="zh-CN" altLang="en-US"/>
+              <a:t>前端网络请求</a:t>
+            </a:r>
+            <a:endParaRPr lang="zh-CN" altLang="en-US"/>
+          </a:p>
+        </p:txBody>
+      </p:sp>
+      <p:sp>
+        <p:nvSpPr>
+          <p:cNvPr id="3" name="内容占位符 2"/>
+          <p:cNvSpPr>
+            <a:spLocks noGrp="1"/>
+          </p:cNvSpPr>
+          <p:nvPr>
+            <p:ph idx="1"/>
+          </p:nvPr>
+        </p:nvSpPr>
+        <p:spPr/>
+        <p:txBody>
+          <a:bodyPr/>
+          <a:p>
+            <a:r>
+              <a:rPr lang="zh-CN" altLang="en-US"/>
+              <a:t>封装了统一的网络接口请求函数</a:t>
+            </a:r>
+            <a:r>
+              <a:rPr lang="en-US" altLang="zh-CN"/>
+              <a:t>Request</a:t>
+            </a:r>
+            <a:endParaRPr lang="en-US" altLang="zh-CN"/>
+          </a:p>
+          <a:p>
+            <a:r>
+              <a:rPr lang="zh-CN" altLang="en-US"/>
+              <a:t>请求函数中封住接口前几位通用接口地址</a:t>
+            </a:r>
+            <a:endParaRPr lang="zh-CN" altLang="en-US"/>
+          </a:p>
+          <a:p>
+            <a:r>
+              <a:rPr lang="zh-CN" altLang="en-US"/>
+              <a:t>在请求头中加入</a:t>
+            </a:r>
+            <a:r>
+              <a:rPr lang="en-US" altLang="zh-CN"/>
+              <a:t>Authorization</a:t>
+            </a:r>
+            <a:r>
+              <a:rPr lang="zh-CN" altLang="en-US"/>
+              <a:t>，携带</a:t>
+            </a:r>
+            <a:r>
+              <a:rPr lang="en-US" altLang="zh-CN"/>
+              <a:t>JWT</a:t>
+            </a:r>
+            <a:r>
+              <a:rPr lang="zh-CN" altLang="en-US"/>
+              <a:t>令牌，在后端请求中携带身份信息</a:t>
+            </a:r>
+            <a:endParaRPr lang="zh-CN" altLang="en-US"/>
+          </a:p>
+        </p:txBody>
+      </p:sp>
+      <p:pic>
+        <p:nvPicPr>
+          <p:cNvPr id="6" name="图片 5"/>
+          <p:cNvPicPr>
+            <a:picLocks noChangeAspect="1"/>
+          </p:cNvPicPr>
+          <p:nvPr/>
+        </p:nvPicPr>
+        <p:blipFill>
+          <a:blip r:embed="rId1"/>
+          <a:stretch>
+            <a:fillRect/>
+          </a:stretch>
+        </p:blipFill>
+        <p:spPr>
+          <a:xfrm>
+            <a:off x="935355" y="1344930"/>
+            <a:ext cx="8324850" cy="4978400"/>
+          </a:xfrm>
+          <a:prstGeom prst="rect">
+            <a:avLst/>
+          </a:prstGeom>
+        </p:spPr>
+      </p:pic>
+      <p:pic>
+        <p:nvPicPr>
+          <p:cNvPr id="7" name="图片 6"/>
+          <p:cNvPicPr>
+            <a:picLocks noChangeAspect="1"/>
+          </p:cNvPicPr>
+          <p:nvPr/>
+        </p:nvPicPr>
+        <p:blipFill>
+          <a:blip r:embed="rId2"/>
+          <a:stretch>
+            <a:fillRect/>
+          </a:stretch>
+        </p:blipFill>
+        <p:spPr>
+          <a:xfrm>
+            <a:off x="3049270" y="1550035"/>
+            <a:ext cx="3460750" cy="2197100"/>
+          </a:xfrm>
+          <a:prstGeom prst="rect">
+            <a:avLst/>
+          </a:prstGeom>
+        </p:spPr>
+      </p:pic>
+    </p:spTree>
+  </p:cSld>
+  <p:clrMapOvr>
+    <a:masterClrMapping/>
+  </p:clrMapOvr>
+  <p:timing>
+    <p:tnLst>
+      <p:par>
+        <p:cTn id="1" dur="indefinite" restart="never" nodeType="tmRoot">
+          <p:childTnLst>
+            <p:seq concurrent="1" nextAc="seek">
+              <p:cTn id="2" dur="indefinite" nodeType="mainSeq">
+                <p:childTnLst>
+                  <p:par>
+                    <p:cTn id="3" fill="hold">
+                      <p:stCondLst>
+                        <p:cond delay="indefinite"/>
+                      </p:stCondLst>
+                      <p:childTnLst>
+                        <p:par>
+                          <p:cTn id="4" fill="hold">
+                            <p:stCondLst>
+                              <p:cond delay="0"/>
+                            </p:stCondLst>
+                            <p:childTnLst>
+                              <p:par>
+                                <p:cTn id="5" presetID="2" presetClass="entr" presetSubtype="4" fill="hold" nodeType="clickEffect">
+                                  <p:stCondLst>
+                                    <p:cond delay="0"/>
+                                  </p:stCondLst>
+                                  <p:childTnLst>
+                                    <p:set>
+                                      <p:cBhvr>
+                                        <p:cTn id="6" dur="1" fill="hold">
+                                          <p:stCondLst>
+                                            <p:cond delay="0"/>
+                                          </p:stCondLst>
+                                        </p:cTn>
+                                        <p:tgtEl>
+                                          <p:spTgt spid="6"/>
+                                        </p:tgtEl>
+                                        <p:attrNameLst>
+                                          <p:attrName>style.visibility</p:attrName>
+                                        </p:attrNameLst>
+                                      </p:cBhvr>
+                                      <p:to>
+                                        <p:strVal val="visible"/>
+                                      </p:to>
+                                    </p:set>
+                                    <p:anim calcmode="lin" valueType="num">
+                                      <p:cBhvr additive="base">
+                                        <p:cTn id="7" dur="500" fill="hold"/>
+                                        <p:tgtEl>
+                                          <p:spTgt spid="6"/>
+                                        </p:tgtEl>
+                                        <p:attrNameLst>
+                                          <p:attrName>ppt_x</p:attrName>
+                                        </p:attrNameLst>
+                                      </p:cBhvr>
+                                      <p:tavLst>
+                                        <p:tav tm="0">
+                                          <p:val>
+                                            <p:strVal val="#ppt_x"/>
+                                          </p:val>
+                                        </p:tav>
+                                        <p:tav tm="100000">
+                                          <p:val>
+                                            <p:strVal val="#ppt_x"/>
+                                          </p:val>
+                                        </p:tav>
+                                      </p:tavLst>
+                                    </p:anim>
+                                    <p:anim calcmode="lin" valueType="num">
+                                      <p:cBhvr additive="base">
+                                        <p:cTn id="8" dur="500" fill="hold"/>
+                                        <p:tgtEl>
+                                          <p:spTgt spid="6"/>
+                                        </p:tgtEl>
+                                        <p:attrNameLst>
+                                          <p:attrName>ppt_y</p:attrName>
+                                        </p:attrNameLst>
+                                      </p:cBhvr>
+                                      <p:tavLst>
+                                        <p:tav tm="0">
+                                          <p:val>
+                                            <p:strVal val="1+#ppt_h/2"/>
+                                          </p:val>
+                                        </p:tav>
+                                        <p:tav tm="100000">
+                                          <p:val>
+                                            <p:strVal val="#ppt_y"/>
+                                          </p:val>
+                                        </p:tav>
+                                      </p:tavLst>
+                                    </p:anim>
+                                  </p:childTnLst>
+                                </p:cTn>
+                              </p:par>
+                            </p:childTnLst>
+                          </p:cTn>
+                        </p:par>
+                      </p:childTnLst>
+                    </p:cTn>
+                  </p:par>
+                  <p:par>
+                    <p:cTn id="9" fill="hold">
+                      <p:stCondLst>
+                        <p:cond delay="indefinite"/>
+                      </p:stCondLst>
+                      <p:childTnLst>
+                        <p:par>
+                          <p:cTn id="10" fill="hold">
+                            <p:stCondLst>
+                              <p:cond delay="0"/>
+                            </p:stCondLst>
+                            <p:childTnLst>
+                              <p:par>
+                                <p:cTn id="11" presetID="2" presetClass="entr" presetSubtype="4" fill="hold" nodeType="clickEffect">
+                                  <p:stCondLst>
+                                    <p:cond delay="0"/>
+                                  </p:stCondLst>
+                                  <p:childTnLst>
+                                    <p:set>
+                                      <p:cBhvr>
+                                        <p:cTn id="12" dur="1" fill="hold">
+                                          <p:stCondLst>
+                                            <p:cond delay="0"/>
+                                          </p:stCondLst>
+                                        </p:cTn>
+                                        <p:tgtEl>
+                                          <p:spTgt spid="7"/>
+                                        </p:tgtEl>
+                                        <p:attrNameLst>
+                                          <p:attrName>style.visibility</p:attrName>
+                                        </p:attrNameLst>
+                                      </p:cBhvr>
+                                      <p:to>
+                                        <p:strVal val="visible"/>
+                                      </p:to>
+                                    </p:set>
+                                    <p:anim calcmode="lin" valueType="num">
+                                      <p:cBhvr additive="base">
+                                        <p:cTn id="13" dur="500" fill="hold"/>
+                                        <p:tgtEl>
+                                          <p:spTgt spid="7"/>
+                                        </p:tgtEl>
+                                        <p:attrNameLst>
+                                          <p:attrName>ppt_x</p:attrName>
+                                        </p:attrNameLst>
+                                      </p:cBhvr>
+                                      <p:tavLst>
+                                        <p:tav tm="0">
+                                          <p:val>
+                                            <p:strVal val="#ppt_x"/>
+                                          </p:val>
+                                        </p:tav>
+                                        <p:tav tm="100000">
+                                          <p:val>
+                                            <p:strVal val="#ppt_x"/>
+                                          </p:val>
+                                        </p:tav>
+                                      </p:tavLst>
+                                    </p:anim>
+                                    <p:anim calcmode="lin" valueType="num">
+                                      <p:cBhvr additive="base">
+                                        <p:cTn id="14" dur="500" fill="hold"/>
+                                        <p:tgtEl>
+                                          <p:spTgt spid="7"/>
+                                        </p:tgtEl>
+                                        <p:attrNameLst>
+                                          <p:attrName>ppt_y</p:attrName>
+                                        </p:attrNameLst>
+                                      </p:cBhvr>
+                                      <p:tavLst>
+                                        <p:tav tm="0">
+                                          <p:val>
+                                            <p:strVal val="1+#ppt_h/2"/>
+                                          </p:val>
+                                        </p:tav>
+                                        <p:tav tm="100000">
+                                          <p:val>
+                                            <p:strVal val="#ppt_y"/>
+                                          </p:val>
+                                        </p:tav>
+                                      </p:tavLst>
+                                    </p:anim>
+                                  </p:childTnLst>
+                                </p:cTn>
+                              </p:par>
+                            </p:childTnLst>
+                          </p:cTn>
+                        </p:par>
+                      </p:childTnLst>
+                    </p:cTn>
+                  </p:par>
+                </p:childTnLst>
+              </p:cTn>
+              <p:prevCondLst>
+                <p:cond evt="onPrev" delay="0">
+                  <p:tgtEl>
+                    <p:sldTgt/>
+                  </p:tgtEl>
+                </p:cond>
+              </p:prevCondLst>
+              <p:nextCondLst>
+                <p:cond evt="onNext" delay="0">
+                  <p:tgtEl>
+                    <p:sldTgt/>
+                  </p:tgtEl>
+                </p:cond>
+              </p:nextCondLst>
+            </p:seq>
+          </p:childTnLst>
+        </p:cTn>
+      </p:par>
+    </p:tnLst>
+  </p:timing>
+</p:sld>
+</file>
+
+<file path=ppt/slides/slide8.xml><?xml version="1.0" encoding="utf-8"?>
+<p:sld xmlns:a="http://schemas.openxmlformats.org/drawingml/2006/main" xmlns:r="http://schemas.openxmlformats.org/officeDocument/2006/relationships" xmlns:p="http://schemas.openxmlformats.org/presentationml/2006/main">
+  <p:cSld>
+    <p:spTree>
+      <p:nvGrpSpPr>
+        <p:cNvPr id="1" name=""/>
+        <p:cNvGrpSpPr/>
+        <p:nvPr/>
+      </p:nvGrpSpPr>
+      <p:grpSpPr/>
+      <p:sp>
+        <p:nvSpPr>
+          <p:cNvPr id="2" name="标题 1"/>
+          <p:cNvSpPr>
+            <a:spLocks noGrp="1"/>
+          </p:cNvSpPr>
+          <p:nvPr>
+            <p:ph type="title"/>
+          </p:nvPr>
+        </p:nvSpPr>
+        <p:spPr/>
+        <p:txBody>
+          <a:bodyPr/>
+          <a:p>
+            <a:r>
+              <a:rPr lang="zh-CN" altLang="en-US"/>
+              <a:t>前端</a:t>
+            </a:r>
+            <a:endParaRPr lang="zh-CN" altLang="en-US"/>
+          </a:p>
+        </p:txBody>
+      </p:sp>
+      <p:pic>
+        <p:nvPicPr>
+          <p:cNvPr id="4" name="内容占位符 3"/>
+          <p:cNvPicPr>
+            <a:picLocks noChangeAspect="1"/>
+          </p:cNvPicPr>
+          <p:nvPr>
+            <p:ph idx="1"/>
+          </p:nvPr>
+        </p:nvPicPr>
+        <p:blipFill>
+          <a:blip r:embed="rId1"/>
+          <a:stretch>
+            <a:fillRect/>
+          </a:stretch>
+        </p:blipFill>
+        <p:spPr>
+          <a:xfrm>
+            <a:off x="0" y="1870075"/>
+            <a:ext cx="12365990" cy="876935"/>
+          </a:xfrm>
+          <a:prstGeom prst="rect">
+            <a:avLst/>
+          </a:prstGeom>
+        </p:spPr>
+      </p:pic>
+    </p:spTree>
+  </p:cSld>
+  <p:clrMapOvr>
+    <a:masterClrMapping/>
+  </p:clrMapOvr>
+</p:sld>
+</file>
+
+<file path=ppt/slides/slide9.xml><?xml version="1.0" encoding="utf-8"?>
+<p:sld xmlns:a="http://schemas.openxmlformats.org/drawingml/2006/main" xmlns:r="http://schemas.openxmlformats.org/officeDocument/2006/relationships" xmlns:p="http://schemas.openxmlformats.org/presentationml/2006/main">
+  <p:cSld>
+    <p:spTree>
+      <p:nvGrpSpPr>
+        <p:cNvPr id="1" name=""/>
+        <p:cNvGrpSpPr/>
+        <p:nvPr/>
+      </p:nvGrpSpPr>
+      <p:grpSpPr/>
+      <p:sp>
+        <p:nvSpPr>
+          <p:cNvPr id="2" name="标题 1"/>
+          <p:cNvSpPr>
+            <a:spLocks noGrp="1"/>
+          </p:cNvSpPr>
+          <p:nvPr>
+            <p:ph type="title"/>
+          </p:nvPr>
+        </p:nvSpPr>
+        <p:spPr/>
+        <p:txBody>
+          <a:bodyPr/>
+          <a:p>
+            <a:r>
+              <a:rPr lang="zh-CN" altLang="en-US"/>
+              <a:t>后端（</a:t>
+            </a:r>
+            <a:r>
+              <a:rPr lang="en-US" altLang="zh-CN"/>
+              <a:t>fastapi</a:t>
+            </a:r>
+            <a:r>
+              <a:rPr lang="zh-CN" altLang="en-US"/>
+              <a:t>）</a:t>
+            </a:r>
+            <a:endParaRPr lang="zh-CN" altLang="en-US"/>
+          </a:p>
+        </p:txBody>
+      </p:sp>
+      <p:sp>
+        <p:nvSpPr>
+          <p:cNvPr id="3" name="内容占位符 2"/>
+          <p:cNvSpPr>
+            <a:spLocks noGrp="1"/>
+          </p:cNvSpPr>
+          <p:nvPr>
+            <p:ph idx="1"/>
+          </p:nvPr>
+        </p:nvSpPr>
+        <p:spPr>
+          <a:xfrm>
+            <a:off x="751840" y="1450975"/>
+            <a:ext cx="10515600" cy="4351338"/>
+          </a:xfrm>
+        </p:spPr>
+        <p:txBody>
+          <a:bodyPr>
+            <a:normAutofit fontScale="25000"/>
+          </a:bodyPr>
+          <a:p>
+            <a:pPr fontAlgn="auto">
+              <a:lnSpc>
+                <a:spcPct val="150000"/>
+              </a:lnSpc>
+              <a:spcBef>
+                <a:spcPts val="0"/>
+              </a:spcBef>
+            </a:pPr>
+            <a:r>
+              <a:rPr lang="zh-CN" altLang="en-US" sz="7200"/>
+              <a:t>一、速度快</a:t>
+            </a:r>
+            <a:endParaRPr lang="zh-CN" altLang="en-US" sz="7200"/>
+          </a:p>
+          <a:p>
+            <a:pPr fontAlgn="auto">
+              <a:lnSpc>
+                <a:spcPct val="150000"/>
+              </a:lnSpc>
+              <a:spcBef>
+                <a:spcPts val="0"/>
+              </a:spcBef>
+            </a:pPr>
+            <a:r>
+              <a:rPr lang="en-US" altLang="zh-CN" sz="7200"/>
+              <a:t>FastAPI </a:t>
+            </a:r>
+            <a:r>
+              <a:rPr lang="zh-CN" altLang="en-US" sz="7200"/>
+              <a:t>是基于</a:t>
+            </a:r>
+            <a:r>
+              <a:rPr lang="en-US" altLang="zh-CN" sz="7200"/>
+              <a:t> Starlette </a:t>
+            </a:r>
+            <a:r>
+              <a:rPr lang="zh-CN" altLang="en-US" sz="7200"/>
+              <a:t>和</a:t>
+            </a:r>
+            <a:r>
+              <a:rPr lang="en-US" altLang="zh-CN" sz="7200"/>
+              <a:t> Pydantic </a:t>
+            </a:r>
+            <a:r>
+              <a:rPr lang="zh-CN" altLang="en-US" sz="7200"/>
+              <a:t>构建的，天然支持异步（</a:t>
+            </a:r>
+            <a:r>
+              <a:rPr lang="en-US" altLang="zh-CN" sz="7200"/>
+              <a:t>async/await</a:t>
+            </a:r>
+            <a:r>
+              <a:rPr lang="zh-CN" altLang="en-US" sz="7200"/>
+              <a:t>）。</a:t>
+            </a:r>
+            <a:endParaRPr lang="zh-CN" altLang="en-US" sz="7200"/>
+          </a:p>
+          <a:p>
+            <a:pPr fontAlgn="auto">
+              <a:lnSpc>
+                <a:spcPct val="150000"/>
+              </a:lnSpc>
+              <a:spcBef>
+                <a:spcPts val="0"/>
+              </a:spcBef>
+            </a:pPr>
+            <a:r>
+              <a:rPr lang="zh-CN" altLang="en-US" sz="7200"/>
+              <a:t>单接口性能接近</a:t>
+            </a:r>
+            <a:r>
+              <a:rPr lang="en-US" altLang="zh-CN" sz="7200"/>
+              <a:t> Node.js </a:t>
+            </a:r>
+            <a:r>
+              <a:rPr lang="zh-CN" altLang="en-US" sz="7200"/>
+              <a:t>和</a:t>
+            </a:r>
+            <a:r>
+              <a:rPr lang="en-US" altLang="zh-CN" sz="7200"/>
+              <a:t> Go</a:t>
+            </a:r>
+            <a:r>
+              <a:rPr lang="zh-CN" altLang="en-US" sz="7200"/>
+              <a:t>，远超传统的</a:t>
+            </a:r>
+            <a:r>
+              <a:rPr lang="en-US" altLang="zh-CN" sz="7200"/>
+              <a:t> Flask</a:t>
+            </a:r>
+            <a:r>
+              <a:rPr lang="zh-CN" altLang="en-US" sz="7200"/>
+              <a:t>、</a:t>
+            </a:r>
+            <a:r>
+              <a:rPr lang="en-US" altLang="zh-CN" sz="7200"/>
+              <a:t>Django</a:t>
+            </a:r>
+            <a:r>
+              <a:rPr lang="zh-CN" altLang="en-US" sz="7200"/>
+              <a:t>。</a:t>
+            </a:r>
+            <a:endParaRPr lang="en-US" altLang="zh-CN" sz="7200"/>
+          </a:p>
+          <a:p>
+            <a:pPr fontAlgn="auto">
+              <a:lnSpc>
+                <a:spcPct val="150000"/>
+              </a:lnSpc>
+              <a:spcBef>
+                <a:spcPts val="0"/>
+              </a:spcBef>
+            </a:pPr>
+            <a:r>
+              <a:rPr lang="zh-CN" altLang="en-US" sz="7200"/>
+              <a:t>二、开发效率高</a:t>
+            </a:r>
+            <a:endParaRPr lang="zh-CN" altLang="en-US" sz="7200"/>
+          </a:p>
+          <a:p>
+            <a:pPr fontAlgn="auto">
+              <a:lnSpc>
+                <a:spcPct val="150000"/>
+              </a:lnSpc>
+              <a:spcBef>
+                <a:spcPts val="0"/>
+              </a:spcBef>
+            </a:pPr>
+            <a:r>
+              <a:rPr lang="zh-CN" altLang="en-US" sz="7200"/>
+              <a:t>支持自动生成</a:t>
+            </a:r>
+            <a:r>
+              <a:rPr lang="en-US" altLang="zh-CN" sz="7200"/>
+              <a:t> OpenAPI</a:t>
+            </a:r>
+            <a:r>
+              <a:rPr lang="zh-CN" altLang="en-US" sz="7200"/>
+              <a:t>（</a:t>
+            </a:r>
+            <a:r>
+              <a:rPr lang="en-US" altLang="zh-CN" sz="7200"/>
+              <a:t>Swagger</a:t>
+            </a:r>
+            <a:r>
+              <a:rPr lang="zh-CN" altLang="en-US" sz="7200"/>
+              <a:t>）文档，不用手写接口文档。</a:t>
+            </a:r>
+            <a:endParaRPr lang="en-US" altLang="zh-CN" sz="7200"/>
+          </a:p>
+          <a:p>
+            <a:pPr fontAlgn="auto">
+              <a:lnSpc>
+                <a:spcPct val="150000"/>
+              </a:lnSpc>
+              <a:spcBef>
+                <a:spcPts val="0"/>
+              </a:spcBef>
+            </a:pPr>
+            <a:r>
+              <a:rPr lang="zh-CN" altLang="en-US" sz="7200"/>
+              <a:t>请求参数、响应结果都有自动校验，只需简单定义</a:t>
+            </a:r>
+            <a:r>
+              <a:rPr lang="en-US" altLang="zh-CN" sz="7200"/>
+              <a:t> Pydantic </a:t>
+            </a:r>
+            <a:r>
+              <a:rPr lang="zh-CN" altLang="en-US" sz="7200"/>
+              <a:t>模型。</a:t>
+            </a:r>
+            <a:endParaRPr lang="en-US" altLang="zh-CN" sz="7200"/>
+          </a:p>
+          <a:p>
+            <a:pPr fontAlgn="auto">
+              <a:lnSpc>
+                <a:spcPct val="150000"/>
+              </a:lnSpc>
+              <a:spcBef>
+                <a:spcPts val="0"/>
+              </a:spcBef>
+            </a:pPr>
+            <a:r>
+              <a:rPr lang="zh-CN" altLang="en-US" sz="7200"/>
+              <a:t>几乎写完接口代码，文档、校验、序列化都自动做好了。</a:t>
+            </a:r>
+            <a:endParaRPr lang="en-US" altLang="zh-CN" sz="7200"/>
+          </a:p>
+          <a:p>
+            <a:pPr fontAlgn="auto">
+              <a:lnSpc>
+                <a:spcPct val="150000"/>
+              </a:lnSpc>
+              <a:spcBef>
+                <a:spcPts val="0"/>
+              </a:spcBef>
+            </a:pPr>
+            <a:r>
+              <a:rPr lang="zh-CN" altLang="en-US" sz="7200"/>
+              <a:t>三、学习曲线平滑</a:t>
+            </a:r>
+            <a:endParaRPr lang="zh-CN" altLang="en-US" sz="7200"/>
+          </a:p>
+          <a:p>
+            <a:pPr fontAlgn="auto">
+              <a:lnSpc>
+                <a:spcPct val="150000"/>
+              </a:lnSpc>
+              <a:spcBef>
+                <a:spcPts val="0"/>
+              </a:spcBef>
+            </a:pPr>
+            <a:r>
+              <a:rPr lang="zh-CN" altLang="en-US" sz="7200"/>
+              <a:t>语法风格清晰，基本接近</a:t>
+            </a:r>
+            <a:r>
+              <a:rPr lang="en-US" altLang="zh-CN" sz="7200"/>
+              <a:t> Flask</a:t>
+            </a:r>
+            <a:r>
+              <a:rPr lang="zh-CN" altLang="en-US" sz="7200"/>
+              <a:t>。</a:t>
+            </a:r>
+            <a:endParaRPr lang="en-US" altLang="zh-CN" sz="7200"/>
+          </a:p>
+          <a:p>
+            <a:pPr fontAlgn="auto">
+              <a:lnSpc>
+                <a:spcPct val="150000"/>
+              </a:lnSpc>
+              <a:spcBef>
+                <a:spcPts val="0"/>
+              </a:spcBef>
+            </a:pPr>
+            <a:r>
+              <a:rPr lang="zh-CN" altLang="en-US" sz="7200"/>
+              <a:t>如果用过</a:t>
+            </a:r>
+            <a:r>
+              <a:rPr lang="en-US" altLang="zh-CN" sz="7200"/>
+              <a:t> Flask/Django</a:t>
+            </a:r>
+            <a:r>
+              <a:rPr lang="zh-CN" altLang="en-US" sz="7200"/>
+              <a:t>，很快可以上手。</a:t>
+            </a:r>
+            <a:endParaRPr lang="en-US" altLang="zh-CN" sz="7200"/>
+          </a:p>
+          <a:p>
+            <a:pPr fontAlgn="auto">
+              <a:lnSpc>
+                <a:spcPct val="150000"/>
+              </a:lnSpc>
+              <a:spcBef>
+                <a:spcPts val="0"/>
+              </a:spcBef>
+            </a:pPr>
+            <a:r>
+              <a:rPr lang="zh-CN" altLang="en-US" sz="7200"/>
+              <a:t>兼容传统同步代码，也支持异步调用，过渡非常友好。</a:t>
+            </a:r>
+            <a:endParaRPr lang="en-US" altLang="zh-CN" sz="7200"/>
+          </a:p>
+          <a:p>
+            <a:pPr marL="0" indent="0" fontAlgn="auto">
+              <a:lnSpc>
+                <a:spcPct val="150000"/>
+              </a:lnSpc>
+              <a:spcBef>
+                <a:spcPts val="0"/>
+              </a:spcBef>
+              <a:buNone/>
+            </a:pPr>
+            <a:endParaRPr lang="zh-CN" altLang="en-US" sz="7200"/>
+          </a:p>
+        </p:txBody>
+      </p:sp>
+    </p:spTree>
+  </p:cSld>
+  <p:clrMapOvr>
+    <a:masterClrMapping/>
+  </p:clrMapOvr>
+  <p:timing>
+    <p:tnLst>
+      <p:par>
+        <p:cTn id="1" dur="indefinite" restart="never" nodeType="tmRoot"/>
+      </p:par>
+    </p:tnLst>
+  </p:timing>
+</p:sld>
+</file>
+
 <file path=ppt/theme/theme1.xml><?xml version="1.0" encoding="utf-8"?>
 <a:theme xmlns:a="http://schemas.openxmlformats.org/drawingml/2006/main" name="WPS">
   <a:themeElements>

--- a/期末演示.pptx
+++ b/期末演示.pptx
@@ -3678,21 +3678,6 @@
           <a:p>
             <a:r>
               <a:rPr lang="zh-CN" altLang="en-US"/>
-              <a:t>取消了</a:t>
-            </a:r>
-            <a:r>
-              <a:rPr lang="en-US" altLang="zh-CN"/>
-              <a:t>REST</a:t>
-            </a:r>
-            <a:r>
-              <a:rPr lang="zh-CN" altLang="en-US"/>
-              <a:t>风格</a:t>
-            </a:r>
-            <a:endParaRPr lang="zh-CN" altLang="en-US"/>
-          </a:p>
-          <a:p>
-            <a:r>
-              <a:rPr lang="zh-CN" altLang="en-US"/>
               <a:t>一共</a:t>
             </a:r>
             <a:r>
